--- a/rapport/Présentation_Finale.pptx
+++ b/rapport/Présentation_Finale.pptx
@@ -22424,7 +22424,7 @@
                 <a:latin typeface="Courier New"/>
                 <a:cs typeface="Courier New"/>
               </a:rPr>
-              <a:t>100</a:t>
+              <a:t>101</a:t>
             </a:r>
             <a:endParaRPr lang="fr-FR" sz="1150" b="1" dirty="0">
               <a:latin typeface="Courier New"/>
@@ -22714,7 +22714,7 @@
         <p:spPr>
           <a:xfrm>
             <a:off x="569775" y="1065906"/>
-            <a:ext cx="7577455" cy="1382430"/>
+            <a:ext cx="7577455" cy="1936428"/>
           </a:xfrm>
           <a:prstGeom prst="rect">
             <a:avLst/>
@@ -22851,6 +22851,47 @@
                 <a:cs typeface="Calibri"/>
               </a:rPr>
               <a:t>, Items … </a:t>
+            </a:r>
+          </a:p>
+          <a:p>
+            <a:pPr marL="469900" indent="-367030">
+              <a:lnSpc>
+                <a:spcPct val="100000"/>
+              </a:lnSpc>
+              <a:buFont typeface="Arial MT"/>
+              <a:buChar char="●"/>
+              <a:tabLst>
+                <a:tab pos="469265" algn="l"/>
+                <a:tab pos="469900" algn="l"/>
+                <a:tab pos="4347845" algn="l"/>
+                <a:tab pos="4714875" algn="l"/>
+              </a:tabLst>
+            </a:pPr>
+            <a:endParaRPr lang="fr-FR" sz="1800" spc="55" dirty="0">
+              <a:latin typeface="Calibri"/>
+              <a:cs typeface="Calibri"/>
+            </a:endParaRPr>
+          </a:p>
+          <a:p>
+            <a:pPr marL="469900" indent="-367030">
+              <a:lnSpc>
+                <a:spcPct val="100000"/>
+              </a:lnSpc>
+              <a:buFont typeface="Arial MT"/>
+              <a:buChar char="●"/>
+              <a:tabLst>
+                <a:tab pos="469265" algn="l"/>
+                <a:tab pos="469900" algn="l"/>
+                <a:tab pos="4347845" algn="l"/>
+                <a:tab pos="4714875" algn="l"/>
+              </a:tabLst>
+            </a:pPr>
+            <a:r>
+              <a:rPr lang="fr-FR" sz="1800" spc="55">
+                <a:latin typeface="Calibri"/>
+                <a:cs typeface="Calibri"/>
+              </a:rPr>
+              <a:t>Forme conjonctif ?</a:t>
             </a:r>
             <a:r>
               <a:rPr sz="1800" spc="30" dirty="0">

--- a/rapport/Présentation_Finale.pptx
+++ b/rapport/Présentation_Finale.pptx
@@ -12124,7 +12124,7 @@
         <p:spPr>
           <a:xfrm>
             <a:off x="4402362" y="3384448"/>
-            <a:ext cx="2609882" cy="523220"/>
+            <a:ext cx="2109745" cy="523220"/>
           </a:xfrm>
           <a:prstGeom prst="rect">
             <a:avLst/>
@@ -12141,7 +12141,21 @@
                 <a:latin typeface="Times New Roman" panose="02020603050405020304" pitchFamily="18" charset="0"/>
                 <a:cs typeface="Times New Roman" panose="02020603050405020304" pitchFamily="18" charset="0"/>
               </a:rPr>
-              <a:t>Nœuds de T1 ne sont pas dans T2</a:t>
+              <a:t>Nœuds de T1 </a:t>
+            </a:r>
+            <a:r>
+              <a:rPr lang="fr-FR" kern="1200">
+                <a:latin typeface="Times New Roman" panose="02020603050405020304" pitchFamily="18" charset="0"/>
+                <a:cs typeface="Times New Roman" panose="02020603050405020304" pitchFamily="18" charset="0"/>
+              </a:rPr>
+              <a:t>sont dans </a:t>
+            </a:r>
+            <a:r>
+              <a:rPr lang="fr-FR" kern="1200" dirty="0">
+                <a:latin typeface="Times New Roman" panose="02020603050405020304" pitchFamily="18" charset="0"/>
+                <a:cs typeface="Times New Roman" panose="02020603050405020304" pitchFamily="18" charset="0"/>
+              </a:rPr>
+              <a:t>T2</a:t>
             </a:r>
           </a:p>
           <a:p>
@@ -24994,7 +25008,7 @@
                     <a:latin typeface="Times New Roman" panose="02020603050405020304" pitchFamily="18" charset="0"/>
                     <a:cs typeface="Times New Roman" panose="02020603050405020304" pitchFamily="18" charset="0"/>
                   </a:rPr>
-                  <a:t>Comment réparer une instance non valide à un schéma.</a:t>
+                  <a:t>Comment réparer une instance non valide à un schéma ?</a:t>
                 </a:r>
               </a:p>
               <a:p>
@@ -25010,7 +25024,7 @@
                     <a:latin typeface="Times New Roman" panose="02020603050405020304" pitchFamily="18" charset="0"/>
                     <a:cs typeface="Times New Roman" panose="02020603050405020304" pitchFamily="18" charset="0"/>
                   </a:rPr>
-                  <a:t>Existe un lien entre les distances d’édition et les erreurs de validation</a:t>
+                  <a:t>Existe t-il un lien entre les distances d’édition et les erreurs de validation ?</a:t>
                 </a:r>
               </a:p>
               <a:p>
@@ -25026,7 +25040,7 @@
                     <a:latin typeface="Times New Roman" panose="02020603050405020304" pitchFamily="18" charset="0"/>
                     <a:cs typeface="Times New Roman" panose="02020603050405020304" pitchFamily="18" charset="0"/>
                   </a:rPr>
-                  <a:t>Quelles sont les approches à suivre pour la réparation </a:t>
+                  <a:t>Quelles sont les approches à suivre pour la réparation ?</a:t>
                 </a:r>
               </a:p>
               <a:p>
@@ -32494,6 +32508,36 @@
           <a:xfrm>
             <a:off x="788175" y="2521074"/>
             <a:ext cx="476249" cy="476249"/>
+          </a:xfrm>
+          <a:prstGeom prst="rect">
+            <a:avLst/>
+          </a:prstGeom>
+        </p:spPr>
+      </p:pic>
+      <p:pic>
+        <p:nvPicPr>
+          <p:cNvPr id="4" name="Image 3">
+            <a:extLst>
+              <a:ext uri="{FF2B5EF4-FFF2-40B4-BE49-F238E27FC236}">
+                <a16:creationId xmlns:a16="http://schemas.microsoft.com/office/drawing/2014/main" id="{5FB39551-6296-184C-3F8E-5F851BC40D0F}"/>
+              </a:ext>
+            </a:extLst>
+          </p:cNvPr>
+          <p:cNvPicPr>
+            <a:picLocks noChangeAspect="1"/>
+          </p:cNvPicPr>
+          <p:nvPr/>
+        </p:nvPicPr>
+        <p:blipFill>
+          <a:blip r:embed="rId6"/>
+          <a:stretch>
+            <a:fillRect/>
+          </a:stretch>
+        </p:blipFill>
+        <p:spPr>
+          <a:xfrm>
+            <a:off x="4428075" y="1823824"/>
+            <a:ext cx="4768410" cy="1495852"/>
           </a:xfrm>
           <a:prstGeom prst="rect">
             <a:avLst/>

--- a/rapport/Présentation_Finale.pptx
+++ b/rapport/Présentation_Finale.pptx
@@ -13160,11 +13160,18 @@
                   <a:buChar char="•"/>
                 </a:pPr>
                 <a:r>
+                  <a:rPr lang="fr-FR" sz="1800" kern="1200">
+                    <a:latin typeface="Times New Roman" panose="02020603050405020304" pitchFamily="18" charset="0"/>
+                    <a:cs typeface="Times New Roman" panose="02020603050405020304" pitchFamily="18" charset="0"/>
+                  </a:rPr>
+                  <a:t>Existe </a:t>
+                </a:r>
+                <a:r>
                   <a:rPr lang="fr-FR" sz="1800" kern="1200" dirty="0">
                     <a:latin typeface="Times New Roman" panose="02020603050405020304" pitchFamily="18" charset="0"/>
                     <a:cs typeface="Times New Roman" panose="02020603050405020304" pitchFamily="18" charset="0"/>
                   </a:rPr>
-                  <a:t> Y a-t-il une relation entre le nombre d’erreur .</a:t>
+                  <a:t>t-il un lien entre les erreurs de validation et la distance d’édition des arbres.</a:t>
                 </a:r>
               </a:p>
               <a:p>

--- a/rapport/Présentation_Finale.pptx
+++ b/rapport/Présentation_Finale.pptx
@@ -3107,7 +3107,31 @@
             </a:pPr>
             <a:r>
               <a:rPr lang="fr-FR" dirty="0"/>
-              <a:t>Nous avons réaliser </a:t>
+              <a:t>-4 nous avons essayé de le faire, c’est une mesure </a:t>
+            </a:r>
+            <a:r>
+              <a:rPr lang="fr-FR" dirty="0" err="1"/>
+              <a:t>quantiative</a:t>
+            </a:r>
+            <a:r>
+              <a:rPr lang="fr-FR" dirty="0"/>
+              <a:t>, on a contacté l’</a:t>
+            </a:r>
+            <a:r>
+              <a:rPr lang="fr-FR" dirty="0" err="1"/>
+              <a:t>ateur</a:t>
+            </a:r>
+            <a:r>
+              <a:rPr lang="fr-FR" dirty="0"/>
+              <a:t> de </a:t>
+            </a:r>
+            <a:r>
+              <a:rPr lang="fr-FR" dirty="0" err="1"/>
+              <a:t>larticle</a:t>
+            </a:r>
+            <a:r>
+              <a:rPr lang="fr-FR" dirty="0"/>
+              <a:t> pour savoir si y’a une possibilité d’extraire les informations sur la distance d’édition surtout pour les opérations à faire pour exploiter les distances d’éditions</a:t>
             </a:r>
           </a:p>
         </p:txBody>
@@ -9720,105 +9744,6 @@
       </p:sp>
       <p:sp>
         <p:nvSpPr>
-          <p:cNvPr id="4" name="ZoneTexte 3"/>
-          <p:cNvSpPr txBox="1"/>
-          <p:nvPr/>
-        </p:nvSpPr>
-        <p:spPr>
-          <a:xfrm>
-            <a:off x="3504369" y="468744"/>
-            <a:ext cx="2677336" cy="523220"/>
-          </a:xfrm>
-          <a:prstGeom prst="rect">
-            <a:avLst/>
-          </a:prstGeom>
-          <a:noFill/>
-        </p:spPr>
-        <p:txBody>
-          <a:bodyPr wrap="none" rtlCol="0">
-            <a:spAutoFit/>
-          </a:bodyPr>
-          <a:lstStyle/>
-          <a:p>
-            <a:pPr algn="ctr">
-              <a:buClr>
-                <a:schemeClr val="dk2"/>
-              </a:buClr>
-              <a:buSzPts val="1800"/>
-            </a:pPr>
-            <a:r>
-              <a:rPr lang="fr-FR" dirty="0">
-                <a:solidFill>
-                  <a:schemeClr val="tx1"/>
-                </a:solidFill>
-                <a:latin typeface="Source Sans Pro"/>
-                <a:ea typeface="Source Sans Pro"/>
-                <a:cs typeface="Source Sans Pro"/>
-                <a:sym typeface="Source Sans Pro"/>
-              </a:rPr>
-              <a:t>Faculté de science et d’ingénierie</a:t>
-            </a:r>
-          </a:p>
-          <a:p>
-            <a:pPr algn="ctr">
-              <a:buClr>
-                <a:schemeClr val="dk2"/>
-              </a:buClr>
-              <a:buSzPts val="1800"/>
-            </a:pPr>
-            <a:r>
-              <a:rPr lang="fr-FR" dirty="0">
-                <a:solidFill>
-                  <a:schemeClr val="tx1"/>
-                </a:solidFill>
-                <a:latin typeface="Source Sans Pro"/>
-                <a:ea typeface="Source Sans Pro"/>
-                <a:cs typeface="Source Sans Pro"/>
-                <a:sym typeface="Source Sans Pro"/>
-              </a:rPr>
-              <a:t>Département Informatique</a:t>
-            </a:r>
-          </a:p>
-        </p:txBody>
-      </p:sp>
-      <p:sp>
-        <p:nvSpPr>
-          <p:cNvPr id="5" name="ZoneTexte 4"/>
-          <p:cNvSpPr txBox="1"/>
-          <p:nvPr/>
-        </p:nvSpPr>
-        <p:spPr>
-          <a:xfrm>
-            <a:off x="2690040" y="1061946"/>
-            <a:ext cx="3727302" cy="307777"/>
-          </a:xfrm>
-          <a:prstGeom prst="rect">
-            <a:avLst/>
-          </a:prstGeom>
-          <a:noFill/>
-        </p:spPr>
-        <p:txBody>
-          <a:bodyPr wrap="none" rtlCol="0">
-            <a:spAutoFit/>
-          </a:bodyPr>
-          <a:lstStyle/>
-          <a:p>
-            <a:r>
-              <a:rPr lang="fr-FR" dirty="0">
-                <a:solidFill>
-                  <a:schemeClr val="tx1"/>
-                </a:solidFill>
-                <a:latin typeface="Source Sans Pro"/>
-                <a:ea typeface="Source Sans Pro"/>
-                <a:cs typeface="Source Sans Pro"/>
-              </a:rPr>
-              <a:t>Spécialité: Science et Technologie Logiciel (STL</a:t>
-            </a:r>
-          </a:p>
-        </p:txBody>
-      </p:sp>
-      <p:sp>
-        <p:nvSpPr>
           <p:cNvPr id="6" name="ZoneTexte 5"/>
           <p:cNvSpPr txBox="1"/>
           <p:nvPr/>
@@ -9913,36 +9838,6 @@
       </p:sp>
       <p:pic>
         <p:nvPicPr>
-          <p:cNvPr id="8" name="Picture 7">
-            <a:extLst>
-              <a:ext uri="{FF2B5EF4-FFF2-40B4-BE49-F238E27FC236}">
-                <a16:creationId xmlns:a16="http://schemas.microsoft.com/office/drawing/2014/main" id="{A0D61940-27D6-4E9B-9303-277A00A96A7B}"/>
-              </a:ext>
-            </a:extLst>
-          </p:cNvPr>
-          <p:cNvPicPr>
-            <a:picLocks noChangeAspect="1"/>
-          </p:cNvPicPr>
-          <p:nvPr/>
-        </p:nvPicPr>
-        <p:blipFill>
-          <a:blip r:embed="rId3"/>
-          <a:stretch>
-            <a:fillRect/>
-          </a:stretch>
-        </p:blipFill>
-        <p:spPr>
-          <a:xfrm>
-            <a:off x="7647039" y="412956"/>
-            <a:ext cx="1215945" cy="809428"/>
-          </a:xfrm>
-          <a:prstGeom prst="rect">
-            <a:avLst/>
-          </a:prstGeom>
-        </p:spPr>
-      </p:pic>
-      <p:pic>
-        <p:nvPicPr>
           <p:cNvPr id="10" name="Picture 9">
             <a:extLst>
               <a:ext uri="{FF2B5EF4-FFF2-40B4-BE49-F238E27FC236}">
@@ -9963,8 +9858,8 @@
         </p:blipFill>
         <p:spPr>
           <a:xfrm>
-            <a:off x="387388" y="406406"/>
-            <a:ext cx="1957606" cy="809428"/>
+            <a:off x="3108960" y="383154"/>
+            <a:ext cx="2926080" cy="1209872"/>
           </a:xfrm>
           <a:prstGeom prst="rect">
             <a:avLst/>
@@ -11469,8 +11364,8 @@
         </p:nvSpPr>
         <p:spPr>
           <a:xfrm>
-            <a:off x="1638299" y="3637813"/>
-            <a:ext cx="4572000" cy="362728"/>
+            <a:off x="1638298" y="3637813"/>
+            <a:ext cx="5669281" cy="953979"/>
           </a:xfrm>
           <a:prstGeom prst="rect">
             <a:avLst/>
@@ -11523,7 +11418,51 @@
                 <a:latin typeface="Times New Roman" panose="02020603050405020304" pitchFamily="18" charset="0"/>
                 <a:cs typeface="Times New Roman" panose="02020603050405020304" pitchFamily="18" charset="0"/>
               </a:rPr>
-              <a:t>(n²)</a:t>
+              <a:t>( n²*d*log(d) )</a:t>
+            </a:r>
+          </a:p>
+          <a:p>
+            <a:pPr marL="298450" marR="1285240" indent="-285750">
+              <a:lnSpc>
+                <a:spcPct val="133900"/>
+              </a:lnSpc>
+              <a:spcBef>
+                <a:spcPts val="100"/>
+              </a:spcBef>
+              <a:buFont typeface="Arial" panose="020B0604020202020204" pitchFamily="34" charset="0"/>
+              <a:buChar char="•"/>
+            </a:pPr>
+            <a:r>
+              <a:rPr lang="fr-FR" b="1" spc="-5" dirty="0">
+                <a:solidFill>
+                  <a:srgbClr val="098658"/>
+                </a:solidFill>
+                <a:latin typeface="Times New Roman" panose="02020603050405020304" pitchFamily="18" charset="0"/>
+                <a:cs typeface="Times New Roman" panose="02020603050405020304" pitchFamily="18" charset="0"/>
+              </a:rPr>
+              <a:t>n :  nombre de nœuds de T1 (premier arbre )</a:t>
+            </a:r>
+          </a:p>
+          <a:p>
+            <a:pPr marL="298450" marR="1285240" indent="-285750">
+              <a:lnSpc>
+                <a:spcPct val="133900"/>
+              </a:lnSpc>
+              <a:spcBef>
+                <a:spcPts val="100"/>
+              </a:spcBef>
+              <a:buFont typeface="Arial" panose="020B0604020202020204" pitchFamily="34" charset="0"/>
+              <a:buChar char="•"/>
+            </a:pPr>
+            <a:r>
+              <a:rPr lang="fr-FR" sz="1400" b="1" spc="-5" dirty="0">
+                <a:solidFill>
+                  <a:srgbClr val="098658"/>
+                </a:solidFill>
+                <a:latin typeface="Times New Roman" panose="02020603050405020304" pitchFamily="18" charset="0"/>
+                <a:cs typeface="Times New Roman" panose="02020603050405020304" pitchFamily="18" charset="0"/>
+              </a:rPr>
+              <a:t>D : degré maximum de T1</a:t>
             </a:r>
             <a:endParaRPr lang="fr-FR" sz="1400" dirty="0">
               <a:latin typeface="Times New Roman" panose="02020603050405020304" pitchFamily="18" charset="0"/>
@@ -12845,8 +12784,8 @@
         </p:blipFill>
         <p:spPr>
           <a:xfrm>
-            <a:off x="177288" y="1582839"/>
-            <a:ext cx="5353050" cy="2847975"/>
+            <a:off x="845820" y="1938518"/>
+            <a:ext cx="4015986" cy="2136618"/>
           </a:xfrm>
           <a:prstGeom prst="rect">
             <a:avLst/>
@@ -12922,7 +12861,7 @@
         <p:spPr>
           <a:xfrm>
             <a:off x="241300" y="63500"/>
-            <a:ext cx="3320140" cy="523220"/>
+            <a:ext cx="3459601" cy="523220"/>
           </a:xfrm>
           <a:prstGeom prst="rect">
             <a:avLst/>
@@ -12940,7 +12879,7 @@
                 <a:latin typeface="Times New Roman" panose="02020603050405020304" pitchFamily="18" charset="0"/>
                 <a:cs typeface="Times New Roman" panose="02020603050405020304" pitchFamily="18" charset="0"/>
               </a:rPr>
-              <a:t>Réparation d’instance</a:t>
+              <a:t>Réparation d’instances</a:t>
             </a:r>
           </a:p>
         </p:txBody>
@@ -13143,7 +13082,7 @@
                     <a:latin typeface="Times New Roman" panose="02020603050405020304" pitchFamily="18" charset="0"/>
                     <a:cs typeface="Times New Roman" panose="02020603050405020304" pitchFamily="18" charset="0"/>
                   </a:rPr>
-                  <a:t>Peut ont s’en servir de cet arbre pour réparer nos instances ?</a:t>
+                  <a:t>Peut-on s’en servir de cet arbre pour réparer nos instances ?</a:t>
                 </a:r>
               </a:p>
               <a:p>
@@ -13160,18 +13099,11 @@
                   <a:buChar char="•"/>
                 </a:pPr>
                 <a:r>
-                  <a:rPr lang="fr-FR" sz="1800" kern="1200">
-                    <a:latin typeface="Times New Roman" panose="02020603050405020304" pitchFamily="18" charset="0"/>
-                    <a:cs typeface="Times New Roman" panose="02020603050405020304" pitchFamily="18" charset="0"/>
-                  </a:rPr>
-                  <a:t>Existe </a:t>
-                </a:r>
-                <a:r>
                   <a:rPr lang="fr-FR" sz="1800" kern="1200" dirty="0">
                     <a:latin typeface="Times New Roman" panose="02020603050405020304" pitchFamily="18" charset="0"/>
                     <a:cs typeface="Times New Roman" panose="02020603050405020304" pitchFamily="18" charset="0"/>
                   </a:rPr>
-                  <a:t>t-il un lien entre les erreurs de validation et la distance d’édition des arbres.</a:t>
+                  <a:t>Existe-t-il un lien entre les erreurs de validation et la distance d’édition des arbres ?</a:t>
                 </a:r>
               </a:p>
               <a:p>
@@ -13616,7 +13548,7 @@
                 <a:cs typeface="Reem Kufi"/>
                 <a:sym typeface="Reem Kufi"/>
               </a:rPr>
-              <a:t>Démarche à suivre</a:t>
+              <a:t>Approche à suivre</a:t>
             </a:r>
           </a:p>
         </p:txBody>
@@ -14934,7 +14866,7 @@
                 <a:latin typeface="Times New Roman" panose="02020603050405020304" pitchFamily="18" charset="0"/>
                 <a:cs typeface="Times New Roman" panose="02020603050405020304" pitchFamily="18" charset="0"/>
               </a:rPr>
-              <a:t> et </a:t>
+              <a:t>, des  </a:t>
             </a:r>
           </a:p>
           <a:p>
@@ -14976,7 +14908,7 @@
               </a:rPr>
               <a:t>générées</a:t>
             </a:r>
-            <a:endParaRPr sz="1500" dirty="0">
+            <a:endParaRPr lang="fr-FR" sz="1500" dirty="0">
               <a:latin typeface="Times New Roman" panose="02020603050405020304" pitchFamily="18" charset="0"/>
               <a:cs typeface="Times New Roman" panose="02020603050405020304" pitchFamily="18" charset="0"/>
             </a:endParaRPr>
@@ -16509,7 +16441,7 @@
                 <a:cs typeface="Reem Kufi"/>
                 <a:sym typeface="Reem Kufi"/>
               </a:rPr>
-              <a:t>Démarche à suivre</a:t>
+              <a:t>Approche à suivre</a:t>
             </a:r>
           </a:p>
         </p:txBody>
@@ -16558,7 +16490,7 @@
                 <a:cs typeface="Reem Kufi"/>
                 <a:sym typeface="Reem Kufi"/>
               </a:rPr>
-              <a:t>Concepts</a:t>
+              <a:t>Contexte</a:t>
             </a:r>
           </a:p>
         </p:txBody>
@@ -16788,7 +16720,7 @@
                 <a:cs typeface="Reem Kufi"/>
                 <a:sym typeface="Reem Kufi"/>
               </a:rPr>
-              <a:t>Approche proposé</a:t>
+              <a:t>Algorithme de réparation</a:t>
             </a:r>
           </a:p>
         </p:txBody>
@@ -16966,10 +16898,10 @@
       </p:sp>
       <p:pic>
         <p:nvPicPr>
-          <p:cNvPr id="3" name="Image 2">
+          <p:cNvPr id="4" name="Image 3">
             <a:extLst>
               <a:ext uri="{FF2B5EF4-FFF2-40B4-BE49-F238E27FC236}">
-                <a16:creationId xmlns:a16="http://schemas.microsoft.com/office/drawing/2014/main" id="{3DF11B7A-EFB8-2311-CA71-87C6B044DB1B}"/>
+                <a16:creationId xmlns:a16="http://schemas.microsoft.com/office/drawing/2014/main" id="{479293E1-4E33-501C-92F4-9A9AFC9BEA06}"/>
               </a:ext>
             </a:extLst>
           </p:cNvPr>
@@ -16986,14 +16918,49 @@
         </p:blipFill>
         <p:spPr>
           <a:xfrm>
-            <a:off x="2667448" y="1215896"/>
-            <a:ext cx="3809104" cy="3270508"/>
+            <a:off x="2503166" y="1035050"/>
+            <a:ext cx="4137668" cy="3073400"/>
           </a:xfrm>
           <a:prstGeom prst="rect">
             <a:avLst/>
           </a:prstGeom>
         </p:spPr>
       </p:pic>
+      <p:sp>
+        <p:nvSpPr>
+          <p:cNvPr id="5" name="ZoneTexte 4">
+            <a:extLst>
+              <a:ext uri="{FF2B5EF4-FFF2-40B4-BE49-F238E27FC236}">
+                <a16:creationId xmlns:a16="http://schemas.microsoft.com/office/drawing/2014/main" id="{7E6CEAA5-01CC-1CAB-98DB-234D7F7E3756}"/>
+              </a:ext>
+            </a:extLst>
+          </p:cNvPr>
+          <p:cNvSpPr txBox="1"/>
+          <p:nvPr/>
+        </p:nvSpPr>
+        <p:spPr>
+          <a:xfrm>
+            <a:off x="2243478" y="4402891"/>
+            <a:ext cx="4657044" cy="307777"/>
+          </a:xfrm>
+          <a:prstGeom prst="rect">
+            <a:avLst/>
+          </a:prstGeom>
+          <a:noFill/>
+        </p:spPr>
+        <p:txBody>
+          <a:bodyPr wrap="none" rtlCol="0">
+            <a:spAutoFit/>
+          </a:bodyPr>
+          <a:lstStyle/>
+          <a:p>
+            <a:r>
+              <a:rPr lang="fr-FR" dirty="0"/>
+              <a:t>Taux d’occurrences des erreurs pour chaque générateur</a:t>
+            </a:r>
+          </a:p>
+        </p:txBody>
+      </p:sp>
     </p:spTree>
     <p:extLst>
       <p:ext uri="{BB962C8B-B14F-4D97-AF65-F5344CB8AC3E}">
@@ -17469,11 +17436,18 @@
               </a:tabLst>
             </a:pPr>
             <a:r>
-              <a:rPr sz="1200" spc="-45" dirty="0">
+              <a:rPr lang="fr-FR" sz="1200" spc="-45" dirty="0">
                 <a:latin typeface="Times New Roman" panose="02020603050405020304" pitchFamily="18" charset="0"/>
                 <a:cs typeface="Times New Roman" panose="02020603050405020304" pitchFamily="18" charset="0"/>
               </a:rPr>
-              <a:t>String</a:t>
+              <a:t>s</a:t>
+            </a:r>
+            <a:r>
+              <a:rPr sz="1200" spc="-45" dirty="0" err="1">
+                <a:latin typeface="Times New Roman" panose="02020603050405020304" pitchFamily="18" charset="0"/>
+                <a:cs typeface="Times New Roman" panose="02020603050405020304" pitchFamily="18" charset="0"/>
+              </a:rPr>
+              <a:t>tring</a:t>
             </a:r>
             <a:endParaRPr sz="1200" dirty="0">
               <a:latin typeface="Times New Roman" panose="02020603050405020304" pitchFamily="18" charset="0"/>
@@ -17493,11 +17467,18 @@
               </a:tabLst>
             </a:pPr>
             <a:r>
+              <a:rPr lang="fr-FR" sz="1200" spc="-35" dirty="0">
+                <a:latin typeface="Times New Roman" panose="02020603050405020304" pitchFamily="18" charset="0"/>
+                <a:cs typeface="Times New Roman" panose="02020603050405020304" pitchFamily="18" charset="0"/>
+              </a:rPr>
+              <a:t>n</a:t>
+            </a:r>
+            <a:r>
               <a:rPr sz="1200" spc="-35" dirty="0">
                 <a:latin typeface="Times New Roman" panose="02020603050405020304" pitchFamily="18" charset="0"/>
                 <a:cs typeface="Times New Roman" panose="02020603050405020304" pitchFamily="18" charset="0"/>
               </a:rPr>
-              <a:t>Number</a:t>
+              <a:t>umber</a:t>
             </a:r>
             <a:endParaRPr sz="1200" dirty="0">
               <a:latin typeface="Times New Roman" panose="02020603050405020304" pitchFamily="18" charset="0"/>
@@ -17517,11 +17498,18 @@
               </a:tabLst>
             </a:pPr>
             <a:r>
-              <a:rPr sz="1200" spc="-30" dirty="0">
+              <a:rPr lang="fr-FR" sz="1200" spc="-30" dirty="0">
                 <a:latin typeface="Times New Roman" panose="02020603050405020304" pitchFamily="18" charset="0"/>
                 <a:cs typeface="Times New Roman" panose="02020603050405020304" pitchFamily="18" charset="0"/>
               </a:rPr>
-              <a:t>Integer</a:t>
+              <a:t>i</a:t>
+            </a:r>
+            <a:r>
+              <a:rPr sz="1200" spc="-30" dirty="0" err="1">
+                <a:latin typeface="Times New Roman" panose="02020603050405020304" pitchFamily="18" charset="0"/>
+                <a:cs typeface="Times New Roman" panose="02020603050405020304" pitchFamily="18" charset="0"/>
+              </a:rPr>
+              <a:t>nteger</a:t>
             </a:r>
             <a:endParaRPr sz="1200" dirty="0">
               <a:latin typeface="Times New Roman" panose="02020603050405020304" pitchFamily="18" charset="0"/>
@@ -17541,11 +17529,18 @@
               </a:tabLst>
             </a:pPr>
             <a:r>
-              <a:rPr sz="1200" spc="-50" dirty="0">
+              <a:rPr lang="fr-FR" sz="1200" spc="-50" dirty="0">
                 <a:latin typeface="Times New Roman" panose="02020603050405020304" pitchFamily="18" charset="0"/>
                 <a:cs typeface="Times New Roman" panose="02020603050405020304" pitchFamily="18" charset="0"/>
               </a:rPr>
-              <a:t>Boolean</a:t>
+              <a:t>b</a:t>
+            </a:r>
+            <a:r>
+              <a:rPr sz="1200" spc="-50" dirty="0" err="1">
+                <a:latin typeface="Times New Roman" panose="02020603050405020304" pitchFamily="18" charset="0"/>
+                <a:cs typeface="Times New Roman" panose="02020603050405020304" pitchFamily="18" charset="0"/>
+              </a:rPr>
+              <a:t>oolean</a:t>
             </a:r>
             <a:endParaRPr sz="1200" dirty="0">
               <a:latin typeface="Times New Roman" panose="02020603050405020304" pitchFamily="18" charset="0"/>
@@ -17565,11 +17560,18 @@
               </a:tabLst>
             </a:pPr>
             <a:r>
-              <a:rPr sz="1200" spc="-20" dirty="0">
+              <a:rPr lang="fr-FR" sz="1200" spc="-20" dirty="0">
                 <a:latin typeface="Times New Roman" panose="02020603050405020304" pitchFamily="18" charset="0"/>
                 <a:cs typeface="Times New Roman" panose="02020603050405020304" pitchFamily="18" charset="0"/>
               </a:rPr>
-              <a:t>Null</a:t>
+              <a:t>n</a:t>
+            </a:r>
+            <a:r>
+              <a:rPr sz="1200" spc="-20" dirty="0" err="1">
+                <a:latin typeface="Times New Roman" panose="02020603050405020304" pitchFamily="18" charset="0"/>
+                <a:cs typeface="Times New Roman" panose="02020603050405020304" pitchFamily="18" charset="0"/>
+              </a:rPr>
+              <a:t>ull</a:t>
             </a:r>
             <a:endParaRPr sz="1200" dirty="0">
               <a:latin typeface="Times New Roman" panose="02020603050405020304" pitchFamily="18" charset="0"/>
@@ -17830,13 +17832,20 @@
               </a:tabLst>
             </a:pPr>
             <a:r>
-              <a:rPr sz="1200" spc="-45" dirty="0">
+              <a:rPr lang="fr-FR" sz="1200" spc="-45" dirty="0">
                 <a:latin typeface="Times New Roman" panose="02020603050405020304" pitchFamily="18" charset="0"/>
                 <a:cs typeface="Times New Roman" panose="02020603050405020304" pitchFamily="18" charset="0"/>
               </a:rPr>
-              <a:t>Properties</a:t>
-            </a:r>
-            <a:endParaRPr sz="1200">
+              <a:t>p</a:t>
+            </a:r>
+            <a:r>
+              <a:rPr sz="1200" spc="-45" dirty="0" err="1">
+                <a:latin typeface="Times New Roman" panose="02020603050405020304" pitchFamily="18" charset="0"/>
+                <a:cs typeface="Times New Roman" panose="02020603050405020304" pitchFamily="18" charset="0"/>
+              </a:rPr>
+              <a:t>roperties</a:t>
+            </a:r>
+            <a:endParaRPr sz="1200" dirty="0">
               <a:latin typeface="Times New Roman" panose="02020603050405020304" pitchFamily="18" charset="0"/>
               <a:cs typeface="Times New Roman" panose="02020603050405020304" pitchFamily="18" charset="0"/>
             </a:endParaRPr>
@@ -17854,27 +17863,27 @@
               </a:tabLst>
             </a:pPr>
             <a:r>
-              <a:rPr sz="1200" spc="-35" dirty="0">
+              <a:rPr lang="fr-FR" sz="1200" spc="-35" dirty="0">
                 <a:latin typeface="Times New Roman" panose="02020603050405020304" pitchFamily="18" charset="0"/>
                 <a:cs typeface="Times New Roman" panose="02020603050405020304" pitchFamily="18" charset="0"/>
               </a:rPr>
-              <a:t>Pattern</a:t>
-            </a:r>
-            <a:r>
-              <a:rPr sz="1200" spc="-40" dirty="0">
+              <a:t>p</a:t>
+            </a:r>
+            <a:r>
+              <a:rPr sz="1200" spc="-35" dirty="0" err="1">
                 <a:latin typeface="Times New Roman" panose="02020603050405020304" pitchFamily="18" charset="0"/>
                 <a:cs typeface="Times New Roman" panose="02020603050405020304" pitchFamily="18" charset="0"/>
               </a:rPr>
-              <a:t> </a:t>
-            </a:r>
-            <a:r>
-              <a:rPr sz="1200" spc="-45" dirty="0">
+              <a:t>attern</a:t>
+            </a:r>
+            <a:r>
+              <a:rPr sz="1200" spc="-45" dirty="0" err="1">
                 <a:latin typeface="Times New Roman" panose="02020603050405020304" pitchFamily="18" charset="0"/>
                 <a:cs typeface="Times New Roman" panose="02020603050405020304" pitchFamily="18" charset="0"/>
               </a:rPr>
               <a:t>Properties</a:t>
             </a:r>
-            <a:endParaRPr sz="1200">
+            <a:endParaRPr sz="1200" dirty="0">
               <a:latin typeface="Times New Roman" panose="02020603050405020304" pitchFamily="18" charset="0"/>
               <a:cs typeface="Times New Roman" panose="02020603050405020304" pitchFamily="18" charset="0"/>
             </a:endParaRPr>
@@ -17892,27 +17901,34 @@
               </a:tabLst>
             </a:pPr>
             <a:r>
-              <a:rPr sz="1200" spc="-30" dirty="0">
+              <a:rPr lang="fr-FR" sz="1200" spc="-30" dirty="0">
                 <a:latin typeface="Times New Roman" panose="02020603050405020304" pitchFamily="18" charset="0"/>
                 <a:cs typeface="Times New Roman" panose="02020603050405020304" pitchFamily="18" charset="0"/>
               </a:rPr>
-              <a:t>Additional</a:t>
-            </a:r>
-            <a:r>
-              <a:rPr sz="1200" spc="-40" dirty="0">
+              <a:t>a</a:t>
+            </a:r>
+            <a:r>
+              <a:rPr sz="1200" spc="-30" dirty="0" err="1">
                 <a:latin typeface="Times New Roman" panose="02020603050405020304" pitchFamily="18" charset="0"/>
                 <a:cs typeface="Times New Roman" panose="02020603050405020304" pitchFamily="18" charset="0"/>
               </a:rPr>
-              <a:t> </a:t>
-            </a:r>
-            <a:r>
-              <a:rPr sz="1200" spc="-45" dirty="0">
+              <a:t>dditional</a:t>
+            </a:r>
+            <a:r>
+              <a:rPr lang="fr-FR" sz="1200" spc="-45" dirty="0">
                 <a:latin typeface="Times New Roman" panose="02020603050405020304" pitchFamily="18" charset="0"/>
                 <a:cs typeface="Times New Roman" panose="02020603050405020304" pitchFamily="18" charset="0"/>
               </a:rPr>
-              <a:t>Properties</a:t>
-            </a:r>
-            <a:endParaRPr sz="1200">
+              <a:t>P</a:t>
+            </a:r>
+            <a:r>
+              <a:rPr sz="1200" spc="-45" dirty="0" err="1">
+                <a:latin typeface="Times New Roman" panose="02020603050405020304" pitchFamily="18" charset="0"/>
+                <a:cs typeface="Times New Roman" panose="02020603050405020304" pitchFamily="18" charset="0"/>
+              </a:rPr>
+              <a:t>roperties</a:t>
+            </a:r>
+            <a:endParaRPr sz="1200" dirty="0">
               <a:latin typeface="Times New Roman" panose="02020603050405020304" pitchFamily="18" charset="0"/>
               <a:cs typeface="Times New Roman" panose="02020603050405020304" pitchFamily="18" charset="0"/>
             </a:endParaRPr>
@@ -17930,27 +17946,27 @@
               </a:tabLst>
             </a:pPr>
             <a:r>
-              <a:rPr sz="1200" spc="-55" dirty="0">
+              <a:rPr lang="fr-FR" sz="1200" spc="-55" dirty="0">
                 <a:latin typeface="Times New Roman" panose="02020603050405020304" pitchFamily="18" charset="0"/>
                 <a:cs typeface="Times New Roman" panose="02020603050405020304" pitchFamily="18" charset="0"/>
               </a:rPr>
-              <a:t>Required</a:t>
-            </a:r>
-            <a:r>
-              <a:rPr sz="1200" spc="-40" dirty="0">
+              <a:t>r</a:t>
+            </a:r>
+            <a:r>
+              <a:rPr sz="1200" spc="-55" dirty="0" err="1">
                 <a:latin typeface="Times New Roman" panose="02020603050405020304" pitchFamily="18" charset="0"/>
                 <a:cs typeface="Times New Roman" panose="02020603050405020304" pitchFamily="18" charset="0"/>
               </a:rPr>
-              <a:t> </a:t>
-            </a:r>
-            <a:r>
-              <a:rPr sz="1200" spc="-45" dirty="0">
+              <a:t>equired</a:t>
+            </a:r>
+            <a:r>
+              <a:rPr sz="1200" spc="-45" dirty="0" err="1">
                 <a:latin typeface="Times New Roman" panose="02020603050405020304" pitchFamily="18" charset="0"/>
                 <a:cs typeface="Times New Roman" panose="02020603050405020304" pitchFamily="18" charset="0"/>
               </a:rPr>
               <a:t>Properties</a:t>
             </a:r>
-            <a:endParaRPr sz="1200">
+            <a:endParaRPr sz="1200" dirty="0">
               <a:latin typeface="Times New Roman" panose="02020603050405020304" pitchFamily="18" charset="0"/>
               <a:cs typeface="Times New Roman" panose="02020603050405020304" pitchFamily="18" charset="0"/>
             </a:endParaRPr>
@@ -17974,7 +17990,7 @@
               </a:rPr>
               <a:t>…</a:t>
             </a:r>
-            <a:endParaRPr sz="1200">
+            <a:endParaRPr sz="1200" dirty="0">
               <a:latin typeface="Times New Roman" panose="02020603050405020304" pitchFamily="18" charset="0"/>
               <a:cs typeface="Times New Roman" panose="02020603050405020304" pitchFamily="18" charset="0"/>
             </a:endParaRPr>
@@ -18250,13 +18266,20 @@
               </a:tabLst>
             </a:pPr>
             <a:r>
-              <a:rPr sz="1200" spc="-30" dirty="0">
+              <a:rPr lang="fr-FR" sz="1200" spc="-30" dirty="0" err="1">
                 <a:latin typeface="Times New Roman" panose="02020603050405020304" pitchFamily="18" charset="0"/>
                 <a:cs typeface="Times New Roman" panose="02020603050405020304" pitchFamily="18" charset="0"/>
               </a:rPr>
-              <a:t>Items</a:t>
-            </a:r>
-            <a:endParaRPr sz="1200">
+              <a:t>it</a:t>
+            </a:r>
+            <a:r>
+              <a:rPr sz="1200" spc="-30" dirty="0" err="1">
+                <a:latin typeface="Times New Roman" panose="02020603050405020304" pitchFamily="18" charset="0"/>
+                <a:cs typeface="Times New Roman" panose="02020603050405020304" pitchFamily="18" charset="0"/>
+              </a:rPr>
+              <a:t>ems</a:t>
+            </a:r>
+            <a:endParaRPr sz="1200" dirty="0">
               <a:latin typeface="Times New Roman" panose="02020603050405020304" pitchFamily="18" charset="0"/>
               <a:cs typeface="Times New Roman" panose="02020603050405020304" pitchFamily="18" charset="0"/>
             </a:endParaRPr>
@@ -18274,27 +18297,20 @@
               </a:tabLst>
             </a:pPr>
             <a:r>
-              <a:rPr sz="1200" spc="-30" dirty="0">
+              <a:rPr lang="fr-FR" sz="1200" spc="-30" dirty="0">
                 <a:latin typeface="Times New Roman" panose="02020603050405020304" pitchFamily="18" charset="0"/>
                 <a:cs typeface="Times New Roman" panose="02020603050405020304" pitchFamily="18" charset="0"/>
               </a:rPr>
-              <a:t>Additional</a:t>
-            </a:r>
-            <a:r>
-              <a:rPr sz="1200" spc="-40" dirty="0">
+              <a:t>a</a:t>
+            </a:r>
+            <a:r>
+              <a:rPr sz="1200" spc="-30" dirty="0" err="1">
                 <a:latin typeface="Times New Roman" panose="02020603050405020304" pitchFamily="18" charset="0"/>
                 <a:cs typeface="Times New Roman" panose="02020603050405020304" pitchFamily="18" charset="0"/>
               </a:rPr>
-              <a:t> </a:t>
-            </a:r>
-            <a:r>
-              <a:rPr sz="1200" spc="-30" dirty="0">
-                <a:latin typeface="Times New Roman" panose="02020603050405020304" pitchFamily="18" charset="0"/>
-                <a:cs typeface="Times New Roman" panose="02020603050405020304" pitchFamily="18" charset="0"/>
-              </a:rPr>
-              <a:t>Items</a:t>
-            </a:r>
-            <a:endParaRPr sz="1200">
+              <a:t>dditionalItems</a:t>
+            </a:r>
+            <a:endParaRPr sz="1200" dirty="0">
               <a:latin typeface="Times New Roman" panose="02020603050405020304" pitchFamily="18" charset="0"/>
               <a:cs typeface="Times New Roman" panose="02020603050405020304" pitchFamily="18" charset="0"/>
             </a:endParaRPr>
@@ -18312,27 +18328,27 @@
               </a:tabLst>
             </a:pPr>
             <a:r>
-              <a:rPr sz="1200" spc="-45" dirty="0">
+              <a:rPr lang="fr-FR" sz="1200" spc="-45" dirty="0">
                 <a:latin typeface="Times New Roman" panose="02020603050405020304" pitchFamily="18" charset="0"/>
                 <a:cs typeface="Times New Roman" panose="02020603050405020304" pitchFamily="18" charset="0"/>
               </a:rPr>
-              <a:t>Unevaluated</a:t>
-            </a:r>
-            <a:r>
-              <a:rPr sz="1200" spc="-40" dirty="0">
+              <a:t>u</a:t>
+            </a:r>
+            <a:r>
+              <a:rPr sz="1200" spc="-45" dirty="0" err="1">
                 <a:latin typeface="Times New Roman" panose="02020603050405020304" pitchFamily="18" charset="0"/>
                 <a:cs typeface="Times New Roman" panose="02020603050405020304" pitchFamily="18" charset="0"/>
               </a:rPr>
-              <a:t> </a:t>
-            </a:r>
-            <a:r>
-              <a:rPr sz="1200" spc="-30" dirty="0">
+              <a:t>nevaluated</a:t>
+            </a:r>
+            <a:r>
+              <a:rPr sz="1200" spc="-30" dirty="0" err="1">
                 <a:latin typeface="Times New Roman" panose="02020603050405020304" pitchFamily="18" charset="0"/>
                 <a:cs typeface="Times New Roman" panose="02020603050405020304" pitchFamily="18" charset="0"/>
               </a:rPr>
               <a:t>Items</a:t>
             </a:r>
-            <a:endParaRPr sz="1200">
+            <a:endParaRPr sz="1200" dirty="0">
               <a:latin typeface="Times New Roman" panose="02020603050405020304" pitchFamily="18" charset="0"/>
               <a:cs typeface="Times New Roman" panose="02020603050405020304" pitchFamily="18" charset="0"/>
             </a:endParaRPr>
@@ -18350,13 +18366,20 @@
               </a:tabLst>
             </a:pPr>
             <a:r>
-              <a:rPr sz="1200" spc="-60" dirty="0">
+              <a:rPr lang="fr-FR" sz="1200" spc="-60" dirty="0">
                 <a:latin typeface="Times New Roman" panose="02020603050405020304" pitchFamily="18" charset="0"/>
                 <a:cs typeface="Times New Roman" panose="02020603050405020304" pitchFamily="18" charset="0"/>
               </a:rPr>
-              <a:t>Contains</a:t>
-            </a:r>
-            <a:endParaRPr sz="1200">
+              <a:t>c</a:t>
+            </a:r>
+            <a:r>
+              <a:rPr sz="1200" spc="-60" dirty="0" err="1">
+                <a:latin typeface="Times New Roman" panose="02020603050405020304" pitchFamily="18" charset="0"/>
+                <a:cs typeface="Times New Roman" panose="02020603050405020304" pitchFamily="18" charset="0"/>
+              </a:rPr>
+              <a:t>ontains</a:t>
+            </a:r>
+            <a:endParaRPr sz="1200" dirty="0">
               <a:latin typeface="Times New Roman" panose="02020603050405020304" pitchFamily="18" charset="0"/>
               <a:cs typeface="Times New Roman" panose="02020603050405020304" pitchFamily="18" charset="0"/>
             </a:endParaRPr>
@@ -18380,7 +18403,7 @@
               </a:rPr>
               <a:t>…</a:t>
             </a:r>
-            <a:endParaRPr sz="1200">
+            <a:endParaRPr sz="1200" dirty="0">
               <a:latin typeface="Times New Roman" panose="02020603050405020304" pitchFamily="18" charset="0"/>
               <a:cs typeface="Times New Roman" panose="02020603050405020304" pitchFamily="18" charset="0"/>
             </a:endParaRPr>
@@ -20639,7 +20662,7 @@
         <p:spPr>
           <a:xfrm>
             <a:off x="330606" y="1482171"/>
-            <a:ext cx="543844" cy="3067706"/>
+            <a:ext cx="543844" cy="1102055"/>
           </a:xfrm>
           <a:prstGeom prst="leftBrace">
             <a:avLst/>
@@ -20712,7 +20735,7 @@
           </a:prstGeom>
           <a:ln>
             <a:solidFill>
-              <a:srgbClr val="00B050"/>
+              <a:srgbClr val="FFC000"/>
             </a:solidFill>
           </a:ln>
         </p:spPr>
@@ -20845,6 +20868,72 @@
           <a:ln>
             <a:solidFill>
               <a:srgbClr val="FF0000"/>
+            </a:solidFill>
+          </a:ln>
+        </p:spPr>
+        <p:style>
+          <a:lnRef idx="1">
+            <a:schemeClr val="dk1"/>
+          </a:lnRef>
+          <a:fillRef idx="0">
+            <a:schemeClr val="dk1"/>
+          </a:fillRef>
+          <a:effectRef idx="0">
+            <a:schemeClr val="dk1"/>
+          </a:effectRef>
+          <a:fontRef idx="minor">
+            <a:schemeClr val="tx1"/>
+          </a:fontRef>
+        </p:style>
+        <p:txBody>
+          <a:bodyPr rtlCol="0" anchor="ctr">
+            <a:scene3d>
+              <a:camera prst="orthographicFront"/>
+              <a:lightRig rig="soft" dir="t">
+                <a:rot lat="0" lon="0" rev="15600000"/>
+              </a:lightRig>
+            </a:scene3d>
+            <a:sp3d extrusionH="57150" prstMaterial="softEdge">
+              <a:bevelT w="25400" h="38100"/>
+            </a:sp3d>
+          </a:bodyPr>
+          <a:lstStyle/>
+          <a:p>
+            <a:pPr algn="ctr"/>
+            <a:endParaRPr lang="fr-FR" b="1" dirty="0">
+              <a:ln/>
+              <a:solidFill>
+                <a:schemeClr val="accent4"/>
+              </a:solidFill>
+              <a:latin typeface="Times New Roman" panose="02020603050405020304" pitchFamily="18" charset="0"/>
+              <a:cs typeface="Times New Roman" panose="02020603050405020304" pitchFamily="18" charset="0"/>
+            </a:endParaRPr>
+          </a:p>
+        </p:txBody>
+      </p:sp>
+      <p:sp>
+        <p:nvSpPr>
+          <p:cNvPr id="13" name="Left Brace 5">
+            <a:extLst>
+              <a:ext uri="{FF2B5EF4-FFF2-40B4-BE49-F238E27FC236}">
+                <a16:creationId xmlns:a16="http://schemas.microsoft.com/office/drawing/2014/main" id="{4B713E65-0CAE-325B-2CA6-0761439C99E1}"/>
+              </a:ext>
+            </a:extLst>
+          </p:cNvPr>
+          <p:cNvSpPr/>
+          <p:nvPr/>
+        </p:nvSpPr>
+        <p:spPr>
+          <a:xfrm>
+            <a:off x="344025" y="3544593"/>
+            <a:ext cx="543844" cy="1102055"/>
+          </a:xfrm>
+          <a:prstGeom prst="leftBrace">
+            <a:avLst/>
+          </a:prstGeom>
+          <a:ln>
+            <a:solidFill>
+              <a:srgbClr val="FFC000"/>
             </a:solidFill>
           </a:ln>
         </p:spPr>
@@ -21086,6 +21175,51 @@
                       </p:childTnLst>
                     </p:cTn>
                   </p:par>
+                  <p:par>
+                    <p:cTn id="19" fill="hold">
+                      <p:stCondLst>
+                        <p:cond delay="indefinite"/>
+                      </p:stCondLst>
+                      <p:childTnLst>
+                        <p:par>
+                          <p:cTn id="20" fill="hold">
+                            <p:stCondLst>
+                              <p:cond delay="0"/>
+                            </p:stCondLst>
+                            <p:childTnLst>
+                              <p:par>
+                                <p:cTn id="21" presetID="1" presetClass="entr" presetSubtype="0" fill="hold" grpId="0" nodeType="clickEffect">
+                                  <p:stCondLst>
+                                    <p:cond delay="0"/>
+                                  </p:stCondLst>
+                                  <p:childTnLst>
+                                    <p:set>
+                                      <p:cBhvr>
+                                        <p:cTn id="22" dur="1" fill="hold">
+                                          <p:stCondLst>
+                                            <p:cond delay="0"/>
+                                          </p:stCondLst>
+                                        </p:cTn>
+                                        <p:tgtEl>
+                                          <p:spTgt spid="13"/>
+                                        </p:tgtEl>
+                                        <p:attrNameLst>
+                                          <p:attrName>style.visibility</p:attrName>
+                                        </p:attrNameLst>
+                                      </p:cBhvr>
+                                      <p:to>
+                                        <p:strVal val="visible"/>
+                                      </p:to>
+                                    </p:set>
+                                  </p:childTnLst>
+                                </p:cTn>
+                              </p:par>
+                            </p:childTnLst>
+                          </p:cTn>
+                        </p:par>
+                      </p:childTnLst>
+                    </p:cTn>
+                  </p:par>
                 </p:childTnLst>
               </p:cTn>
               <p:prevCondLst>
@@ -21112,6 +21246,7 @@
       <p:bldP spid="6" grpId="0" animBg="1"/>
       <p:bldP spid="8" grpId="0" animBg="1"/>
       <p:bldP spid="10" grpId="0" animBg="1"/>
+      <p:bldP spid="13" grpId="0" animBg="1"/>
     </p:bldLst>
   </p:timing>
 </p:sld>
@@ -21195,7 +21330,7 @@
         <p:spPr>
           <a:xfrm>
             <a:off x="569775" y="1065906"/>
-            <a:ext cx="7577455" cy="1382430"/>
+            <a:ext cx="7577455" cy="1659429"/>
           </a:xfrm>
           <a:prstGeom prst="rect">
             <a:avLst/>
@@ -21310,7 +21445,7 @@
                 <a:latin typeface="Times New Roman" panose="02020603050405020304" pitchFamily="18" charset="0"/>
                 <a:cs typeface="Times New Roman" panose="02020603050405020304" pitchFamily="18" charset="0"/>
               </a:rPr>
-              <a:t>Boolean expressions : Forme conjonctive, disjonctive</a:t>
+              <a:t>Boolean expressions : Forme conjonctive, disjonctive ainsi que la négation </a:t>
             </a:r>
             <a:r>
               <a:rPr sz="1800" spc="30" dirty="0">
@@ -22871,7 +23006,7 @@
                 <a:latin typeface="Calibri"/>
                 <a:cs typeface="Calibri"/>
               </a:rPr>
-              <a:t>, Items … </a:t>
+              <a:t>, … </a:t>
             </a:r>
           </a:p>
           <a:p>
@@ -22908,11 +23043,11 @@
               </a:tabLst>
             </a:pPr>
             <a:r>
-              <a:rPr lang="fr-FR" sz="1800" spc="55">
+              <a:rPr lang="fr-FR" sz="1800" spc="55" dirty="0">
                 <a:latin typeface="Calibri"/>
                 <a:cs typeface="Calibri"/>
               </a:rPr>
-              <a:t>Forme conjonctif ?</a:t>
+              <a:t>Forme conjonctive ?</a:t>
             </a:r>
             <a:r>
               <a:rPr sz="1800" spc="30" dirty="0">
@@ -22967,7 +23102,7 @@
         <p:spPr>
           <a:xfrm>
             <a:off x="241300" y="63500"/>
-            <a:ext cx="5923416" cy="523220"/>
+            <a:ext cx="8821646" cy="523220"/>
           </a:xfrm>
           <a:prstGeom prst="rect">
             <a:avLst/>
@@ -22982,7 +23117,7 @@
           <a:p>
             <a:r>
               <a:rPr lang="fr-FR" sz="2800" dirty="0"/>
-              <a:t>Algorithme de réparation : Résultats</a:t>
+              <a:t>Algorithme de réparation : Implémentation &amp; Résultats</a:t>
             </a:r>
           </a:p>
         </p:txBody>
@@ -23470,7 +23605,7 @@
         <p:spPr>
           <a:xfrm>
             <a:off x="694621" y="1248497"/>
-            <a:ext cx="7914005" cy="3337645"/>
+            <a:ext cx="7914005" cy="3441327"/>
           </a:xfrm>
           <a:prstGeom prst="rect">
             <a:avLst/>
@@ -23660,11 +23795,60 @@
               </a:tabLst>
             </a:pPr>
             <a:r>
-              <a:rPr sz="1600" spc="30" dirty="0">
+              <a:rPr lang="fr-FR" sz="1600" spc="30" dirty="0">
                 <a:latin typeface="Calibri"/>
                 <a:cs typeface="Calibri"/>
               </a:rPr>
-              <a:t>Investissement</a:t>
+              <a:t>Effort considérable </a:t>
+            </a:r>
+            <a:r>
+              <a:rPr sz="1600" spc="25" dirty="0">
+                <a:latin typeface="Calibri"/>
+                <a:cs typeface="Calibri"/>
+              </a:rPr>
+              <a:t>dans</a:t>
+            </a:r>
+            <a:r>
+              <a:rPr sz="1600" spc="90" dirty="0">
+                <a:latin typeface="Calibri"/>
+                <a:cs typeface="Calibri"/>
+              </a:rPr>
+              <a:t> </a:t>
+            </a:r>
+            <a:r>
+              <a:rPr sz="1600" spc="40" dirty="0">
+                <a:latin typeface="Calibri"/>
+                <a:cs typeface="Calibri"/>
+              </a:rPr>
+              <a:t>la</a:t>
+            </a:r>
+            <a:r>
+              <a:rPr sz="1600" spc="90" dirty="0">
+                <a:latin typeface="Calibri"/>
+                <a:cs typeface="Calibri"/>
+              </a:rPr>
+              <a:t> </a:t>
+            </a:r>
+            <a:r>
+              <a:rPr sz="1600" spc="35" dirty="0">
+                <a:latin typeface="Calibri"/>
+                <a:cs typeface="Calibri"/>
+              </a:rPr>
+              <a:t>maîtrise</a:t>
+            </a:r>
+            <a:r>
+              <a:rPr sz="1600" spc="90" dirty="0">
+                <a:latin typeface="Calibri"/>
+                <a:cs typeface="Calibri"/>
+              </a:rPr>
+              <a:t> </a:t>
+            </a:r>
+            <a:r>
+              <a:rPr sz="1600" spc="-20" dirty="0">
+                <a:latin typeface="Calibri"/>
+                <a:cs typeface="Calibri"/>
+              </a:rPr>
+              <a:t>et</a:t>
             </a:r>
             <a:r>
               <a:rPr sz="1600" spc="85" dirty="0">
@@ -23674,11 +23858,11 @@
               <a:t> </a:t>
             </a:r>
             <a:r>
-              <a:rPr sz="1600" spc="20" dirty="0">
+              <a:rPr sz="1600" spc="40" dirty="0">
                 <a:latin typeface="Calibri"/>
                 <a:cs typeface="Calibri"/>
               </a:rPr>
-              <a:t>important</a:t>
+              <a:t>la</a:t>
             </a:r>
             <a:r>
               <a:rPr sz="1600" spc="90" dirty="0">
@@ -23688,11 +23872,11 @@
               <a:t> </a:t>
             </a:r>
             <a:r>
-              <a:rPr sz="1600" spc="25" dirty="0">
+              <a:rPr sz="1600" spc="5" dirty="0">
                 <a:latin typeface="Calibri"/>
                 <a:cs typeface="Calibri"/>
               </a:rPr>
-              <a:t>dans</a:t>
+              <a:t>compréhension</a:t>
             </a:r>
             <a:r>
               <a:rPr sz="1600" spc="90" dirty="0">
@@ -23702,11 +23886,11 @@
               <a:t> </a:t>
             </a:r>
             <a:r>
-              <a:rPr sz="1600" spc="40" dirty="0">
+              <a:rPr sz="1600" dirty="0">
                 <a:latin typeface="Calibri"/>
                 <a:cs typeface="Calibri"/>
               </a:rPr>
-              <a:t>la</a:t>
+              <a:t>du</a:t>
             </a:r>
             <a:r>
               <a:rPr sz="1600" spc="90" dirty="0">
@@ -23716,11 +23900,11 @@
               <a:t> </a:t>
             </a:r>
             <a:r>
-              <a:rPr sz="1600" spc="35" dirty="0">
+              <a:rPr sz="1600" spc="40" dirty="0" err="1">
                 <a:latin typeface="Calibri"/>
                 <a:cs typeface="Calibri"/>
               </a:rPr>
-              <a:t>maîtrise</a:t>
+              <a:t>langage</a:t>
             </a:r>
             <a:r>
               <a:rPr sz="1600" spc="90" dirty="0">
@@ -23730,70 +23914,28 @@
               <a:t> </a:t>
             </a:r>
             <a:r>
-              <a:rPr sz="1600" spc="-20" dirty="0">
+              <a:rPr lang="fr-FR" sz="1600" spc="90" dirty="0" err="1">
                 <a:latin typeface="Calibri"/>
                 <a:cs typeface="Calibri"/>
               </a:rPr>
-              <a:t>et</a:t>
-            </a:r>
-            <a:r>
-              <a:rPr sz="1600" spc="85" dirty="0">
+              <a:t>json</a:t>
+            </a:r>
+            <a:r>
+              <a:rPr lang="fr-FR" sz="1600" spc="90" dirty="0">
                 <a:latin typeface="Calibri"/>
                 <a:cs typeface="Calibri"/>
               </a:rPr>
               <a:t> </a:t>
             </a:r>
             <a:r>
-              <a:rPr sz="1600" spc="40" dirty="0">
+              <a:rPr lang="fr-FR" sz="1600" spc="90" dirty="0" err="1">
                 <a:latin typeface="Calibri"/>
                 <a:cs typeface="Calibri"/>
               </a:rPr>
-              <a:t>la</a:t>
-            </a:r>
-            <a:r>
-              <a:rPr sz="1600" spc="90" dirty="0">
-                <a:latin typeface="Calibri"/>
-                <a:cs typeface="Calibri"/>
-              </a:rPr>
-              <a:t> </a:t>
-            </a:r>
-            <a:r>
-              <a:rPr sz="1600" spc="5" dirty="0">
-                <a:latin typeface="Calibri"/>
-                <a:cs typeface="Calibri"/>
-              </a:rPr>
-              <a:t>compréhension</a:t>
-            </a:r>
-            <a:r>
-              <a:rPr sz="1600" spc="90" dirty="0">
-                <a:latin typeface="Calibri"/>
-                <a:cs typeface="Calibri"/>
-              </a:rPr>
-              <a:t> </a:t>
-            </a:r>
-            <a:r>
-              <a:rPr sz="1600" dirty="0">
-                <a:latin typeface="Calibri"/>
-                <a:cs typeface="Calibri"/>
-              </a:rPr>
-              <a:t>du</a:t>
-            </a:r>
-            <a:r>
-              <a:rPr sz="1600" spc="90" dirty="0">
-                <a:latin typeface="Calibri"/>
-                <a:cs typeface="Calibri"/>
-              </a:rPr>
-              <a:t> </a:t>
-            </a:r>
-            <a:r>
-              <a:rPr sz="1600" spc="40" dirty="0" err="1">
-                <a:latin typeface="Calibri"/>
-                <a:cs typeface="Calibri"/>
-              </a:rPr>
-              <a:t>langage</a:t>
-            </a:r>
-            <a:r>
-              <a:rPr sz="1600" spc="90" dirty="0">
+              <a:t>schema</a:t>
+            </a:r>
+            <a:r>
+              <a:rPr lang="fr-FR" sz="1600" spc="90" dirty="0">
                 <a:latin typeface="Calibri"/>
                 <a:cs typeface="Calibri"/>
               </a:rPr>
@@ -23823,128 +23965,6 @@
               <a:lnSpc>
                 <a:spcPct val="100000"/>
               </a:lnSpc>
-              <a:spcBef>
-                <a:spcPts val="10"/>
-              </a:spcBef>
-              <a:buFont typeface="Arial MT"/>
-              <a:buChar char="●"/>
-            </a:pPr>
-            <a:endParaRPr sz="1550" dirty="0">
-              <a:latin typeface="Calibri"/>
-              <a:cs typeface="Calibri"/>
-            </a:endParaRPr>
-          </a:p>
-          <a:p>
-            <a:pPr marL="363855" indent="-351790">
-              <a:lnSpc>
-                <a:spcPct val="100000"/>
-              </a:lnSpc>
-              <a:spcBef>
-                <a:spcPts val="5"/>
-              </a:spcBef>
-              <a:buFont typeface="Arial MT"/>
-              <a:buChar char="●"/>
-              <a:tabLst>
-                <a:tab pos="363855" algn="l"/>
-                <a:tab pos="364490" algn="l"/>
-              </a:tabLst>
-            </a:pPr>
-            <a:r>
-              <a:rPr sz="1600" spc="50" dirty="0">
-                <a:latin typeface="Calibri"/>
-                <a:cs typeface="Calibri"/>
-              </a:rPr>
-              <a:t>Souhait</a:t>
-            </a:r>
-            <a:r>
-              <a:rPr sz="1600" spc="85" dirty="0">
-                <a:latin typeface="Calibri"/>
-                <a:cs typeface="Calibri"/>
-              </a:rPr>
-              <a:t> </a:t>
-            </a:r>
-            <a:r>
-              <a:rPr sz="1600" spc="15" dirty="0">
-                <a:latin typeface="Calibri"/>
-                <a:cs typeface="Calibri"/>
-              </a:rPr>
-              <a:t>d'approfondir</a:t>
-            </a:r>
-            <a:r>
-              <a:rPr sz="1600" spc="85" dirty="0">
-                <a:latin typeface="Calibri"/>
-                <a:cs typeface="Calibri"/>
-              </a:rPr>
-              <a:t> </a:t>
-            </a:r>
-            <a:r>
-              <a:rPr sz="1600" spc="40" dirty="0">
-                <a:latin typeface="Calibri"/>
-                <a:cs typeface="Calibri"/>
-              </a:rPr>
-              <a:t>l'analyse</a:t>
-            </a:r>
-            <a:r>
-              <a:rPr sz="1600" spc="85" dirty="0">
-                <a:latin typeface="Calibri"/>
-                <a:cs typeface="Calibri"/>
-              </a:rPr>
-              <a:t> </a:t>
-            </a:r>
-            <a:r>
-              <a:rPr sz="1600" dirty="0">
-                <a:latin typeface="Calibri"/>
-                <a:cs typeface="Calibri"/>
-              </a:rPr>
-              <a:t>des</a:t>
-            </a:r>
-            <a:r>
-              <a:rPr sz="1600" spc="90" dirty="0">
-                <a:latin typeface="Calibri"/>
-                <a:cs typeface="Calibri"/>
-              </a:rPr>
-              <a:t> </a:t>
-            </a:r>
-            <a:r>
-              <a:rPr sz="1600" spc="35" dirty="0" err="1">
-                <a:latin typeface="Calibri"/>
-                <a:cs typeface="Calibri"/>
-              </a:rPr>
-              <a:t>erreurs</a:t>
-            </a:r>
-            <a:r>
-              <a:rPr sz="1600" spc="85" dirty="0">
-                <a:latin typeface="Calibri"/>
-                <a:cs typeface="Calibri"/>
-              </a:rPr>
-              <a:t> </a:t>
-            </a:r>
-            <a:r>
-              <a:rPr lang="fr-FR" sz="1600" spc="85" dirty="0">
-                <a:latin typeface="Calibri"/>
-                <a:cs typeface="Calibri"/>
-              </a:rPr>
-              <a:t>par expérimentation </a:t>
-            </a:r>
-            <a:r>
-              <a:rPr lang="fr-FR" sz="1600" spc="15" dirty="0">
-                <a:latin typeface="Calibri"/>
-                <a:cs typeface="Calibri"/>
-              </a:rPr>
-              <a:t>sur une nouvelle approche de réparation en utilisant les distances d’édition</a:t>
-            </a:r>
-            <a:endParaRPr sz="1600" dirty="0">
-              <a:latin typeface="Calibri"/>
-              <a:cs typeface="Calibri"/>
-            </a:endParaRPr>
-          </a:p>
-          <a:p>
-            <a:pPr>
-              <a:lnSpc>
-                <a:spcPct val="100000"/>
-              </a:lnSpc>
-              <a:buFont typeface="Arial MT"/>
-              <a:buChar char="●"/>
             </a:pPr>
             <a:endParaRPr lang="fr-FR" sz="1350" dirty="0">
               <a:latin typeface="Calibri"/>
@@ -23968,8 +23988,126 @@
                 <a:latin typeface="Calibri"/>
                 <a:cs typeface="Calibri"/>
               </a:rPr>
-              <a:t>L’approche par distance d’édition n’est pas très intéressante car la matrice d’édition n’est qu’une mesure quantitative </a:t>
-            </a:r>
+              <a:t>L’approche par distance d’édition n’est pas très intéressante car la matrice d’édition n’est qu’une mesure quantitative</a:t>
+            </a:r>
+          </a:p>
+          <a:p>
+            <a:pPr marL="363855" marR="588645" indent="-351790">
+              <a:lnSpc>
+                <a:spcPct val="113300"/>
+              </a:lnSpc>
+              <a:buFont typeface="Arial MT"/>
+              <a:buChar char="●"/>
+              <a:tabLst>
+                <a:tab pos="363855" algn="l"/>
+                <a:tab pos="364490" algn="l"/>
+              </a:tabLst>
+            </a:pPr>
+            <a:endParaRPr lang="fr-FR" sz="1600" dirty="0">
+              <a:latin typeface="Calibri"/>
+              <a:cs typeface="Calibri"/>
+            </a:endParaRPr>
+          </a:p>
+          <a:p>
+            <a:pPr marL="363855" marR="588645" indent="-351790">
+              <a:lnSpc>
+                <a:spcPct val="113300"/>
+              </a:lnSpc>
+              <a:buFont typeface="Arial MT"/>
+              <a:buChar char="●"/>
+              <a:tabLst>
+                <a:tab pos="363855" algn="l"/>
+                <a:tab pos="364490" algn="l"/>
+              </a:tabLst>
+            </a:pPr>
+            <a:r>
+              <a:rPr lang="fr-FR" sz="1600" spc="50" dirty="0">
+                <a:latin typeface="Calibri"/>
+                <a:cs typeface="Calibri"/>
+              </a:rPr>
+              <a:t>Souhait</a:t>
+            </a:r>
+            <a:r>
+              <a:rPr lang="fr-FR" sz="1600" spc="85" dirty="0">
+                <a:latin typeface="Calibri"/>
+                <a:cs typeface="Calibri"/>
+              </a:rPr>
+              <a:t> </a:t>
+            </a:r>
+            <a:r>
+              <a:rPr lang="fr-FR" sz="1600" spc="15" dirty="0">
+                <a:latin typeface="Calibri"/>
+                <a:cs typeface="Calibri"/>
+              </a:rPr>
+              <a:t>d'approfondir</a:t>
+            </a:r>
+            <a:r>
+              <a:rPr lang="fr-FR" sz="1600" spc="85" dirty="0">
+                <a:latin typeface="Calibri"/>
+                <a:cs typeface="Calibri"/>
+              </a:rPr>
+              <a:t> </a:t>
+            </a:r>
+            <a:r>
+              <a:rPr lang="fr-FR" sz="1600" spc="40" dirty="0">
+                <a:latin typeface="Calibri"/>
+                <a:cs typeface="Calibri"/>
+              </a:rPr>
+              <a:t>l'analyse</a:t>
+            </a:r>
+            <a:r>
+              <a:rPr lang="fr-FR" sz="1600" spc="85" dirty="0">
+                <a:latin typeface="Calibri"/>
+                <a:cs typeface="Calibri"/>
+              </a:rPr>
+              <a:t> </a:t>
+            </a:r>
+            <a:r>
+              <a:rPr lang="fr-FR" sz="1600" dirty="0">
+                <a:latin typeface="Calibri"/>
+                <a:cs typeface="Calibri"/>
+              </a:rPr>
+              <a:t>des</a:t>
+            </a:r>
+            <a:r>
+              <a:rPr lang="fr-FR" sz="1600" spc="90" dirty="0">
+                <a:latin typeface="Calibri"/>
+                <a:cs typeface="Calibri"/>
+              </a:rPr>
+              <a:t> </a:t>
+            </a:r>
+            <a:r>
+              <a:rPr lang="fr-FR" sz="1600" spc="35" dirty="0">
+                <a:latin typeface="Calibri"/>
+                <a:cs typeface="Calibri"/>
+              </a:rPr>
+              <a:t>erreurs</a:t>
+            </a:r>
+            <a:r>
+              <a:rPr lang="fr-FR" sz="1600" spc="85" dirty="0">
+                <a:latin typeface="Calibri"/>
+                <a:cs typeface="Calibri"/>
+              </a:rPr>
+              <a:t> par expérimentation </a:t>
+            </a:r>
+            <a:r>
+              <a:rPr lang="fr-FR" sz="1600" spc="15" dirty="0">
+                <a:latin typeface="Calibri"/>
+                <a:cs typeface="Calibri"/>
+              </a:rPr>
+              <a:t>sur une nouvelle approche de réparation en utilisant la matrice </a:t>
+            </a:r>
+            <a:r>
+              <a:rPr lang="fr-FR" sz="1600" spc="15">
+                <a:latin typeface="Calibri"/>
+                <a:cs typeface="Calibri"/>
+              </a:rPr>
+              <a:t>de caractéristique </a:t>
+            </a:r>
+            <a:endParaRPr lang="fr-FR" sz="1600" dirty="0">
+              <a:latin typeface="Calibri"/>
+              <a:cs typeface="Calibri"/>
+            </a:endParaRPr>
           </a:p>
           <a:p>
             <a:pPr marL="363855" marR="588645" indent="-351790">
@@ -25031,7 +25169,7 @@
                     <a:latin typeface="Times New Roman" panose="02020603050405020304" pitchFamily="18" charset="0"/>
                     <a:cs typeface="Times New Roman" panose="02020603050405020304" pitchFamily="18" charset="0"/>
                   </a:rPr>
-                  <a:t>Existe t-il un lien entre les distances d’édition et les erreurs de validation ?</a:t>
+                  <a:t>Existe-t-il un lien entre les distances d’édition et les erreurs de validation ?</a:t>
                 </a:r>
               </a:p>
               <a:p>
@@ -25436,7 +25574,7 @@
                   <a:schemeClr val="tx1"/>
                 </a:solidFill>
               </a:rPr>
-              <a:t>Concepts</a:t>
+              <a:t>Contexte</a:t>
             </a:r>
             <a:endParaRPr sz="3200" b="1" dirty="0">
               <a:solidFill>
@@ -25782,11 +25920,18 @@
               </a:tabLst>
             </a:pPr>
             <a:r>
-              <a:rPr sz="1200" spc="-45" dirty="0">
+              <a:rPr lang="fr-FR" sz="1200" spc="-45" dirty="0">
                 <a:latin typeface="Times New Roman" panose="02020603050405020304" pitchFamily="18" charset="0"/>
                 <a:cs typeface="Times New Roman" panose="02020603050405020304" pitchFamily="18" charset="0"/>
               </a:rPr>
-              <a:t>String</a:t>
+              <a:t>s</a:t>
+            </a:r>
+            <a:r>
+              <a:rPr sz="1200" spc="-45" dirty="0" err="1">
+                <a:latin typeface="Times New Roman" panose="02020603050405020304" pitchFamily="18" charset="0"/>
+                <a:cs typeface="Times New Roman" panose="02020603050405020304" pitchFamily="18" charset="0"/>
+              </a:rPr>
+              <a:t>tring</a:t>
             </a:r>
             <a:endParaRPr sz="1200" dirty="0">
               <a:latin typeface="Times New Roman" panose="02020603050405020304" pitchFamily="18" charset="0"/>
@@ -25806,11 +25951,18 @@
               </a:tabLst>
             </a:pPr>
             <a:r>
+              <a:rPr lang="fr-FR" sz="1200" spc="-35" dirty="0">
+                <a:latin typeface="Times New Roman" panose="02020603050405020304" pitchFamily="18" charset="0"/>
+                <a:cs typeface="Times New Roman" panose="02020603050405020304" pitchFamily="18" charset="0"/>
+              </a:rPr>
+              <a:t>n</a:t>
+            </a:r>
+            <a:r>
               <a:rPr sz="1200" spc="-35" dirty="0">
                 <a:latin typeface="Times New Roman" panose="02020603050405020304" pitchFamily="18" charset="0"/>
                 <a:cs typeface="Times New Roman" panose="02020603050405020304" pitchFamily="18" charset="0"/>
               </a:rPr>
-              <a:t>Number</a:t>
+              <a:t>umber</a:t>
             </a:r>
             <a:endParaRPr sz="1200" dirty="0">
               <a:latin typeface="Times New Roman" panose="02020603050405020304" pitchFamily="18" charset="0"/>
@@ -25830,11 +25982,18 @@
               </a:tabLst>
             </a:pPr>
             <a:r>
-              <a:rPr sz="1200" spc="-30" dirty="0">
+              <a:rPr lang="fr-FR" sz="1200" spc="-30" dirty="0">
                 <a:latin typeface="Times New Roman" panose="02020603050405020304" pitchFamily="18" charset="0"/>
                 <a:cs typeface="Times New Roman" panose="02020603050405020304" pitchFamily="18" charset="0"/>
               </a:rPr>
-              <a:t>Integer</a:t>
+              <a:t>i</a:t>
+            </a:r>
+            <a:r>
+              <a:rPr sz="1200" spc="-30" dirty="0" err="1">
+                <a:latin typeface="Times New Roman" panose="02020603050405020304" pitchFamily="18" charset="0"/>
+                <a:cs typeface="Times New Roman" panose="02020603050405020304" pitchFamily="18" charset="0"/>
+              </a:rPr>
+              <a:t>nteger</a:t>
             </a:r>
             <a:endParaRPr sz="1200" dirty="0">
               <a:latin typeface="Times New Roman" panose="02020603050405020304" pitchFamily="18" charset="0"/>
@@ -25854,11 +26013,18 @@
               </a:tabLst>
             </a:pPr>
             <a:r>
-              <a:rPr sz="1200" spc="-50" dirty="0">
+              <a:rPr lang="fr-FR" sz="1200" spc="-50" dirty="0">
                 <a:latin typeface="Times New Roman" panose="02020603050405020304" pitchFamily="18" charset="0"/>
                 <a:cs typeface="Times New Roman" panose="02020603050405020304" pitchFamily="18" charset="0"/>
               </a:rPr>
-              <a:t>Boolean</a:t>
+              <a:t>b</a:t>
+            </a:r>
+            <a:r>
+              <a:rPr sz="1200" spc="-50" dirty="0" err="1">
+                <a:latin typeface="Times New Roman" panose="02020603050405020304" pitchFamily="18" charset="0"/>
+                <a:cs typeface="Times New Roman" panose="02020603050405020304" pitchFamily="18" charset="0"/>
+              </a:rPr>
+              <a:t>oolean</a:t>
             </a:r>
             <a:endParaRPr sz="1200" dirty="0">
               <a:latin typeface="Times New Roman" panose="02020603050405020304" pitchFamily="18" charset="0"/>
@@ -25878,11 +26044,18 @@
               </a:tabLst>
             </a:pPr>
             <a:r>
-              <a:rPr sz="1200" spc="-20" dirty="0">
+              <a:rPr lang="fr-FR" sz="1200" spc="-20" dirty="0">
                 <a:latin typeface="Times New Roman" panose="02020603050405020304" pitchFamily="18" charset="0"/>
                 <a:cs typeface="Times New Roman" panose="02020603050405020304" pitchFamily="18" charset="0"/>
               </a:rPr>
-              <a:t>Null</a:t>
+              <a:t>n</a:t>
+            </a:r>
+            <a:r>
+              <a:rPr sz="1200" spc="-20" dirty="0" err="1">
+                <a:latin typeface="Times New Roman" panose="02020603050405020304" pitchFamily="18" charset="0"/>
+                <a:cs typeface="Times New Roman" panose="02020603050405020304" pitchFamily="18" charset="0"/>
+              </a:rPr>
+              <a:t>ull</a:t>
             </a:r>
             <a:endParaRPr sz="1200" dirty="0">
               <a:latin typeface="Times New Roman" panose="02020603050405020304" pitchFamily="18" charset="0"/>
@@ -26143,13 +26316,20 @@
               </a:tabLst>
             </a:pPr>
             <a:r>
-              <a:rPr sz="1200" spc="-45" dirty="0">
+              <a:rPr lang="fr-FR" sz="1200" spc="-45" dirty="0">
                 <a:latin typeface="Times New Roman" panose="02020603050405020304" pitchFamily="18" charset="0"/>
                 <a:cs typeface="Times New Roman" panose="02020603050405020304" pitchFamily="18" charset="0"/>
               </a:rPr>
-              <a:t>Properties</a:t>
-            </a:r>
-            <a:endParaRPr sz="1200">
+              <a:t>p</a:t>
+            </a:r>
+            <a:r>
+              <a:rPr sz="1200" spc="-45" dirty="0" err="1">
+                <a:latin typeface="Times New Roman" panose="02020603050405020304" pitchFamily="18" charset="0"/>
+                <a:cs typeface="Times New Roman" panose="02020603050405020304" pitchFamily="18" charset="0"/>
+              </a:rPr>
+              <a:t>roperties</a:t>
+            </a:r>
+            <a:endParaRPr sz="1200" dirty="0">
               <a:latin typeface="Times New Roman" panose="02020603050405020304" pitchFamily="18" charset="0"/>
               <a:cs typeface="Times New Roman" panose="02020603050405020304" pitchFamily="18" charset="0"/>
             </a:endParaRPr>
@@ -26167,27 +26347,27 @@
               </a:tabLst>
             </a:pPr>
             <a:r>
-              <a:rPr sz="1200" spc="-35" dirty="0">
+              <a:rPr lang="fr-FR" sz="1200" spc="-35" dirty="0">
                 <a:latin typeface="Times New Roman" panose="02020603050405020304" pitchFamily="18" charset="0"/>
                 <a:cs typeface="Times New Roman" panose="02020603050405020304" pitchFamily="18" charset="0"/>
               </a:rPr>
-              <a:t>Pattern</a:t>
-            </a:r>
-            <a:r>
-              <a:rPr sz="1200" spc="-40" dirty="0">
+              <a:t>p</a:t>
+            </a:r>
+            <a:r>
+              <a:rPr sz="1200" spc="-35" dirty="0" err="1">
                 <a:latin typeface="Times New Roman" panose="02020603050405020304" pitchFamily="18" charset="0"/>
                 <a:cs typeface="Times New Roman" panose="02020603050405020304" pitchFamily="18" charset="0"/>
               </a:rPr>
-              <a:t> </a:t>
-            </a:r>
-            <a:r>
-              <a:rPr sz="1200" spc="-45" dirty="0">
+              <a:t>attern</a:t>
+            </a:r>
+            <a:r>
+              <a:rPr sz="1200" spc="-45" dirty="0" err="1">
                 <a:latin typeface="Times New Roman" panose="02020603050405020304" pitchFamily="18" charset="0"/>
                 <a:cs typeface="Times New Roman" panose="02020603050405020304" pitchFamily="18" charset="0"/>
               </a:rPr>
               <a:t>Properties</a:t>
             </a:r>
-            <a:endParaRPr sz="1200">
+            <a:endParaRPr sz="1200" dirty="0">
               <a:latin typeface="Times New Roman" panose="02020603050405020304" pitchFamily="18" charset="0"/>
               <a:cs typeface="Times New Roman" panose="02020603050405020304" pitchFamily="18" charset="0"/>
             </a:endParaRPr>
@@ -26205,27 +26385,27 @@
               </a:tabLst>
             </a:pPr>
             <a:r>
-              <a:rPr sz="1200" spc="-30" dirty="0">
+              <a:rPr lang="fr-FR" sz="1200" spc="-30" dirty="0">
                 <a:latin typeface="Times New Roman" panose="02020603050405020304" pitchFamily="18" charset="0"/>
                 <a:cs typeface="Times New Roman" panose="02020603050405020304" pitchFamily="18" charset="0"/>
               </a:rPr>
-              <a:t>Additional</a:t>
-            </a:r>
-            <a:r>
-              <a:rPr sz="1200" spc="-40" dirty="0">
+              <a:t>a</a:t>
+            </a:r>
+            <a:r>
+              <a:rPr sz="1200" spc="-30" dirty="0" err="1">
                 <a:latin typeface="Times New Roman" panose="02020603050405020304" pitchFamily="18" charset="0"/>
                 <a:cs typeface="Times New Roman" panose="02020603050405020304" pitchFamily="18" charset="0"/>
               </a:rPr>
-              <a:t> </a:t>
-            </a:r>
-            <a:r>
-              <a:rPr sz="1200" spc="-45" dirty="0">
+              <a:t>dditional</a:t>
+            </a:r>
+            <a:r>
+              <a:rPr sz="1200" spc="-45" dirty="0" err="1">
                 <a:latin typeface="Times New Roman" panose="02020603050405020304" pitchFamily="18" charset="0"/>
                 <a:cs typeface="Times New Roman" panose="02020603050405020304" pitchFamily="18" charset="0"/>
               </a:rPr>
               <a:t>Properties</a:t>
             </a:r>
-            <a:endParaRPr sz="1200">
+            <a:endParaRPr sz="1200" dirty="0">
               <a:latin typeface="Times New Roman" panose="02020603050405020304" pitchFamily="18" charset="0"/>
               <a:cs typeface="Times New Roman" panose="02020603050405020304" pitchFamily="18" charset="0"/>
             </a:endParaRPr>
@@ -26243,27 +26423,27 @@
               </a:tabLst>
             </a:pPr>
             <a:r>
-              <a:rPr sz="1200" spc="-55" dirty="0">
+              <a:rPr lang="fr-FR" sz="1200" spc="-55" dirty="0">
                 <a:latin typeface="Times New Roman" panose="02020603050405020304" pitchFamily="18" charset="0"/>
                 <a:cs typeface="Times New Roman" panose="02020603050405020304" pitchFamily="18" charset="0"/>
               </a:rPr>
-              <a:t>Required</a:t>
-            </a:r>
-            <a:r>
-              <a:rPr sz="1200" spc="-40" dirty="0">
+              <a:t>r</a:t>
+            </a:r>
+            <a:r>
+              <a:rPr sz="1200" spc="-55" dirty="0" err="1">
                 <a:latin typeface="Times New Roman" panose="02020603050405020304" pitchFamily="18" charset="0"/>
                 <a:cs typeface="Times New Roman" panose="02020603050405020304" pitchFamily="18" charset="0"/>
               </a:rPr>
-              <a:t> </a:t>
-            </a:r>
-            <a:r>
-              <a:rPr sz="1200" spc="-45" dirty="0">
+              <a:t>equired</a:t>
+            </a:r>
+            <a:r>
+              <a:rPr sz="1200" spc="-45" dirty="0" err="1">
                 <a:latin typeface="Times New Roman" panose="02020603050405020304" pitchFamily="18" charset="0"/>
                 <a:cs typeface="Times New Roman" panose="02020603050405020304" pitchFamily="18" charset="0"/>
               </a:rPr>
               <a:t>Properties</a:t>
             </a:r>
-            <a:endParaRPr sz="1200">
+            <a:endParaRPr sz="1200" dirty="0">
               <a:latin typeface="Times New Roman" panose="02020603050405020304" pitchFamily="18" charset="0"/>
               <a:cs typeface="Times New Roman" panose="02020603050405020304" pitchFamily="18" charset="0"/>
             </a:endParaRPr>
@@ -26287,7 +26467,7 @@
               </a:rPr>
               <a:t>…</a:t>
             </a:r>
-            <a:endParaRPr sz="1200">
+            <a:endParaRPr sz="1200" dirty="0">
               <a:latin typeface="Times New Roman" panose="02020603050405020304" pitchFamily="18" charset="0"/>
               <a:cs typeface="Times New Roman" panose="02020603050405020304" pitchFamily="18" charset="0"/>
             </a:endParaRPr>
@@ -26563,13 +26743,20 @@
               </a:tabLst>
             </a:pPr>
             <a:r>
-              <a:rPr sz="1200" spc="-30" dirty="0">
+              <a:rPr lang="fr-FR" sz="1200" spc="-30" dirty="0">
                 <a:latin typeface="Times New Roman" panose="02020603050405020304" pitchFamily="18" charset="0"/>
                 <a:cs typeface="Times New Roman" panose="02020603050405020304" pitchFamily="18" charset="0"/>
               </a:rPr>
-              <a:t>Items</a:t>
-            </a:r>
-            <a:endParaRPr sz="1200">
+              <a:t>i</a:t>
+            </a:r>
+            <a:r>
+              <a:rPr sz="1200" spc="-30" dirty="0" err="1">
+                <a:latin typeface="Times New Roman" panose="02020603050405020304" pitchFamily="18" charset="0"/>
+                <a:cs typeface="Times New Roman" panose="02020603050405020304" pitchFamily="18" charset="0"/>
+              </a:rPr>
+              <a:t>tems</a:t>
+            </a:r>
+            <a:endParaRPr sz="1200" dirty="0">
               <a:latin typeface="Times New Roman" panose="02020603050405020304" pitchFamily="18" charset="0"/>
               <a:cs typeface="Times New Roman" panose="02020603050405020304" pitchFamily="18" charset="0"/>
             </a:endParaRPr>
@@ -26587,27 +26774,20 @@
               </a:tabLst>
             </a:pPr>
             <a:r>
-              <a:rPr sz="1200" spc="-30" dirty="0">
+              <a:rPr lang="fr-FR" sz="1200" spc="-30" dirty="0">
                 <a:latin typeface="Times New Roman" panose="02020603050405020304" pitchFamily="18" charset="0"/>
                 <a:cs typeface="Times New Roman" panose="02020603050405020304" pitchFamily="18" charset="0"/>
               </a:rPr>
-              <a:t>Additional</a:t>
-            </a:r>
-            <a:r>
-              <a:rPr sz="1200" spc="-40" dirty="0">
+              <a:t>a</a:t>
+            </a:r>
+            <a:r>
+              <a:rPr sz="1200" spc="-30" dirty="0" err="1">
                 <a:latin typeface="Times New Roman" panose="02020603050405020304" pitchFamily="18" charset="0"/>
                 <a:cs typeface="Times New Roman" panose="02020603050405020304" pitchFamily="18" charset="0"/>
               </a:rPr>
-              <a:t> </a:t>
-            </a:r>
-            <a:r>
-              <a:rPr sz="1200" spc="-30" dirty="0">
-                <a:latin typeface="Times New Roman" panose="02020603050405020304" pitchFamily="18" charset="0"/>
-                <a:cs typeface="Times New Roman" panose="02020603050405020304" pitchFamily="18" charset="0"/>
-              </a:rPr>
-              <a:t>Items</a:t>
-            </a:r>
-            <a:endParaRPr sz="1200">
+              <a:t>dditionalItems</a:t>
+            </a:r>
+            <a:endParaRPr sz="1200" dirty="0">
               <a:latin typeface="Times New Roman" panose="02020603050405020304" pitchFamily="18" charset="0"/>
               <a:cs typeface="Times New Roman" panose="02020603050405020304" pitchFamily="18" charset="0"/>
             </a:endParaRPr>
@@ -26625,27 +26805,27 @@
               </a:tabLst>
             </a:pPr>
             <a:r>
-              <a:rPr sz="1200" spc="-45" dirty="0">
+              <a:rPr lang="fr-FR" sz="1200" spc="-45" dirty="0">
                 <a:latin typeface="Times New Roman" panose="02020603050405020304" pitchFamily="18" charset="0"/>
                 <a:cs typeface="Times New Roman" panose="02020603050405020304" pitchFamily="18" charset="0"/>
               </a:rPr>
-              <a:t>Unevaluated</a:t>
-            </a:r>
-            <a:r>
-              <a:rPr sz="1200" spc="-40" dirty="0">
+              <a:t>u</a:t>
+            </a:r>
+            <a:r>
+              <a:rPr sz="1200" spc="-45" dirty="0" err="1">
                 <a:latin typeface="Times New Roman" panose="02020603050405020304" pitchFamily="18" charset="0"/>
                 <a:cs typeface="Times New Roman" panose="02020603050405020304" pitchFamily="18" charset="0"/>
               </a:rPr>
-              <a:t> </a:t>
-            </a:r>
-            <a:r>
-              <a:rPr sz="1200" spc="-30" dirty="0">
+              <a:t>nevaluated</a:t>
+            </a:r>
+            <a:r>
+              <a:rPr sz="1200" spc="-30" dirty="0" err="1">
                 <a:latin typeface="Times New Roman" panose="02020603050405020304" pitchFamily="18" charset="0"/>
                 <a:cs typeface="Times New Roman" panose="02020603050405020304" pitchFamily="18" charset="0"/>
               </a:rPr>
               <a:t>Items</a:t>
             </a:r>
-            <a:endParaRPr sz="1200">
+            <a:endParaRPr sz="1200" dirty="0">
               <a:latin typeface="Times New Roman" panose="02020603050405020304" pitchFamily="18" charset="0"/>
               <a:cs typeface="Times New Roman" panose="02020603050405020304" pitchFamily="18" charset="0"/>
             </a:endParaRPr>
@@ -26663,13 +26843,20 @@
               </a:tabLst>
             </a:pPr>
             <a:r>
-              <a:rPr sz="1200" spc="-60" dirty="0">
+              <a:rPr lang="fr-FR" sz="1200" spc="-60" dirty="0">
                 <a:latin typeface="Times New Roman" panose="02020603050405020304" pitchFamily="18" charset="0"/>
                 <a:cs typeface="Times New Roman" panose="02020603050405020304" pitchFamily="18" charset="0"/>
               </a:rPr>
-              <a:t>Contains</a:t>
-            </a:r>
-            <a:endParaRPr sz="1200">
+              <a:t>c</a:t>
+            </a:r>
+            <a:r>
+              <a:rPr sz="1200" spc="-60" dirty="0" err="1">
+                <a:latin typeface="Times New Roman" panose="02020603050405020304" pitchFamily="18" charset="0"/>
+                <a:cs typeface="Times New Roman" panose="02020603050405020304" pitchFamily="18" charset="0"/>
+              </a:rPr>
+              <a:t>ontains</a:t>
+            </a:r>
+            <a:endParaRPr sz="1200" dirty="0">
               <a:latin typeface="Times New Roman" panose="02020603050405020304" pitchFamily="18" charset="0"/>
               <a:cs typeface="Times New Roman" panose="02020603050405020304" pitchFamily="18" charset="0"/>
             </a:endParaRPr>
@@ -26693,7 +26880,7 @@
               </a:rPr>
               <a:t>…</a:t>
             </a:r>
-            <a:endParaRPr sz="1200">
+            <a:endParaRPr sz="1200" dirty="0">
               <a:latin typeface="Times New Roman" panose="02020603050405020304" pitchFamily="18" charset="0"/>
               <a:cs typeface="Times New Roman" panose="02020603050405020304" pitchFamily="18" charset="0"/>
             </a:endParaRPr>
@@ -26958,7 +27145,7 @@
               </a:rPr>
               <a:t>allOf</a:t>
             </a:r>
-            <a:endParaRPr sz="1200">
+            <a:endParaRPr sz="1200" dirty="0">
               <a:latin typeface="Times New Roman" panose="02020603050405020304" pitchFamily="18" charset="0"/>
               <a:cs typeface="Times New Roman" panose="02020603050405020304" pitchFamily="18" charset="0"/>
             </a:endParaRPr>
@@ -26982,7 +27169,7 @@
               </a:rPr>
               <a:t>anyOf</a:t>
             </a:r>
-            <a:endParaRPr sz="1200">
+            <a:endParaRPr sz="1200" dirty="0">
               <a:latin typeface="Times New Roman" panose="02020603050405020304" pitchFamily="18" charset="0"/>
               <a:cs typeface="Times New Roman" panose="02020603050405020304" pitchFamily="18" charset="0"/>
             </a:endParaRPr>
@@ -27006,7 +27193,7 @@
               </a:rPr>
               <a:t>oneOf</a:t>
             </a:r>
-            <a:endParaRPr sz="1200">
+            <a:endParaRPr sz="1200" dirty="0">
               <a:latin typeface="Times New Roman" panose="02020603050405020304" pitchFamily="18" charset="0"/>
               <a:cs typeface="Times New Roman" panose="02020603050405020304" pitchFamily="18" charset="0"/>
             </a:endParaRPr>
@@ -27030,7 +27217,7 @@
               </a:rPr>
               <a:t>not</a:t>
             </a:r>
-            <a:endParaRPr sz="1200">
+            <a:endParaRPr sz="1200" dirty="0">
               <a:latin typeface="Times New Roman" panose="02020603050405020304" pitchFamily="18" charset="0"/>
               <a:cs typeface="Times New Roman" panose="02020603050405020304" pitchFamily="18" charset="0"/>
             </a:endParaRPr>
@@ -32523,10 +32710,10 @@
       </p:pic>
       <p:pic>
         <p:nvPicPr>
-          <p:cNvPr id="4" name="Image 3">
+          <p:cNvPr id="5" name="Image 4">
             <a:extLst>
               <a:ext uri="{FF2B5EF4-FFF2-40B4-BE49-F238E27FC236}">
-                <a16:creationId xmlns:a16="http://schemas.microsoft.com/office/drawing/2014/main" id="{5FB39551-6296-184C-3F8E-5F851BC40D0F}"/>
+                <a16:creationId xmlns:a16="http://schemas.microsoft.com/office/drawing/2014/main" id="{EA6E287F-03A3-69B5-A7C9-355E39342C71}"/>
               </a:ext>
             </a:extLst>
           </p:cNvPr>
@@ -32543,8 +32730,8 @@
         </p:blipFill>
         <p:spPr>
           <a:xfrm>
-            <a:off x="4428075" y="1823824"/>
-            <a:ext cx="4768410" cy="1495852"/>
+            <a:off x="4850437" y="1021080"/>
+            <a:ext cx="3801766" cy="3741420"/>
           </a:xfrm>
           <a:prstGeom prst="rect">
             <a:avLst/>

--- a/rapport/Présentation_Finale.pptx
+++ b/rapport/Présentation_Finale.pptx
@@ -10035,7 +10035,7 @@
         <p:spPr>
           <a:xfrm>
             <a:off x="241300" y="63500"/>
-            <a:ext cx="3655168" cy="523220"/>
+            <a:ext cx="3930884" cy="523220"/>
           </a:xfrm>
           <a:prstGeom prst="rect">
             <a:avLst/>
@@ -10053,7 +10053,7 @@
                 <a:latin typeface="Times New Roman" panose="02020603050405020304" pitchFamily="18" charset="0"/>
                 <a:cs typeface="Times New Roman" panose="02020603050405020304" pitchFamily="18" charset="0"/>
               </a:rPr>
-              <a:t>JEDI : Similarité  JSON</a:t>
+              <a:t>JEDI : Distance d’édition</a:t>
             </a:r>
           </a:p>
         </p:txBody>
@@ -10073,7 +10073,7 @@
         <p:spPr>
           <a:xfrm>
             <a:off x="167725" y="900511"/>
-            <a:ext cx="8028160" cy="523220"/>
+            <a:ext cx="8587607" cy="523220"/>
           </a:xfrm>
           <a:prstGeom prst="rect">
             <a:avLst/>
@@ -10090,7 +10090,7 @@
                 <a:latin typeface="Times New Roman" panose="02020603050405020304" pitchFamily="18" charset="0"/>
                 <a:cs typeface="Times New Roman" panose="02020603050405020304" pitchFamily="18" charset="0"/>
               </a:rPr>
-              <a:t>Algorithme qui permet de calculer la similarité entre deux documents en utilisant une </a:t>
+              <a:t>Algorithme qui permet de calculer la distance d’édition entre deux documents en utilisant une </a:t>
             </a:r>
             <a:r>
               <a:rPr lang="fr-FR" kern="1200" dirty="0">
@@ -10930,56 +10930,6 @@
               </a:rPr>
               <a:t>JEDI</a:t>
             </a:r>
-          </a:p>
-        </p:txBody>
-      </p:sp>
-      <p:sp>
-        <p:nvSpPr>
-          <p:cNvPr id="4" name="Rectangle 3">
-            <a:extLst>
-              <a:ext uri="{FF2B5EF4-FFF2-40B4-BE49-F238E27FC236}">
-                <a16:creationId xmlns:a16="http://schemas.microsoft.com/office/drawing/2014/main" id="{0C879C13-B7BD-C8B9-C5B4-F4EDD3C9B0EE}"/>
-              </a:ext>
-            </a:extLst>
-          </p:cNvPr>
-          <p:cNvSpPr/>
-          <p:nvPr/>
-        </p:nvSpPr>
-        <p:spPr>
-          <a:xfrm>
-            <a:off x="410907" y="1104039"/>
-            <a:ext cx="8028160" cy="523220"/>
-          </a:xfrm>
-          <a:prstGeom prst="rect">
-            <a:avLst/>
-          </a:prstGeom>
-        </p:spPr>
-        <p:txBody>
-          <a:bodyPr wrap="none">
-            <a:spAutoFit/>
-          </a:bodyPr>
-          <a:lstStyle/>
-          <a:p>
-            <a:r>
-              <a:rPr lang="fr-FR" dirty="0">
-                <a:latin typeface="Times New Roman" panose="02020603050405020304" pitchFamily="18" charset="0"/>
-                <a:cs typeface="Times New Roman" panose="02020603050405020304" pitchFamily="18" charset="0"/>
-              </a:rPr>
-              <a:t>Algorithme qui permet de calculer la similarité entre deux documents en utilisant une </a:t>
-            </a:r>
-            <a:r>
-              <a:rPr lang="fr-FR" kern="1200" dirty="0">
-                <a:latin typeface="Times New Roman" panose="02020603050405020304" pitchFamily="18" charset="0"/>
-                <a:cs typeface="Times New Roman" panose="02020603050405020304" pitchFamily="18" charset="0"/>
-              </a:rPr>
-              <a:t>Approche arborescente</a:t>
-            </a:r>
-          </a:p>
-          <a:p>
-            <a:endParaRPr lang="fr-FR" dirty="0">
-              <a:latin typeface="Times New Roman" panose="02020603050405020304" pitchFamily="18" charset="0"/>
-              <a:cs typeface="Times New Roman" panose="02020603050405020304" pitchFamily="18" charset="0"/>
-            </a:endParaRPr>
           </a:p>
         </p:txBody>
       </p:sp>
@@ -11471,6 +11421,53 @@
           </a:p>
         </p:txBody>
       </p:sp>
+      <p:sp>
+        <p:nvSpPr>
+          <p:cNvPr id="2" name="Rectangle 1">
+            <a:extLst>
+              <a:ext uri="{FF2B5EF4-FFF2-40B4-BE49-F238E27FC236}">
+                <a16:creationId xmlns:a16="http://schemas.microsoft.com/office/drawing/2014/main" id="{6591BEBD-99B4-1175-CC84-96578BACCDAB}"/>
+              </a:ext>
+            </a:extLst>
+          </p:cNvPr>
+          <p:cNvSpPr/>
+          <p:nvPr/>
+        </p:nvSpPr>
+        <p:spPr>
+          <a:xfrm>
+            <a:off x="167725" y="900511"/>
+            <a:ext cx="8587607" cy="523220"/>
+          </a:xfrm>
+          <a:prstGeom prst="rect">
+            <a:avLst/>
+          </a:prstGeom>
+        </p:spPr>
+        <p:txBody>
+          <a:bodyPr wrap="none">
+            <a:spAutoFit/>
+          </a:bodyPr>
+          <a:lstStyle/>
+          <a:p>
+            <a:r>
+              <a:rPr lang="fr-FR" dirty="0">
+                <a:latin typeface="Times New Roman" panose="02020603050405020304" pitchFamily="18" charset="0"/>
+                <a:cs typeface="Times New Roman" panose="02020603050405020304" pitchFamily="18" charset="0"/>
+              </a:rPr>
+              <a:t>Algorithme qui permet de calculer la distance d’édition entre deux documents en utilisant une </a:t>
+            </a:r>
+            <a:r>
+              <a:rPr lang="fr-FR" kern="1200" dirty="0">
+                <a:latin typeface="Times New Roman" panose="02020603050405020304" pitchFamily="18" charset="0"/>
+                <a:cs typeface="Times New Roman" panose="02020603050405020304" pitchFamily="18" charset="0"/>
+              </a:rPr>
+              <a:t>Approche arborescente</a:t>
+            </a:r>
+          </a:p>
+          <a:p>
+            <a:endParaRPr lang="fr-FR" dirty="0"/>
+          </a:p>
+        </p:txBody>
+      </p:sp>
     </p:spTree>
     <p:extLst>
       <p:ext uri="{BB962C8B-B14F-4D97-AF65-F5344CB8AC3E}">
@@ -11502,7 +11499,7 @@
                             </p:stCondLst>
                             <p:childTnLst>
                               <p:par>
-                                <p:cTn id="5" presetID="10" presetClass="entr" presetSubtype="0" fill="hold" grpId="0" nodeType="clickEffect">
+                                <p:cTn id="5" presetID="10" presetClass="entr" presetSubtype="0" fill="hold" nodeType="clickEffect">
                                   <p:stCondLst>
                                     <p:cond delay="0"/>
                                   </p:stCondLst>
@@ -11515,7 +11512,7 @@
                                           </p:stCondLst>
                                         </p:cTn>
                                         <p:tgtEl>
-                                          <p:spTgt spid="4"/>
+                                          <p:spTgt spid="15"/>
                                         </p:tgtEl>
                                         <p:attrNameLst>
                                           <p:attrName>style.visibility</p:attrName>
@@ -11529,7 +11526,7 @@
                                       <p:cBhvr>
                                         <p:cTn id="7" dur="500"/>
                                         <p:tgtEl>
-                                          <p:spTgt spid="4"/>
+                                          <p:spTgt spid="15"/>
                                         </p:tgtEl>
                                       </p:cBhvr>
                                     </p:animEffect>
@@ -11555,7 +11552,7 @@
                             </p:stCondLst>
                             <p:childTnLst>
                               <p:par>
-                                <p:cTn id="10" presetID="10" presetClass="entr" presetSubtype="0" fill="hold" nodeType="clickEffect">
+                                <p:cTn id="10" presetID="10" presetClass="entr" presetSubtype="0" fill="hold" grpId="0" nodeType="clickEffect">
                                   <p:stCondLst>
                                     <p:cond delay="0"/>
                                   </p:stCondLst>
@@ -11568,7 +11565,7 @@
                                           </p:stCondLst>
                                         </p:cTn>
                                         <p:tgtEl>
-                                          <p:spTgt spid="15"/>
+                                          <p:spTgt spid="2"/>
                                         </p:tgtEl>
                                         <p:attrNameLst>
                                           <p:attrName>style.visibility</p:attrName>
@@ -11582,7 +11579,7 @@
                                       <p:cBhvr>
                                         <p:cTn id="12" dur="500"/>
                                         <p:tgtEl>
-                                          <p:spTgt spid="15"/>
+                                          <p:spTgt spid="2"/>
                                         </p:tgtEl>
                                       </p:cBhvr>
                                     </p:animEffect>
@@ -11617,7 +11614,7 @@
       </p:par>
     </p:tnLst>
     <p:bldLst>
-      <p:bldP spid="4" grpId="0"/>
+      <p:bldP spid="2" grpId="0"/>
     </p:bldLst>
   </p:timing>
 </p:sld>

--- a/rapport/Présentation_Finale.pptx
+++ b/rapport/Présentation_Finale.pptx
@@ -5,7 +5,7 @@
     <p:sldMasterId id="2147483678" r:id="rId1"/>
   </p:sldMasterIdLst>
   <p:notesMasterIdLst>
-    <p:notesMasterId r:id="rId31"/>
+    <p:notesMasterId r:id="rId34"/>
   </p:notesMasterIdLst>
   <p:sldIdLst>
     <p:sldId id="256" r:id="rId2"/>
@@ -33,10 +33,13 @@
     <p:sldId id="385" r:id="rId24"/>
     <p:sldId id="386" r:id="rId25"/>
     <p:sldId id="387" r:id="rId26"/>
-    <p:sldId id="388" r:id="rId27"/>
-    <p:sldId id="382" r:id="rId28"/>
-    <p:sldId id="326" r:id="rId29"/>
-    <p:sldId id="325" r:id="rId30"/>
+    <p:sldId id="390" r:id="rId27"/>
+    <p:sldId id="391" r:id="rId28"/>
+    <p:sldId id="392" r:id="rId29"/>
+    <p:sldId id="388" r:id="rId30"/>
+    <p:sldId id="382" r:id="rId31"/>
+    <p:sldId id="326" r:id="rId32"/>
+    <p:sldId id="325" r:id="rId33"/>
   </p:sldIdLst>
   <p:sldSz cx="9144000" cy="5143500" type="screen16x9"/>
   <p:notesSz cx="6858000" cy="9144000"/>
@@ -2894,7 +2897,7 @@
     </p:spTree>
     <p:extLst>
       <p:ext uri="{BB962C8B-B14F-4D97-AF65-F5344CB8AC3E}">
-        <p14:creationId xmlns:p14="http://schemas.microsoft.com/office/powerpoint/2010/main" val="1958899374"/>
+        <p14:creationId xmlns:p14="http://schemas.microsoft.com/office/powerpoint/2010/main" val="1155197143"/>
       </p:ext>
     </p:extLst>
   </p:cSld>
@@ -2996,14 +2999,22 @@
               </a:spcAft>
               <a:buNone/>
             </a:pPr>
-            <a:endParaRPr/>
+            <a:r>
+              <a:rPr lang="fr-FR" dirty="0"/>
+              <a:t>Il faut le voir comme  un </a:t>
+            </a:r>
+            <a:r>
+              <a:rPr lang="fr-FR" dirty="0" err="1"/>
+              <a:t>xschema</a:t>
+            </a:r>
+            <a:endParaRPr lang="fr-FR" dirty="0"/>
           </a:p>
         </p:txBody>
       </p:sp>
     </p:spTree>
     <p:extLst>
       <p:ext uri="{BB962C8B-B14F-4D97-AF65-F5344CB8AC3E}">
-        <p14:creationId xmlns:p14="http://schemas.microsoft.com/office/powerpoint/2010/main" val="4016592901"/>
+        <p14:creationId xmlns:p14="http://schemas.microsoft.com/office/powerpoint/2010/main" val="3978626551"/>
       </p:ext>
     </p:extLst>
   </p:cSld>
@@ -3107,39 +3118,20 @@
             </a:pPr>
             <a:r>
               <a:rPr lang="fr-FR" dirty="0"/>
-              <a:t>-4 nous avons essayé de le faire, c’est une mesure </a:t>
+              <a:t>Il faut le voir comme  un </a:t>
             </a:r>
             <a:r>
               <a:rPr lang="fr-FR" dirty="0" err="1"/>
-              <a:t>quantiative</a:t>
-            </a:r>
-            <a:r>
-              <a:rPr lang="fr-FR" dirty="0"/>
-              <a:t>, on a contacté l’</a:t>
-            </a:r>
-            <a:r>
-              <a:rPr lang="fr-FR" dirty="0" err="1"/>
-              <a:t>ateur</a:t>
-            </a:r>
-            <a:r>
-              <a:rPr lang="fr-FR" dirty="0"/>
-              <a:t> de </a:t>
-            </a:r>
-            <a:r>
-              <a:rPr lang="fr-FR" dirty="0" err="1"/>
-              <a:t>larticle</a:t>
-            </a:r>
-            <a:r>
-              <a:rPr lang="fr-FR" dirty="0"/>
-              <a:t> pour savoir si y’a une possibilité d’extraire les informations sur la distance d’édition surtout pour les opérations à faire pour exploiter les distances d’éditions</a:t>
-            </a:r>
+              <a:t>xschema</a:t>
+            </a:r>
+            <a:endParaRPr lang="fr-FR" dirty="0"/>
           </a:p>
         </p:txBody>
       </p:sp>
     </p:spTree>
     <p:extLst>
       <p:ext uri="{BB962C8B-B14F-4D97-AF65-F5344CB8AC3E}">
-        <p14:creationId xmlns:p14="http://schemas.microsoft.com/office/powerpoint/2010/main" val="3655311867"/>
+        <p14:creationId xmlns:p14="http://schemas.microsoft.com/office/powerpoint/2010/main" val="3598382817"/>
       </p:ext>
     </p:extLst>
   </p:cSld>
@@ -3241,14 +3233,22 @@
               </a:spcAft>
               <a:buNone/>
             </a:pPr>
-            <a:endParaRPr/>
+            <a:r>
+              <a:rPr lang="fr-FR" dirty="0"/>
+              <a:t>Il faut le voir comme  un </a:t>
+            </a:r>
+            <a:r>
+              <a:rPr lang="fr-FR" dirty="0" err="1"/>
+              <a:t>xschema</a:t>
+            </a:r>
+            <a:endParaRPr lang="fr-FR" dirty="0"/>
           </a:p>
         </p:txBody>
       </p:sp>
     </p:spTree>
     <p:extLst>
       <p:ext uri="{BB962C8B-B14F-4D97-AF65-F5344CB8AC3E}">
-        <p14:creationId xmlns:p14="http://schemas.microsoft.com/office/powerpoint/2010/main" val="640657278"/>
+        <p14:creationId xmlns:p14="http://schemas.microsoft.com/office/powerpoint/2010/main" val="1958899374"/>
       </p:ext>
     </p:extLst>
   </p:cSld>
@@ -3355,6 +3355,360 @@
         </p:txBody>
       </p:sp>
     </p:spTree>
+  </p:cSld>
+  <p:clrMapOvr>
+    <a:masterClrMapping/>
+  </p:clrMapOvr>
+</p:notes>
+</file>
+
+<file path=ppt/notesSlides/notesSlide30.xml><?xml version="1.0" encoding="utf-8"?>
+<p:notes xmlns:a="http://schemas.openxmlformats.org/drawingml/2006/main" xmlns:r="http://schemas.openxmlformats.org/officeDocument/2006/relationships" xmlns:p="http://schemas.openxmlformats.org/presentationml/2006/main" showMasterSp="0" showMasterPhAnim="0">
+  <p:cSld>
+    <p:spTree>
+      <p:nvGrpSpPr>
+        <p:cNvPr id="1" name="Shape 218"/>
+        <p:cNvGrpSpPr/>
+        <p:nvPr/>
+      </p:nvGrpSpPr>
+      <p:grpSpPr>
+        <a:xfrm>
+          <a:off x="0" y="0"/>
+          <a:ext cx="0" cy="0"/>
+          <a:chOff x="0" y="0"/>
+          <a:chExt cx="0" cy="0"/>
+        </a:xfrm>
+      </p:grpSpPr>
+      <p:sp>
+        <p:nvSpPr>
+          <p:cNvPr id="219" name="Google Shape;219;g87442ffb15_0_114:notes"/>
+          <p:cNvSpPr>
+            <a:spLocks noGrp="1" noRot="1" noChangeAspect="1"/>
+          </p:cNvSpPr>
+          <p:nvPr>
+            <p:ph type="sldImg" idx="2"/>
+          </p:nvPr>
+        </p:nvSpPr>
+        <p:spPr>
+          <a:xfrm>
+            <a:off x="381000" y="685800"/>
+            <a:ext cx="6096000" cy="3429000"/>
+          </a:xfrm>
+          <a:custGeom>
+            <a:avLst/>
+            <a:gdLst/>
+            <a:ahLst/>
+            <a:cxnLst/>
+            <a:rect l="l" t="t" r="r" b="b"/>
+            <a:pathLst>
+              <a:path w="120000" h="120000" extrusionOk="0">
+                <a:moveTo>
+                  <a:pt x="0" y="0"/>
+                </a:moveTo>
+                <a:lnTo>
+                  <a:pt x="120000" y="0"/>
+                </a:lnTo>
+                <a:lnTo>
+                  <a:pt x="120000" y="120000"/>
+                </a:lnTo>
+                <a:lnTo>
+                  <a:pt x="0" y="120000"/>
+                </a:lnTo>
+                <a:close/>
+              </a:path>
+            </a:pathLst>
+          </a:custGeom>
+        </p:spPr>
+      </p:sp>
+      <p:sp>
+        <p:nvSpPr>
+          <p:cNvPr id="220" name="Google Shape;220;g87442ffb15_0_114:notes"/>
+          <p:cNvSpPr txBox="1">
+            <a:spLocks noGrp="1"/>
+          </p:cNvSpPr>
+          <p:nvPr>
+            <p:ph type="body" idx="1"/>
+          </p:nvPr>
+        </p:nvSpPr>
+        <p:spPr>
+          <a:xfrm>
+            <a:off x="685800" y="4343400"/>
+            <a:ext cx="5486400" cy="4114800"/>
+          </a:xfrm>
+          <a:prstGeom prst="rect">
+            <a:avLst/>
+          </a:prstGeom>
+        </p:spPr>
+        <p:txBody>
+          <a:bodyPr spcFirstLastPara="1" wrap="square" lIns="91425" tIns="91425" rIns="91425" bIns="91425" anchor="t" anchorCtr="0">
+            <a:noAutofit/>
+          </a:bodyPr>
+          <a:lstStyle/>
+          <a:p>
+            <a:pPr marL="0" lvl="0" indent="0" algn="l" rtl="0">
+              <a:spcBef>
+                <a:spcPts val="0"/>
+              </a:spcBef>
+              <a:spcAft>
+                <a:spcPts val="0"/>
+              </a:spcAft>
+              <a:buNone/>
+            </a:pPr>
+            <a:endParaRPr/>
+          </a:p>
+        </p:txBody>
+      </p:sp>
+    </p:spTree>
+    <p:extLst>
+      <p:ext uri="{BB962C8B-B14F-4D97-AF65-F5344CB8AC3E}">
+        <p14:creationId xmlns:p14="http://schemas.microsoft.com/office/powerpoint/2010/main" val="4016592901"/>
+      </p:ext>
+    </p:extLst>
+  </p:cSld>
+  <p:clrMapOvr>
+    <a:masterClrMapping/>
+  </p:clrMapOvr>
+</p:notes>
+</file>
+
+<file path=ppt/notesSlides/notesSlide31.xml><?xml version="1.0" encoding="utf-8"?>
+<p:notes xmlns:a="http://schemas.openxmlformats.org/drawingml/2006/main" xmlns:r="http://schemas.openxmlformats.org/officeDocument/2006/relationships" xmlns:p="http://schemas.openxmlformats.org/presentationml/2006/main" showMasterSp="0" showMasterPhAnim="0">
+  <p:cSld>
+    <p:spTree>
+      <p:nvGrpSpPr>
+        <p:cNvPr id="1" name="Shape 218"/>
+        <p:cNvGrpSpPr/>
+        <p:nvPr/>
+      </p:nvGrpSpPr>
+      <p:grpSpPr>
+        <a:xfrm>
+          <a:off x="0" y="0"/>
+          <a:ext cx="0" cy="0"/>
+          <a:chOff x="0" y="0"/>
+          <a:chExt cx="0" cy="0"/>
+        </a:xfrm>
+      </p:grpSpPr>
+      <p:sp>
+        <p:nvSpPr>
+          <p:cNvPr id="219" name="Google Shape;219;g87442ffb15_0_114:notes"/>
+          <p:cNvSpPr>
+            <a:spLocks noGrp="1" noRot="1" noChangeAspect="1"/>
+          </p:cNvSpPr>
+          <p:nvPr>
+            <p:ph type="sldImg" idx="2"/>
+          </p:nvPr>
+        </p:nvSpPr>
+        <p:spPr>
+          <a:xfrm>
+            <a:off x="381000" y="685800"/>
+            <a:ext cx="6096000" cy="3429000"/>
+          </a:xfrm>
+          <a:custGeom>
+            <a:avLst/>
+            <a:gdLst/>
+            <a:ahLst/>
+            <a:cxnLst/>
+            <a:rect l="l" t="t" r="r" b="b"/>
+            <a:pathLst>
+              <a:path w="120000" h="120000" extrusionOk="0">
+                <a:moveTo>
+                  <a:pt x="0" y="0"/>
+                </a:moveTo>
+                <a:lnTo>
+                  <a:pt x="120000" y="0"/>
+                </a:lnTo>
+                <a:lnTo>
+                  <a:pt x="120000" y="120000"/>
+                </a:lnTo>
+                <a:lnTo>
+                  <a:pt x="0" y="120000"/>
+                </a:lnTo>
+                <a:close/>
+              </a:path>
+            </a:pathLst>
+          </a:custGeom>
+        </p:spPr>
+      </p:sp>
+      <p:sp>
+        <p:nvSpPr>
+          <p:cNvPr id="220" name="Google Shape;220;g87442ffb15_0_114:notes"/>
+          <p:cNvSpPr txBox="1">
+            <a:spLocks noGrp="1"/>
+          </p:cNvSpPr>
+          <p:nvPr>
+            <p:ph type="body" idx="1"/>
+          </p:nvPr>
+        </p:nvSpPr>
+        <p:spPr>
+          <a:xfrm>
+            <a:off x="685800" y="4343400"/>
+            <a:ext cx="5486400" cy="4114800"/>
+          </a:xfrm>
+          <a:prstGeom prst="rect">
+            <a:avLst/>
+          </a:prstGeom>
+        </p:spPr>
+        <p:txBody>
+          <a:bodyPr spcFirstLastPara="1" wrap="square" lIns="91425" tIns="91425" rIns="91425" bIns="91425" anchor="t" anchorCtr="0">
+            <a:noAutofit/>
+          </a:bodyPr>
+          <a:lstStyle/>
+          <a:p>
+            <a:pPr marL="0" lvl="0" indent="0" algn="l" rtl="0">
+              <a:spcBef>
+                <a:spcPts val="0"/>
+              </a:spcBef>
+              <a:spcAft>
+                <a:spcPts val="0"/>
+              </a:spcAft>
+              <a:buNone/>
+            </a:pPr>
+            <a:r>
+              <a:rPr lang="fr-FR" dirty="0"/>
+              <a:t>-4 nous avons essayé de le faire, c’est une mesure </a:t>
+            </a:r>
+            <a:r>
+              <a:rPr lang="fr-FR" dirty="0" err="1"/>
+              <a:t>quantiative</a:t>
+            </a:r>
+            <a:r>
+              <a:rPr lang="fr-FR" dirty="0"/>
+              <a:t>, on a contacté l’</a:t>
+            </a:r>
+            <a:r>
+              <a:rPr lang="fr-FR" dirty="0" err="1"/>
+              <a:t>ateur</a:t>
+            </a:r>
+            <a:r>
+              <a:rPr lang="fr-FR" dirty="0"/>
+              <a:t> de </a:t>
+            </a:r>
+            <a:r>
+              <a:rPr lang="fr-FR" dirty="0" err="1"/>
+              <a:t>larticle</a:t>
+            </a:r>
+            <a:r>
+              <a:rPr lang="fr-FR" dirty="0"/>
+              <a:t> pour savoir si y’a une possibilité d’extraire les informations sur la distance d’édition surtout pour les opérations à faire pour exploiter les distances d’éditions</a:t>
+            </a:r>
+          </a:p>
+        </p:txBody>
+      </p:sp>
+    </p:spTree>
+    <p:extLst>
+      <p:ext uri="{BB962C8B-B14F-4D97-AF65-F5344CB8AC3E}">
+        <p14:creationId xmlns:p14="http://schemas.microsoft.com/office/powerpoint/2010/main" val="3655311867"/>
+      </p:ext>
+    </p:extLst>
+  </p:cSld>
+  <p:clrMapOvr>
+    <a:masterClrMapping/>
+  </p:clrMapOvr>
+</p:notes>
+</file>
+
+<file path=ppt/notesSlides/notesSlide32.xml><?xml version="1.0" encoding="utf-8"?>
+<p:notes xmlns:a="http://schemas.openxmlformats.org/drawingml/2006/main" xmlns:r="http://schemas.openxmlformats.org/officeDocument/2006/relationships" xmlns:p="http://schemas.openxmlformats.org/presentationml/2006/main" showMasterSp="0" showMasterPhAnim="0">
+  <p:cSld>
+    <p:spTree>
+      <p:nvGrpSpPr>
+        <p:cNvPr id="1" name="Shape 218"/>
+        <p:cNvGrpSpPr/>
+        <p:nvPr/>
+      </p:nvGrpSpPr>
+      <p:grpSpPr>
+        <a:xfrm>
+          <a:off x="0" y="0"/>
+          <a:ext cx="0" cy="0"/>
+          <a:chOff x="0" y="0"/>
+          <a:chExt cx="0" cy="0"/>
+        </a:xfrm>
+      </p:grpSpPr>
+      <p:sp>
+        <p:nvSpPr>
+          <p:cNvPr id="219" name="Google Shape;219;g87442ffb15_0_114:notes"/>
+          <p:cNvSpPr>
+            <a:spLocks noGrp="1" noRot="1" noChangeAspect="1"/>
+          </p:cNvSpPr>
+          <p:nvPr>
+            <p:ph type="sldImg" idx="2"/>
+          </p:nvPr>
+        </p:nvSpPr>
+        <p:spPr>
+          <a:xfrm>
+            <a:off x="381000" y="685800"/>
+            <a:ext cx="6096000" cy="3429000"/>
+          </a:xfrm>
+          <a:custGeom>
+            <a:avLst/>
+            <a:gdLst/>
+            <a:ahLst/>
+            <a:cxnLst/>
+            <a:rect l="l" t="t" r="r" b="b"/>
+            <a:pathLst>
+              <a:path w="120000" h="120000" extrusionOk="0">
+                <a:moveTo>
+                  <a:pt x="0" y="0"/>
+                </a:moveTo>
+                <a:lnTo>
+                  <a:pt x="120000" y="0"/>
+                </a:lnTo>
+                <a:lnTo>
+                  <a:pt x="120000" y="120000"/>
+                </a:lnTo>
+                <a:lnTo>
+                  <a:pt x="0" y="120000"/>
+                </a:lnTo>
+                <a:close/>
+              </a:path>
+            </a:pathLst>
+          </a:custGeom>
+        </p:spPr>
+      </p:sp>
+      <p:sp>
+        <p:nvSpPr>
+          <p:cNvPr id="220" name="Google Shape;220;g87442ffb15_0_114:notes"/>
+          <p:cNvSpPr txBox="1">
+            <a:spLocks noGrp="1"/>
+          </p:cNvSpPr>
+          <p:nvPr>
+            <p:ph type="body" idx="1"/>
+          </p:nvPr>
+        </p:nvSpPr>
+        <p:spPr>
+          <a:xfrm>
+            <a:off x="685800" y="4343400"/>
+            <a:ext cx="5486400" cy="4114800"/>
+          </a:xfrm>
+          <a:prstGeom prst="rect">
+            <a:avLst/>
+          </a:prstGeom>
+        </p:spPr>
+        <p:txBody>
+          <a:bodyPr spcFirstLastPara="1" wrap="square" lIns="91425" tIns="91425" rIns="91425" bIns="91425" anchor="t" anchorCtr="0">
+            <a:noAutofit/>
+          </a:bodyPr>
+          <a:lstStyle/>
+          <a:p>
+            <a:pPr marL="0" lvl="0" indent="0" algn="l" rtl="0">
+              <a:spcBef>
+                <a:spcPts val="0"/>
+              </a:spcBef>
+              <a:spcAft>
+                <a:spcPts val="0"/>
+              </a:spcAft>
+              <a:buNone/>
+            </a:pPr>
+            <a:endParaRPr/>
+          </a:p>
+        </p:txBody>
+      </p:sp>
+    </p:spTree>
+    <p:extLst>
+      <p:ext uri="{BB962C8B-B14F-4D97-AF65-F5344CB8AC3E}">
+        <p14:creationId xmlns:p14="http://schemas.microsoft.com/office/powerpoint/2010/main" val="640657278"/>
+      </p:ext>
+    </p:extLst>
   </p:cSld>
   <p:clrMapOvr>
     <a:masterClrMapping/>
@@ -9364,8 +9718,8 @@
         </p:nvSpPr>
         <p:spPr>
           <a:xfrm>
-            <a:off x="-1591925" y="3211929"/>
-            <a:ext cx="7542081" cy="942975"/>
+            <a:off x="342900" y="3139790"/>
+            <a:ext cx="2537460" cy="1008100"/>
           </a:xfrm>
           <a:prstGeom prst="rect">
             <a:avLst/>
@@ -9630,7 +9984,7 @@
             <a:pPr algn="ctr"/>
             <a:r>
               <a:rPr lang="fr-FR" sz="1200" b="1" dirty="0"/>
-              <a:t>Sujet proposé et encadré par :</a:t>
+              <a:t>Encadrant : </a:t>
             </a:r>
           </a:p>
         </p:txBody>
@@ -9805,7 +10159,7 @@
           <a:p>
             <a:r>
               <a:rPr lang="fr-FR" dirty="0"/>
-              <a:t>Tabellout Yanis</a:t>
+              <a:t>Yanis Tabellout</a:t>
             </a:r>
           </a:p>
           <a:p>
@@ -9813,26 +10167,23 @@
           </a:p>
           <a:p>
             <a:r>
-              <a:rPr lang="fr-FR" dirty="0" err="1"/>
-              <a:t>Tabellout</a:t>
-            </a:r>
-            <a:r>
               <a:rPr lang="fr-FR" dirty="0"/>
-              <a:t> Salim</a:t>
+              <a:t>Salim Tabellout</a:t>
             </a:r>
           </a:p>
           <a:p>
             <a:endParaRPr lang="fr-FR" dirty="0"/>
           </a:p>
           <a:p>
+            <a:r>
+              <a:rPr lang="fr-FR" dirty="0"/>
+              <a:t>Hichem </a:t>
+            </a:r>
             <a:r>
               <a:rPr lang="fr-FR" dirty="0" err="1"/>
               <a:t>Bouzourine</a:t>
             </a:r>
-            <a:r>
-              <a:rPr lang="fr-FR" dirty="0"/>
-              <a:t> Hichem</a:t>
-            </a:r>
+            <a:endParaRPr lang="fr-FR" dirty="0"/>
           </a:p>
         </p:txBody>
       </p:sp>
@@ -12896,7 +13247,7 @@
         <p:spPr>
           <a:xfrm>
             <a:off x="492023" y="1133536"/>
-            <a:ext cx="5046574" cy="307777"/>
+            <a:ext cx="4831772" cy="307777"/>
           </a:xfrm>
           <a:prstGeom prst="rect">
             <a:avLst/>
@@ -12913,7 +13264,7 @@
                 <a:latin typeface="Times New Roman" panose="02020603050405020304" pitchFamily="18" charset="0"/>
                 <a:cs typeface="Times New Roman" panose="02020603050405020304" pitchFamily="18" charset="0"/>
               </a:rPr>
-              <a:t>La validation d’une instance invalide produit un arbre de d’erreurs. </a:t>
+              <a:t>La validation d’une instance invalide produit un arbre d’erreurs. </a:t>
             </a:r>
           </a:p>
         </p:txBody>
@@ -16438,7 +16789,7 @@
                 <a:cs typeface="Reem Kufi"/>
                 <a:sym typeface="Reem Kufi"/>
               </a:rPr>
-              <a:t>Approche à suivre</a:t>
+              <a:t>Approche proposée</a:t>
             </a:r>
           </a:p>
         </p:txBody>
@@ -23099,6 +23450,5761 @@
         <p:spPr>
           <a:xfrm>
             <a:off x="241300" y="63500"/>
+            <a:ext cx="5793574" cy="523220"/>
+          </a:xfrm>
+          <a:prstGeom prst="rect">
+            <a:avLst/>
+          </a:prstGeom>
+          <a:noFill/>
+        </p:spPr>
+        <p:txBody>
+          <a:bodyPr wrap="none" rtlCol="0">
+            <a:spAutoFit/>
+          </a:bodyPr>
+          <a:lstStyle/>
+          <a:p>
+            <a:r>
+              <a:rPr lang="fr-FR" sz="2800" dirty="0">
+                <a:latin typeface="Times New Roman" panose="02020603050405020304" pitchFamily="18" charset="0"/>
+                <a:cs typeface="Times New Roman" panose="02020603050405020304" pitchFamily="18" charset="0"/>
+              </a:rPr>
+              <a:t>JSON </a:t>
+            </a:r>
+            <a:r>
+              <a:rPr lang="fr-FR" sz="2800" dirty="0" err="1">
+                <a:latin typeface="Times New Roman" panose="02020603050405020304" pitchFamily="18" charset="0"/>
+                <a:cs typeface="Times New Roman" panose="02020603050405020304" pitchFamily="18" charset="0"/>
+              </a:rPr>
+              <a:t>Schema</a:t>
+            </a:r>
+            <a:r>
+              <a:rPr lang="fr-FR" sz="2800" dirty="0">
+                <a:latin typeface="Times New Roman" panose="02020603050405020304" pitchFamily="18" charset="0"/>
+                <a:cs typeface="Times New Roman" panose="02020603050405020304" pitchFamily="18" charset="0"/>
+              </a:rPr>
+              <a:t> : Exemple de réparation</a:t>
+            </a:r>
+          </a:p>
+        </p:txBody>
+      </p:sp>
+      <p:sp>
+        <p:nvSpPr>
+          <p:cNvPr id="13" name="Rectangle 12">
+            <a:extLst>
+              <a:ext uri="{FF2B5EF4-FFF2-40B4-BE49-F238E27FC236}">
+                <a16:creationId xmlns:a16="http://schemas.microsoft.com/office/drawing/2014/main" id="{51564237-ADA5-F6B9-EB8F-E4A16E3DE522}"/>
+              </a:ext>
+            </a:extLst>
+          </p:cNvPr>
+          <p:cNvSpPr/>
+          <p:nvPr/>
+        </p:nvSpPr>
+        <p:spPr>
+          <a:xfrm>
+            <a:off x="1914834" y="4579299"/>
+            <a:ext cx="782587" cy="307777"/>
+          </a:xfrm>
+          <a:prstGeom prst="rect">
+            <a:avLst/>
+          </a:prstGeom>
+        </p:spPr>
+        <p:txBody>
+          <a:bodyPr wrap="none">
+            <a:spAutoFit/>
+          </a:bodyPr>
+          <a:lstStyle/>
+          <a:p>
+            <a:r>
+              <a:rPr lang="fr-FR" b="1" dirty="0">
+                <a:latin typeface="Times New Roman" panose="02020603050405020304" pitchFamily="18" charset="0"/>
+                <a:cs typeface="Times New Roman" panose="02020603050405020304" pitchFamily="18" charset="0"/>
+              </a:rPr>
+              <a:t>Schéma</a:t>
+            </a:r>
+          </a:p>
+        </p:txBody>
+      </p:sp>
+      <p:sp>
+        <p:nvSpPr>
+          <p:cNvPr id="15" name="Rectangle 14">
+            <a:extLst>
+              <a:ext uri="{FF2B5EF4-FFF2-40B4-BE49-F238E27FC236}">
+                <a16:creationId xmlns:a16="http://schemas.microsoft.com/office/drawing/2014/main" id="{9AD662CB-E75A-1F36-5CFB-1A9D0F8BF26C}"/>
+              </a:ext>
+            </a:extLst>
+          </p:cNvPr>
+          <p:cNvSpPr/>
+          <p:nvPr/>
+        </p:nvSpPr>
+        <p:spPr>
+          <a:xfrm>
+            <a:off x="6319943" y="4579299"/>
+            <a:ext cx="833883" cy="307777"/>
+          </a:xfrm>
+          <a:prstGeom prst="rect">
+            <a:avLst/>
+          </a:prstGeom>
+        </p:spPr>
+        <p:txBody>
+          <a:bodyPr wrap="none">
+            <a:spAutoFit/>
+          </a:bodyPr>
+          <a:lstStyle/>
+          <a:p>
+            <a:r>
+              <a:rPr lang="fr-FR" b="1" dirty="0">
+                <a:latin typeface="Times New Roman" panose="02020603050405020304" pitchFamily="18" charset="0"/>
+                <a:cs typeface="Times New Roman" panose="02020603050405020304" pitchFamily="18" charset="0"/>
+              </a:rPr>
+              <a:t>Instance</a:t>
+            </a:r>
+          </a:p>
+        </p:txBody>
+      </p:sp>
+      <p:grpSp>
+        <p:nvGrpSpPr>
+          <p:cNvPr id="2" name="object 2">
+            <a:extLst>
+              <a:ext uri="{FF2B5EF4-FFF2-40B4-BE49-F238E27FC236}">
+                <a16:creationId xmlns:a16="http://schemas.microsoft.com/office/drawing/2014/main" id="{7B361841-3B5D-2560-F8BA-B75B1E164076}"/>
+              </a:ext>
+            </a:extLst>
+          </p:cNvPr>
+          <p:cNvGrpSpPr/>
+          <p:nvPr/>
+        </p:nvGrpSpPr>
+        <p:grpSpPr>
+          <a:xfrm>
+            <a:off x="377984" y="975895"/>
+            <a:ext cx="4266565" cy="3606800"/>
+            <a:chOff x="372587" y="977262"/>
+            <a:chExt cx="4266565" cy="3606800"/>
+          </a:xfrm>
+        </p:grpSpPr>
+        <p:sp>
+          <p:nvSpPr>
+            <p:cNvPr id="4" name="object 3">
+              <a:extLst>
+                <a:ext uri="{FF2B5EF4-FFF2-40B4-BE49-F238E27FC236}">
+                  <a16:creationId xmlns:a16="http://schemas.microsoft.com/office/drawing/2014/main" id="{CDBF7E3D-D6C2-6D09-739F-27D18B303A38}"/>
+                </a:ext>
+              </a:extLst>
+            </p:cNvPr>
+            <p:cNvSpPr/>
+            <p:nvPr/>
+          </p:nvSpPr>
+          <p:spPr>
+            <a:xfrm>
+              <a:off x="377350" y="982025"/>
+              <a:ext cx="4257040" cy="3597275"/>
+            </a:xfrm>
+            <a:custGeom>
+              <a:avLst/>
+              <a:gdLst/>
+              <a:ahLst/>
+              <a:cxnLst/>
+              <a:rect l="l" t="t" r="r" b="b"/>
+              <a:pathLst>
+                <a:path w="4257040" h="3597275">
+                  <a:moveTo>
+                    <a:pt x="4256699" y="3596699"/>
+                  </a:moveTo>
+                  <a:lnTo>
+                    <a:pt x="0" y="3596699"/>
+                  </a:lnTo>
+                  <a:lnTo>
+                    <a:pt x="0" y="0"/>
+                  </a:lnTo>
+                  <a:lnTo>
+                    <a:pt x="4256699" y="0"/>
+                  </a:lnTo>
+                  <a:lnTo>
+                    <a:pt x="4256699" y="3596699"/>
+                  </a:lnTo>
+                  <a:close/>
+                </a:path>
+              </a:pathLst>
+            </a:custGeom>
+            <a:solidFill>
+              <a:srgbClr val="FFFFFF"/>
+            </a:solidFill>
+          </p:spPr>
+          <p:txBody>
+            <a:bodyPr wrap="square" lIns="0" tIns="0" rIns="0" bIns="0" rtlCol="0"/>
+            <a:lstStyle/>
+            <a:p>
+              <a:endParaRPr dirty="0"/>
+            </a:p>
+          </p:txBody>
+        </p:sp>
+        <p:sp>
+          <p:nvSpPr>
+            <p:cNvPr id="5" name="object 4">
+              <a:extLst>
+                <a:ext uri="{FF2B5EF4-FFF2-40B4-BE49-F238E27FC236}">
+                  <a16:creationId xmlns:a16="http://schemas.microsoft.com/office/drawing/2014/main" id="{BAA67E74-4A01-2144-0DBE-C1D586D84B00}"/>
+                </a:ext>
+              </a:extLst>
+            </p:cNvPr>
+            <p:cNvSpPr/>
+            <p:nvPr/>
+          </p:nvSpPr>
+          <p:spPr>
+            <a:xfrm>
+              <a:off x="377350" y="982025"/>
+              <a:ext cx="4257040" cy="3597275"/>
+            </a:xfrm>
+            <a:custGeom>
+              <a:avLst/>
+              <a:gdLst/>
+              <a:ahLst/>
+              <a:cxnLst/>
+              <a:rect l="l" t="t" r="r" b="b"/>
+              <a:pathLst>
+                <a:path w="4257040" h="3597275">
+                  <a:moveTo>
+                    <a:pt x="0" y="0"/>
+                  </a:moveTo>
+                  <a:lnTo>
+                    <a:pt x="4256699" y="0"/>
+                  </a:lnTo>
+                  <a:lnTo>
+                    <a:pt x="4256699" y="3596699"/>
+                  </a:lnTo>
+                  <a:lnTo>
+                    <a:pt x="0" y="3596699"/>
+                  </a:lnTo>
+                  <a:lnTo>
+                    <a:pt x="0" y="0"/>
+                  </a:lnTo>
+                  <a:close/>
+                </a:path>
+              </a:pathLst>
+            </a:custGeom>
+            <a:ln w="9524">
+              <a:solidFill>
+                <a:srgbClr val="000000"/>
+              </a:solidFill>
+            </a:ln>
+          </p:spPr>
+          <p:txBody>
+            <a:bodyPr wrap="square" lIns="0" tIns="0" rIns="0" bIns="0" rtlCol="0"/>
+            <a:lstStyle/>
+            <a:p>
+              <a:endParaRPr/>
+            </a:p>
+          </p:txBody>
+        </p:sp>
+      </p:grpSp>
+      <p:sp>
+        <p:nvSpPr>
+          <p:cNvPr id="7" name="object 5">
+            <a:extLst>
+              <a:ext uri="{FF2B5EF4-FFF2-40B4-BE49-F238E27FC236}">
+                <a16:creationId xmlns:a16="http://schemas.microsoft.com/office/drawing/2014/main" id="{27BD6072-E702-8F1E-BD5C-0863CEE33C51}"/>
+              </a:ext>
+            </a:extLst>
+          </p:cNvPr>
+          <p:cNvSpPr txBox="1"/>
+          <p:nvPr/>
+        </p:nvSpPr>
+        <p:spPr>
+          <a:xfrm>
+            <a:off x="450375" y="975895"/>
+            <a:ext cx="113664" cy="200660"/>
+          </a:xfrm>
+          <a:prstGeom prst="rect">
+            <a:avLst/>
+          </a:prstGeom>
+        </p:spPr>
+        <p:txBody>
+          <a:bodyPr vert="horz" wrap="square" lIns="0" tIns="12700" rIns="0" bIns="0" rtlCol="0">
+            <a:spAutoFit/>
+          </a:bodyPr>
+          <a:lstStyle/>
+          <a:p>
+            <a:pPr marL="12700">
+              <a:lnSpc>
+                <a:spcPct val="100000"/>
+              </a:lnSpc>
+              <a:spcBef>
+                <a:spcPts val="100"/>
+              </a:spcBef>
+            </a:pPr>
+            <a:r>
+              <a:rPr sz="1150" b="1" dirty="0">
+                <a:latin typeface="Courier New"/>
+                <a:cs typeface="Courier New"/>
+              </a:rPr>
+              <a:t>{</a:t>
+            </a:r>
+            <a:endParaRPr sz="1150" dirty="0">
+              <a:latin typeface="Courier New"/>
+              <a:cs typeface="Courier New"/>
+            </a:endParaRPr>
+          </a:p>
+        </p:txBody>
+      </p:sp>
+      <p:sp>
+        <p:nvSpPr>
+          <p:cNvPr id="9" name="object 6">
+            <a:extLst>
+              <a:ext uri="{FF2B5EF4-FFF2-40B4-BE49-F238E27FC236}">
+                <a16:creationId xmlns:a16="http://schemas.microsoft.com/office/drawing/2014/main" id="{D78D66A7-B006-5F88-C314-C33F6832623C}"/>
+              </a:ext>
+            </a:extLst>
+          </p:cNvPr>
+          <p:cNvSpPr txBox="1"/>
+          <p:nvPr/>
+        </p:nvSpPr>
+        <p:spPr>
+          <a:xfrm>
+            <a:off x="564038" y="1192885"/>
+            <a:ext cx="3220561" cy="3236271"/>
+          </a:xfrm>
+          <a:prstGeom prst="rect">
+            <a:avLst/>
+          </a:prstGeom>
+        </p:spPr>
+        <p:txBody>
+          <a:bodyPr vert="horz" wrap="square" lIns="0" tIns="12700" rIns="0" bIns="0" rtlCol="0">
+            <a:spAutoFit/>
+          </a:bodyPr>
+          <a:lstStyle/>
+          <a:p>
+            <a:pPr marL="12700" marR="355600">
+              <a:lnSpc>
+                <a:spcPct val="135900"/>
+              </a:lnSpc>
+              <a:spcBef>
+                <a:spcPts val="100"/>
+              </a:spcBef>
+            </a:pPr>
+            <a:r>
+              <a:rPr sz="900" b="1" spc="-5" dirty="0">
+                <a:solidFill>
+                  <a:srgbClr val="A31414"/>
+                </a:solidFill>
+                <a:latin typeface="Courier New"/>
+                <a:cs typeface="Courier New"/>
+              </a:rPr>
+              <a:t>"type"</a:t>
+            </a:r>
+            <a:r>
+              <a:rPr sz="900" b="1" spc="-5" dirty="0">
+                <a:solidFill>
+                  <a:srgbClr val="0000FF"/>
+                </a:solidFill>
+                <a:latin typeface="Courier New"/>
+                <a:cs typeface="Courier New"/>
+              </a:rPr>
+              <a:t>:</a:t>
+            </a:r>
+            <a:r>
+              <a:rPr sz="900" b="1" spc="-90" dirty="0">
+                <a:solidFill>
+                  <a:srgbClr val="0000FF"/>
+                </a:solidFill>
+                <a:latin typeface="Courier New"/>
+                <a:cs typeface="Courier New"/>
+              </a:rPr>
+              <a:t> </a:t>
+            </a:r>
+            <a:r>
+              <a:rPr sz="900" b="1" spc="-5" dirty="0">
+                <a:solidFill>
+                  <a:srgbClr val="A31414"/>
+                </a:solidFill>
+                <a:latin typeface="Courier New"/>
+                <a:cs typeface="Courier New"/>
+              </a:rPr>
+              <a:t>"</a:t>
+            </a:r>
+            <a:r>
+              <a:rPr lang="fr-FR" sz="900" b="1" spc="-5" dirty="0" err="1">
+                <a:solidFill>
+                  <a:srgbClr val="A31414"/>
+                </a:solidFill>
+                <a:latin typeface="Courier New"/>
+                <a:cs typeface="Courier New"/>
+              </a:rPr>
+              <a:t>array</a:t>
+            </a:r>
+            <a:r>
+              <a:rPr sz="900" b="1" spc="-5" dirty="0">
+                <a:solidFill>
+                  <a:srgbClr val="A31414"/>
+                </a:solidFill>
+                <a:latin typeface="Courier New"/>
+                <a:cs typeface="Courier New"/>
+              </a:rPr>
+              <a:t>"</a:t>
+            </a:r>
+            <a:r>
+              <a:rPr sz="900" b="1" spc="-5" dirty="0">
+                <a:latin typeface="Courier New"/>
+                <a:cs typeface="Courier New"/>
+              </a:rPr>
+              <a:t>, </a:t>
+            </a:r>
+            <a:endParaRPr lang="fr-FR" sz="900" b="1" spc="-5" dirty="0">
+              <a:latin typeface="Courier New"/>
+              <a:cs typeface="Courier New"/>
+            </a:endParaRPr>
+          </a:p>
+          <a:p>
+            <a:pPr marL="12700" marR="355600">
+              <a:lnSpc>
+                <a:spcPct val="135900"/>
+              </a:lnSpc>
+              <a:spcBef>
+                <a:spcPts val="100"/>
+              </a:spcBef>
+            </a:pPr>
+            <a:r>
+              <a:rPr sz="900" b="1" spc="-675" dirty="0">
+                <a:latin typeface="Courier New"/>
+                <a:cs typeface="Courier New"/>
+              </a:rPr>
+              <a:t> </a:t>
+            </a:r>
+            <a:r>
+              <a:rPr sz="900" b="1" spc="-5" dirty="0">
+                <a:solidFill>
+                  <a:srgbClr val="A31414"/>
+                </a:solidFill>
+                <a:latin typeface="Courier New"/>
+                <a:cs typeface="Courier New"/>
+              </a:rPr>
+              <a:t>"</a:t>
+            </a:r>
+            <a:r>
+              <a:rPr lang="fr-FR" sz="900" b="1" spc="-5" dirty="0">
+                <a:solidFill>
+                  <a:srgbClr val="A31414"/>
+                </a:solidFill>
+                <a:latin typeface="Courier New"/>
+                <a:cs typeface="Courier New"/>
+              </a:rPr>
+              <a:t>items</a:t>
+            </a:r>
+            <a:r>
+              <a:rPr sz="900" b="1" spc="-5" dirty="0">
+                <a:solidFill>
+                  <a:srgbClr val="A31414"/>
+                </a:solidFill>
+                <a:latin typeface="Courier New"/>
+                <a:cs typeface="Courier New"/>
+              </a:rPr>
+              <a:t>"</a:t>
+            </a:r>
+            <a:r>
+              <a:rPr sz="900" b="1" spc="-5" dirty="0">
+                <a:solidFill>
+                  <a:srgbClr val="0000FF"/>
+                </a:solidFill>
+                <a:latin typeface="Courier New"/>
+                <a:cs typeface="Courier New"/>
+              </a:rPr>
+              <a:t>:</a:t>
+            </a:r>
+            <a:r>
+              <a:rPr sz="900" b="1" spc="-40" dirty="0">
+                <a:solidFill>
+                  <a:srgbClr val="0000FF"/>
+                </a:solidFill>
+                <a:latin typeface="Courier New"/>
+                <a:cs typeface="Courier New"/>
+              </a:rPr>
+              <a:t> </a:t>
+            </a:r>
+            <a:r>
+              <a:rPr lang="fr-FR" sz="900" b="1" spc="-40" dirty="0">
+                <a:solidFill>
+                  <a:srgbClr val="0000FF"/>
+                </a:solidFill>
+                <a:latin typeface="Courier New"/>
+                <a:cs typeface="Courier New"/>
+              </a:rPr>
+              <a:t>{</a:t>
+            </a:r>
+          </a:p>
+          <a:p>
+            <a:pPr marL="12700" marR="355600">
+              <a:lnSpc>
+                <a:spcPct val="135900"/>
+              </a:lnSpc>
+              <a:spcBef>
+                <a:spcPts val="100"/>
+              </a:spcBef>
+            </a:pPr>
+            <a:r>
+              <a:rPr lang="fr-FR" sz="900" dirty="0">
+                <a:latin typeface="Courier New"/>
+                <a:cs typeface="Courier New"/>
+              </a:rPr>
+              <a:t>  </a:t>
+            </a:r>
+            <a:r>
+              <a:rPr lang="fr-FR" sz="900" b="1" spc="-5" dirty="0">
+                <a:solidFill>
+                  <a:srgbClr val="A31414"/>
+                </a:solidFill>
+                <a:latin typeface="Courier New"/>
+                <a:cs typeface="Courier New"/>
+              </a:rPr>
+              <a:t>"</a:t>
+            </a:r>
+            <a:r>
+              <a:rPr lang="fr-FR" sz="900" b="1" spc="-5" dirty="0" err="1">
+                <a:solidFill>
+                  <a:srgbClr val="A31414"/>
+                </a:solidFill>
+                <a:latin typeface="Courier New"/>
+                <a:cs typeface="Courier New"/>
+              </a:rPr>
+              <a:t>oneOf</a:t>
+            </a:r>
+            <a:r>
+              <a:rPr lang="fr-FR" sz="900" b="1" spc="-5" dirty="0">
+                <a:solidFill>
+                  <a:srgbClr val="A31414"/>
+                </a:solidFill>
+                <a:latin typeface="Courier New"/>
+                <a:cs typeface="Courier New"/>
+              </a:rPr>
+              <a:t>"</a:t>
+            </a:r>
+            <a:r>
+              <a:rPr lang="fr-FR" sz="900" b="1" spc="-5" dirty="0">
+                <a:solidFill>
+                  <a:srgbClr val="0000FF"/>
+                </a:solidFill>
+                <a:latin typeface="Courier New"/>
+                <a:cs typeface="Courier New"/>
+              </a:rPr>
+              <a:t>: [</a:t>
+            </a:r>
+          </a:p>
+          <a:p>
+            <a:pPr marL="187325">
+              <a:lnSpc>
+                <a:spcPct val="100000"/>
+              </a:lnSpc>
+              <a:spcBef>
+                <a:spcPts val="495"/>
+              </a:spcBef>
+            </a:pPr>
+            <a:r>
+              <a:rPr lang="fr-FR" sz="900" b="1" dirty="0">
+                <a:latin typeface="Courier New"/>
+                <a:cs typeface="Courier New"/>
+              </a:rPr>
+              <a:t>  {</a:t>
+            </a:r>
+            <a:endParaRPr lang="fr-FR" sz="900" dirty="0">
+              <a:latin typeface="Courier New"/>
+              <a:cs typeface="Courier New"/>
+            </a:endParaRPr>
+          </a:p>
+          <a:p>
+            <a:pPr marL="362585">
+              <a:lnSpc>
+                <a:spcPct val="100000"/>
+              </a:lnSpc>
+              <a:spcBef>
+                <a:spcPts val="495"/>
+              </a:spcBef>
+            </a:pPr>
+            <a:r>
+              <a:rPr lang="fr-FR" sz="900" b="1" spc="-5" dirty="0">
+                <a:solidFill>
+                  <a:srgbClr val="A31414"/>
+                </a:solidFill>
+                <a:latin typeface="Courier New"/>
+                <a:cs typeface="Courier New"/>
+              </a:rPr>
+              <a:t>  "type"</a:t>
+            </a:r>
+            <a:r>
+              <a:rPr lang="fr-FR" sz="900" b="1" spc="-5" dirty="0">
+                <a:solidFill>
+                  <a:srgbClr val="0000FF"/>
+                </a:solidFill>
+                <a:latin typeface="Courier New"/>
+                <a:cs typeface="Courier New"/>
+              </a:rPr>
+              <a:t>:</a:t>
+            </a:r>
+            <a:r>
+              <a:rPr lang="fr-FR" sz="900" b="1" spc="-70" dirty="0">
+                <a:solidFill>
+                  <a:srgbClr val="0000FF"/>
+                </a:solidFill>
+                <a:latin typeface="Courier New"/>
+                <a:cs typeface="Courier New"/>
+              </a:rPr>
+              <a:t> </a:t>
+            </a:r>
+            <a:r>
+              <a:rPr lang="fr-FR" sz="900" b="1" spc="-5" dirty="0">
+                <a:solidFill>
+                  <a:srgbClr val="A31414"/>
+                </a:solidFill>
+                <a:latin typeface="Courier New"/>
+                <a:cs typeface="Courier New"/>
+              </a:rPr>
+              <a:t>"string"</a:t>
+            </a:r>
+            <a:endParaRPr lang="fr-FR" sz="900" dirty="0">
+              <a:latin typeface="Courier New"/>
+              <a:cs typeface="Courier New"/>
+            </a:endParaRPr>
+          </a:p>
+          <a:p>
+            <a:pPr marL="187960">
+              <a:lnSpc>
+                <a:spcPct val="100000"/>
+              </a:lnSpc>
+              <a:spcBef>
+                <a:spcPts val="495"/>
+              </a:spcBef>
+            </a:pPr>
+            <a:r>
+              <a:rPr lang="fr-FR" sz="900" b="1" spc="-5" dirty="0">
+                <a:latin typeface="Courier New"/>
+                <a:cs typeface="Courier New"/>
+              </a:rPr>
+              <a:t>  },</a:t>
+            </a:r>
+          </a:p>
+          <a:p>
+            <a:pPr marL="187325">
+              <a:lnSpc>
+                <a:spcPct val="100000"/>
+              </a:lnSpc>
+              <a:spcBef>
+                <a:spcPts val="495"/>
+              </a:spcBef>
+            </a:pPr>
+            <a:r>
+              <a:rPr lang="fr-FR" sz="900" b="1" dirty="0">
+                <a:latin typeface="Courier New"/>
+                <a:cs typeface="Courier New"/>
+              </a:rPr>
+              <a:t>  {</a:t>
+            </a:r>
+            <a:endParaRPr lang="fr-FR" sz="900" dirty="0">
+              <a:latin typeface="Courier New"/>
+              <a:cs typeface="Courier New"/>
+            </a:endParaRPr>
+          </a:p>
+          <a:p>
+            <a:pPr marL="362585">
+              <a:lnSpc>
+                <a:spcPct val="100000"/>
+              </a:lnSpc>
+              <a:spcBef>
+                <a:spcPts val="495"/>
+              </a:spcBef>
+            </a:pPr>
+            <a:r>
+              <a:rPr lang="fr-FR" sz="900" b="1" spc="-5" dirty="0">
+                <a:solidFill>
+                  <a:srgbClr val="A31414"/>
+                </a:solidFill>
+                <a:latin typeface="Courier New"/>
+                <a:cs typeface="Courier New"/>
+              </a:rPr>
+              <a:t>  "type"</a:t>
+            </a:r>
+            <a:r>
+              <a:rPr lang="fr-FR" sz="900" b="1" spc="-5" dirty="0">
+                <a:solidFill>
+                  <a:srgbClr val="0000FF"/>
+                </a:solidFill>
+                <a:latin typeface="Courier New"/>
+                <a:cs typeface="Courier New"/>
+              </a:rPr>
+              <a:t>:</a:t>
+            </a:r>
+            <a:r>
+              <a:rPr lang="fr-FR" sz="900" b="1" spc="-70" dirty="0">
+                <a:solidFill>
+                  <a:srgbClr val="0000FF"/>
+                </a:solidFill>
+                <a:latin typeface="Courier New"/>
+                <a:cs typeface="Courier New"/>
+              </a:rPr>
+              <a:t> </a:t>
+            </a:r>
+            <a:r>
+              <a:rPr lang="fr-FR" sz="900" b="1" spc="-5" dirty="0">
+                <a:solidFill>
+                  <a:srgbClr val="A31414"/>
+                </a:solidFill>
+                <a:latin typeface="Courier New"/>
+                <a:cs typeface="Courier New"/>
+              </a:rPr>
+              <a:t>"</a:t>
+            </a:r>
+            <a:r>
+              <a:rPr lang="fr-FR" sz="900" b="1" spc="-5" dirty="0" err="1">
+                <a:solidFill>
+                  <a:srgbClr val="A31414"/>
+                </a:solidFill>
+                <a:latin typeface="Courier New"/>
+                <a:cs typeface="Courier New"/>
+              </a:rPr>
+              <a:t>object</a:t>
+            </a:r>
+            <a:r>
+              <a:rPr lang="fr-FR" sz="900" b="1" spc="-5" dirty="0">
+                <a:solidFill>
+                  <a:srgbClr val="A31414"/>
+                </a:solidFill>
+                <a:latin typeface="Courier New"/>
+                <a:cs typeface="Courier New"/>
+              </a:rPr>
+              <a:t>"</a:t>
+            </a:r>
+            <a:r>
+              <a:rPr lang="fr-FR" sz="900" b="1" spc="-5" dirty="0">
+                <a:latin typeface="Courier New"/>
+                <a:cs typeface="Courier New"/>
+              </a:rPr>
+              <a:t>,</a:t>
+            </a:r>
+          </a:p>
+          <a:p>
+            <a:pPr marL="362585">
+              <a:spcBef>
+                <a:spcPts val="495"/>
+              </a:spcBef>
+            </a:pPr>
+            <a:r>
+              <a:rPr lang="fr-FR" sz="900" b="1" spc="-5" dirty="0">
+                <a:solidFill>
+                  <a:srgbClr val="A31414"/>
+                </a:solidFill>
+                <a:latin typeface="Courier New"/>
+                <a:cs typeface="Courier New"/>
+              </a:rPr>
+              <a:t>  "</a:t>
+            </a:r>
+            <a:r>
+              <a:rPr lang="fr-FR" sz="900" b="1" spc="-5" dirty="0" err="1">
+                <a:solidFill>
+                  <a:srgbClr val="A31414"/>
+                </a:solidFill>
+                <a:latin typeface="Courier New"/>
+                <a:cs typeface="Courier New"/>
+              </a:rPr>
+              <a:t>additionalPropertoes</a:t>
+            </a:r>
+            <a:r>
+              <a:rPr lang="fr-FR" sz="900" b="1" spc="-5" dirty="0">
+                <a:solidFill>
+                  <a:srgbClr val="A31414"/>
+                </a:solidFill>
+                <a:latin typeface="Courier New"/>
+                <a:cs typeface="Courier New"/>
+              </a:rPr>
+              <a:t>"</a:t>
+            </a:r>
+            <a:r>
+              <a:rPr lang="fr-FR" sz="900" b="1" spc="-5" dirty="0">
+                <a:solidFill>
+                  <a:srgbClr val="0000FF"/>
+                </a:solidFill>
+                <a:latin typeface="Courier New"/>
+                <a:cs typeface="Courier New"/>
+              </a:rPr>
+              <a:t>:</a:t>
+            </a:r>
+            <a:r>
+              <a:rPr lang="fr-FR" sz="900" b="1" spc="-70" dirty="0">
+                <a:solidFill>
+                  <a:srgbClr val="0000FF"/>
+                </a:solidFill>
+                <a:latin typeface="Courier New"/>
+                <a:cs typeface="Courier New"/>
+              </a:rPr>
+              <a:t> </a:t>
+            </a:r>
+            <a:r>
+              <a:rPr lang="fr-FR" sz="900" b="1" spc="-5" dirty="0">
+                <a:solidFill>
+                  <a:srgbClr val="00B050"/>
+                </a:solidFill>
+                <a:latin typeface="Courier New"/>
+                <a:cs typeface="Courier New"/>
+              </a:rPr>
+              <a:t>false</a:t>
+            </a:r>
+            <a:r>
+              <a:rPr lang="fr-FR" sz="900" b="1" spc="-5" dirty="0">
+                <a:latin typeface="Courier New"/>
+                <a:cs typeface="Courier New"/>
+              </a:rPr>
+              <a:t>,</a:t>
+            </a:r>
+          </a:p>
+          <a:p>
+            <a:pPr marL="362585">
+              <a:lnSpc>
+                <a:spcPct val="100000"/>
+              </a:lnSpc>
+              <a:spcBef>
+                <a:spcPts val="495"/>
+              </a:spcBef>
+            </a:pPr>
+            <a:r>
+              <a:rPr lang="fr-FR" sz="900" b="1" spc="-5" dirty="0">
+                <a:solidFill>
+                  <a:srgbClr val="A31414"/>
+                </a:solidFill>
+                <a:latin typeface="Courier New"/>
+                <a:cs typeface="Courier New"/>
+              </a:rPr>
+              <a:t>  "</a:t>
+            </a:r>
+            <a:r>
+              <a:rPr lang="fr-FR" sz="900" b="1" spc="-5" dirty="0" err="1">
+                <a:solidFill>
+                  <a:srgbClr val="A31414"/>
+                </a:solidFill>
+                <a:latin typeface="Courier New"/>
+                <a:cs typeface="Courier New"/>
+              </a:rPr>
+              <a:t>required</a:t>
+            </a:r>
+            <a:r>
+              <a:rPr lang="fr-FR" sz="900" b="1" spc="-5" dirty="0">
+                <a:solidFill>
+                  <a:srgbClr val="A31414"/>
+                </a:solidFill>
+                <a:latin typeface="Courier New"/>
+                <a:cs typeface="Courier New"/>
+              </a:rPr>
+              <a:t>"</a:t>
+            </a:r>
+            <a:r>
+              <a:rPr lang="fr-FR" sz="900" b="1" spc="-5" dirty="0">
+                <a:solidFill>
+                  <a:srgbClr val="0000FF"/>
+                </a:solidFill>
+                <a:latin typeface="Courier New"/>
+                <a:cs typeface="Courier New"/>
+              </a:rPr>
+              <a:t>:</a:t>
+            </a:r>
+            <a:r>
+              <a:rPr lang="fr-FR" sz="900" b="1" spc="-70" dirty="0">
+                <a:solidFill>
+                  <a:srgbClr val="0000FF"/>
+                </a:solidFill>
+                <a:latin typeface="Courier New"/>
+                <a:cs typeface="Courier New"/>
+              </a:rPr>
+              <a:t> [</a:t>
+            </a:r>
+            <a:r>
+              <a:rPr lang="fr-FR" sz="900" b="1" spc="-5" dirty="0">
+                <a:solidFill>
+                  <a:srgbClr val="A31414"/>
+                </a:solidFill>
+                <a:latin typeface="Courier New"/>
+                <a:cs typeface="Courier New"/>
+              </a:rPr>
+              <a:t>"label"</a:t>
+            </a:r>
+            <a:r>
+              <a:rPr lang="fr-FR" sz="900" b="1" spc="-70" dirty="0">
+                <a:solidFill>
+                  <a:srgbClr val="0000FF"/>
+                </a:solidFill>
+                <a:latin typeface="Courier New"/>
+                <a:cs typeface="Courier New"/>
+              </a:rPr>
+              <a:t>]</a:t>
+            </a:r>
+            <a:r>
+              <a:rPr lang="fr-FR" sz="900" b="1" spc="-5" dirty="0">
+                <a:latin typeface="Courier New"/>
+                <a:cs typeface="Courier New"/>
+              </a:rPr>
+              <a:t>,</a:t>
+            </a:r>
+          </a:p>
+          <a:p>
+            <a:pPr marL="362585">
+              <a:lnSpc>
+                <a:spcPct val="100000"/>
+              </a:lnSpc>
+              <a:spcBef>
+                <a:spcPts val="495"/>
+              </a:spcBef>
+            </a:pPr>
+            <a:r>
+              <a:rPr lang="fr-FR" sz="900" dirty="0">
+                <a:latin typeface="Courier New"/>
+                <a:cs typeface="Courier New"/>
+              </a:rPr>
+              <a:t>  </a:t>
+            </a:r>
+            <a:r>
+              <a:rPr lang="fr-FR" sz="900" b="1" spc="-5" dirty="0">
+                <a:solidFill>
+                  <a:srgbClr val="A31414"/>
+                </a:solidFill>
+                <a:latin typeface="Courier New"/>
+                <a:cs typeface="Courier New"/>
+              </a:rPr>
+              <a:t>"</a:t>
+            </a:r>
+            <a:r>
+              <a:rPr lang="fr-FR" sz="900" b="1" spc="-5" dirty="0" err="1">
+                <a:solidFill>
+                  <a:srgbClr val="A31414"/>
+                </a:solidFill>
+                <a:latin typeface="Courier New"/>
+                <a:cs typeface="Courier New"/>
+              </a:rPr>
+              <a:t>properties</a:t>
+            </a:r>
+            <a:r>
+              <a:rPr lang="fr-FR" sz="900" b="1" spc="-5" dirty="0">
+                <a:solidFill>
+                  <a:srgbClr val="A31414"/>
+                </a:solidFill>
+                <a:latin typeface="Courier New"/>
+                <a:cs typeface="Courier New"/>
+              </a:rPr>
+              <a:t>"</a:t>
+            </a:r>
+            <a:r>
+              <a:rPr lang="fr-FR" sz="900" b="1" spc="-5" dirty="0">
+                <a:solidFill>
+                  <a:srgbClr val="0000FF"/>
+                </a:solidFill>
+                <a:latin typeface="Courier New"/>
+                <a:cs typeface="Courier New"/>
+              </a:rPr>
+              <a:t>:</a:t>
+            </a:r>
+            <a:r>
+              <a:rPr lang="fr-FR" sz="900" b="1" spc="-70" dirty="0">
+                <a:solidFill>
+                  <a:srgbClr val="0000FF"/>
+                </a:solidFill>
+                <a:latin typeface="Courier New"/>
+                <a:cs typeface="Courier New"/>
+              </a:rPr>
+              <a:t> </a:t>
+            </a:r>
+            <a:r>
+              <a:rPr lang="fr-FR" sz="900" b="1" dirty="0">
+                <a:latin typeface="Courier New"/>
+                <a:cs typeface="Courier New"/>
+              </a:rPr>
+              <a:t>{</a:t>
+            </a:r>
+          </a:p>
+          <a:p>
+            <a:pPr marL="362585">
+              <a:lnSpc>
+                <a:spcPct val="100000"/>
+              </a:lnSpc>
+              <a:spcBef>
+                <a:spcPts val="495"/>
+              </a:spcBef>
+            </a:pPr>
+            <a:r>
+              <a:rPr lang="fr-FR" sz="900" b="1" dirty="0">
+                <a:latin typeface="Courier New"/>
+                <a:cs typeface="Courier New"/>
+              </a:rPr>
+              <a:t>    </a:t>
+            </a:r>
+            <a:r>
+              <a:rPr lang="fr-FR" sz="900" b="1" spc="-5" dirty="0">
+                <a:solidFill>
+                  <a:srgbClr val="A31414"/>
+                </a:solidFill>
+                <a:latin typeface="Courier New"/>
+                <a:cs typeface="Courier New"/>
+              </a:rPr>
+              <a:t>"label"</a:t>
+            </a:r>
+            <a:r>
+              <a:rPr lang="fr-FR" sz="900" b="1" spc="-5" dirty="0">
+                <a:solidFill>
+                  <a:srgbClr val="0000FF"/>
+                </a:solidFill>
+                <a:latin typeface="Courier New"/>
+                <a:cs typeface="Courier New"/>
+              </a:rPr>
+              <a:t>:</a:t>
+            </a:r>
+            <a:r>
+              <a:rPr lang="fr-FR" sz="900" b="1" dirty="0">
+                <a:latin typeface="Courier New"/>
+                <a:cs typeface="Courier New"/>
+              </a:rPr>
+              <a:t> {</a:t>
+            </a:r>
+            <a:r>
+              <a:rPr lang="fr-FR" sz="900" b="1" spc="-5" dirty="0">
+                <a:solidFill>
+                  <a:srgbClr val="A31414"/>
+                </a:solidFill>
+                <a:latin typeface="Courier New"/>
+                <a:cs typeface="Courier New"/>
+              </a:rPr>
+              <a:t>"type"</a:t>
+            </a:r>
+            <a:r>
+              <a:rPr lang="fr-FR" sz="900" b="1" spc="-5" dirty="0">
+                <a:solidFill>
+                  <a:srgbClr val="0000FF"/>
+                </a:solidFill>
+                <a:latin typeface="Courier New"/>
+                <a:cs typeface="Courier New"/>
+              </a:rPr>
+              <a:t>:</a:t>
+            </a:r>
+            <a:r>
+              <a:rPr lang="fr-FR" sz="900" b="1" spc="-70" dirty="0">
+                <a:solidFill>
+                  <a:srgbClr val="0000FF"/>
+                </a:solidFill>
+                <a:latin typeface="Courier New"/>
+                <a:cs typeface="Courier New"/>
+              </a:rPr>
+              <a:t> </a:t>
+            </a:r>
+            <a:r>
+              <a:rPr lang="fr-FR" sz="900" b="1" spc="-5" dirty="0">
+                <a:solidFill>
+                  <a:srgbClr val="A31414"/>
+                </a:solidFill>
+                <a:latin typeface="Courier New"/>
+                <a:cs typeface="Courier New"/>
+              </a:rPr>
+              <a:t>"string"</a:t>
+            </a:r>
+            <a:r>
+              <a:rPr lang="fr-FR" sz="900" b="1" dirty="0">
+                <a:latin typeface="Courier New"/>
+                <a:cs typeface="Courier New"/>
+              </a:rPr>
+              <a:t>}</a:t>
+            </a:r>
+          </a:p>
+          <a:p>
+            <a:pPr marL="362585">
+              <a:lnSpc>
+                <a:spcPct val="100000"/>
+              </a:lnSpc>
+              <a:spcBef>
+                <a:spcPts val="495"/>
+              </a:spcBef>
+            </a:pPr>
+            <a:r>
+              <a:rPr lang="fr-FR" sz="900" b="1" dirty="0">
+                <a:latin typeface="Courier New"/>
+                <a:cs typeface="Courier New"/>
+              </a:rPr>
+              <a:t>  }</a:t>
+            </a:r>
+            <a:r>
+              <a:rPr lang="fr-FR" sz="900" b="1" spc="-5" dirty="0">
+                <a:latin typeface="Courier New"/>
+                <a:cs typeface="Courier New"/>
+              </a:rPr>
+              <a:t>,</a:t>
+            </a:r>
+            <a:endParaRPr lang="fr-FR" sz="900" dirty="0">
+              <a:latin typeface="Courier New"/>
+              <a:cs typeface="Courier New"/>
+            </a:endParaRPr>
+          </a:p>
+          <a:p>
+            <a:pPr marL="187960">
+              <a:lnSpc>
+                <a:spcPct val="100000"/>
+              </a:lnSpc>
+              <a:spcBef>
+                <a:spcPts val="495"/>
+              </a:spcBef>
+            </a:pPr>
+            <a:r>
+              <a:rPr lang="fr-FR" sz="900" b="1" spc="-5" dirty="0">
+                <a:latin typeface="Courier New"/>
+                <a:cs typeface="Courier New"/>
+              </a:rPr>
+              <a:t>  },</a:t>
+            </a:r>
+            <a:endParaRPr lang="fr-FR" sz="900" b="1" spc="-5" dirty="0">
+              <a:solidFill>
+                <a:srgbClr val="0000FF"/>
+              </a:solidFill>
+              <a:latin typeface="Courier New"/>
+              <a:cs typeface="Courier New"/>
+            </a:endParaRPr>
+          </a:p>
+          <a:p>
+            <a:pPr marL="12700" marR="355600">
+              <a:lnSpc>
+                <a:spcPct val="135900"/>
+              </a:lnSpc>
+              <a:spcBef>
+                <a:spcPts val="100"/>
+              </a:spcBef>
+            </a:pPr>
+            <a:r>
+              <a:rPr lang="fr-FR" sz="900" b="1" spc="-5" dirty="0">
+                <a:solidFill>
+                  <a:srgbClr val="0000FF"/>
+                </a:solidFill>
+                <a:latin typeface="Courier New"/>
+                <a:cs typeface="Courier New"/>
+              </a:rPr>
+              <a:t>  ]</a:t>
+            </a:r>
+            <a:endParaRPr sz="900" dirty="0">
+              <a:latin typeface="Courier New"/>
+              <a:cs typeface="Courier New"/>
+            </a:endParaRPr>
+          </a:p>
+          <a:p>
+            <a:pPr marL="12700">
+              <a:lnSpc>
+                <a:spcPct val="100000"/>
+              </a:lnSpc>
+              <a:spcBef>
+                <a:spcPts val="495"/>
+              </a:spcBef>
+            </a:pPr>
+            <a:r>
+              <a:rPr lang="fr-FR" sz="900" b="1" spc="-40" dirty="0">
+                <a:solidFill>
+                  <a:srgbClr val="0000FF"/>
+                </a:solidFill>
+                <a:latin typeface="Courier New"/>
+                <a:cs typeface="Courier New"/>
+              </a:rPr>
+              <a:t>}</a:t>
+            </a:r>
+            <a:endParaRPr lang="fr-FR" sz="900" b="1" dirty="0">
+              <a:latin typeface="Courier New"/>
+              <a:cs typeface="Courier New"/>
+            </a:endParaRPr>
+          </a:p>
+        </p:txBody>
+      </p:sp>
+      <p:sp>
+        <p:nvSpPr>
+          <p:cNvPr id="11" name="object 7">
+            <a:extLst>
+              <a:ext uri="{FF2B5EF4-FFF2-40B4-BE49-F238E27FC236}">
+                <a16:creationId xmlns:a16="http://schemas.microsoft.com/office/drawing/2014/main" id="{D9612F6C-7A72-96A7-3B64-9AB78F85FE14}"/>
+              </a:ext>
+            </a:extLst>
+          </p:cNvPr>
+          <p:cNvSpPr txBox="1"/>
+          <p:nvPr/>
+        </p:nvSpPr>
+        <p:spPr>
+          <a:xfrm>
+            <a:off x="450375" y="4309645"/>
+            <a:ext cx="113664" cy="200660"/>
+          </a:xfrm>
+          <a:prstGeom prst="rect">
+            <a:avLst/>
+          </a:prstGeom>
+        </p:spPr>
+        <p:txBody>
+          <a:bodyPr vert="horz" wrap="square" lIns="0" tIns="12700" rIns="0" bIns="0" rtlCol="0">
+            <a:spAutoFit/>
+          </a:bodyPr>
+          <a:lstStyle/>
+          <a:p>
+            <a:pPr marL="12700">
+              <a:lnSpc>
+                <a:spcPct val="100000"/>
+              </a:lnSpc>
+              <a:spcBef>
+                <a:spcPts val="100"/>
+              </a:spcBef>
+            </a:pPr>
+            <a:r>
+              <a:rPr sz="1150" b="1" dirty="0">
+                <a:latin typeface="Courier New"/>
+                <a:cs typeface="Courier New"/>
+              </a:rPr>
+              <a:t>}</a:t>
+            </a:r>
+            <a:endParaRPr sz="1150" dirty="0">
+              <a:latin typeface="Courier New"/>
+              <a:cs typeface="Courier New"/>
+            </a:endParaRPr>
+          </a:p>
+        </p:txBody>
+      </p:sp>
+      <p:grpSp>
+        <p:nvGrpSpPr>
+          <p:cNvPr id="12" name="object 9">
+            <a:extLst>
+              <a:ext uri="{FF2B5EF4-FFF2-40B4-BE49-F238E27FC236}">
+                <a16:creationId xmlns:a16="http://schemas.microsoft.com/office/drawing/2014/main" id="{920F9692-FCEC-6C4E-4560-8226AADFC1AA}"/>
+              </a:ext>
+            </a:extLst>
+          </p:cNvPr>
+          <p:cNvGrpSpPr/>
+          <p:nvPr/>
+        </p:nvGrpSpPr>
+        <p:grpSpPr>
+          <a:xfrm>
+            <a:off x="4639787" y="977262"/>
+            <a:ext cx="4266565" cy="3606800"/>
+            <a:chOff x="4639787" y="977262"/>
+            <a:chExt cx="4266565" cy="3606800"/>
+          </a:xfrm>
+        </p:grpSpPr>
+        <p:sp>
+          <p:nvSpPr>
+            <p:cNvPr id="16" name="object 10">
+              <a:extLst>
+                <a:ext uri="{FF2B5EF4-FFF2-40B4-BE49-F238E27FC236}">
+                  <a16:creationId xmlns:a16="http://schemas.microsoft.com/office/drawing/2014/main" id="{7BE83ED6-CE78-9FA4-D5D0-1DC388C7B333}"/>
+                </a:ext>
+              </a:extLst>
+            </p:cNvPr>
+            <p:cNvSpPr/>
+            <p:nvPr/>
+          </p:nvSpPr>
+          <p:spPr>
+            <a:xfrm>
+              <a:off x="4644549" y="982025"/>
+              <a:ext cx="4257040" cy="3597275"/>
+            </a:xfrm>
+            <a:custGeom>
+              <a:avLst/>
+              <a:gdLst/>
+              <a:ahLst/>
+              <a:cxnLst/>
+              <a:rect l="l" t="t" r="r" b="b"/>
+              <a:pathLst>
+                <a:path w="4257040" h="3597275">
+                  <a:moveTo>
+                    <a:pt x="4256699" y="3596699"/>
+                  </a:moveTo>
+                  <a:lnTo>
+                    <a:pt x="0" y="3596699"/>
+                  </a:lnTo>
+                  <a:lnTo>
+                    <a:pt x="0" y="0"/>
+                  </a:lnTo>
+                  <a:lnTo>
+                    <a:pt x="4256699" y="0"/>
+                  </a:lnTo>
+                  <a:lnTo>
+                    <a:pt x="4256699" y="3596699"/>
+                  </a:lnTo>
+                  <a:close/>
+                </a:path>
+              </a:pathLst>
+            </a:custGeom>
+            <a:solidFill>
+              <a:srgbClr val="FFFFFF"/>
+            </a:solidFill>
+          </p:spPr>
+          <p:txBody>
+            <a:bodyPr wrap="square" lIns="0" tIns="0" rIns="0" bIns="0" rtlCol="0"/>
+            <a:lstStyle/>
+            <a:p>
+              <a:endParaRPr dirty="0"/>
+            </a:p>
+          </p:txBody>
+        </p:sp>
+        <p:sp>
+          <p:nvSpPr>
+            <p:cNvPr id="17" name="object 11">
+              <a:extLst>
+                <a:ext uri="{FF2B5EF4-FFF2-40B4-BE49-F238E27FC236}">
+                  <a16:creationId xmlns:a16="http://schemas.microsoft.com/office/drawing/2014/main" id="{D37559C9-F6A6-E824-C0ED-A5262132EB0D}"/>
+                </a:ext>
+              </a:extLst>
+            </p:cNvPr>
+            <p:cNvSpPr/>
+            <p:nvPr/>
+          </p:nvSpPr>
+          <p:spPr>
+            <a:xfrm>
+              <a:off x="4644549" y="982025"/>
+              <a:ext cx="4257040" cy="3597275"/>
+            </a:xfrm>
+            <a:custGeom>
+              <a:avLst/>
+              <a:gdLst/>
+              <a:ahLst/>
+              <a:cxnLst/>
+              <a:rect l="l" t="t" r="r" b="b"/>
+              <a:pathLst>
+                <a:path w="4257040" h="3597275">
+                  <a:moveTo>
+                    <a:pt x="0" y="0"/>
+                  </a:moveTo>
+                  <a:lnTo>
+                    <a:pt x="4256699" y="0"/>
+                  </a:lnTo>
+                  <a:lnTo>
+                    <a:pt x="4256699" y="3596699"/>
+                  </a:lnTo>
+                  <a:lnTo>
+                    <a:pt x="0" y="3596699"/>
+                  </a:lnTo>
+                  <a:lnTo>
+                    <a:pt x="0" y="0"/>
+                  </a:lnTo>
+                  <a:close/>
+                </a:path>
+              </a:pathLst>
+            </a:custGeom>
+            <a:ln w="9524">
+              <a:solidFill>
+                <a:srgbClr val="000000"/>
+              </a:solidFill>
+            </a:ln>
+          </p:spPr>
+          <p:txBody>
+            <a:bodyPr wrap="square" lIns="0" tIns="0" rIns="0" bIns="0" rtlCol="0"/>
+            <a:lstStyle/>
+            <a:p>
+              <a:endParaRPr/>
+            </a:p>
+          </p:txBody>
+        </p:sp>
+      </p:grpSp>
+      <p:pic>
+        <p:nvPicPr>
+          <p:cNvPr id="3" name="object 17">
+            <a:extLst>
+              <a:ext uri="{FF2B5EF4-FFF2-40B4-BE49-F238E27FC236}">
+                <a16:creationId xmlns:a16="http://schemas.microsoft.com/office/drawing/2014/main" id="{8B008D52-9189-1718-FD84-057CB2DD5D10}"/>
+              </a:ext>
+            </a:extLst>
+          </p:cNvPr>
+          <p:cNvPicPr/>
+          <p:nvPr/>
+        </p:nvPicPr>
+        <p:blipFill>
+          <a:blip r:embed="rId3" cstate="print"/>
+          <a:stretch>
+            <a:fillRect/>
+          </a:stretch>
+        </p:blipFill>
+        <p:spPr>
+          <a:xfrm>
+            <a:off x="8396249" y="1058225"/>
+            <a:ext cx="428799" cy="428799"/>
+          </a:xfrm>
+          <a:prstGeom prst="rect">
+            <a:avLst/>
+          </a:prstGeom>
+        </p:spPr>
+      </p:pic>
+      <p:sp>
+        <p:nvSpPr>
+          <p:cNvPr id="20" name="object 5">
+            <a:extLst>
+              <a:ext uri="{FF2B5EF4-FFF2-40B4-BE49-F238E27FC236}">
+                <a16:creationId xmlns:a16="http://schemas.microsoft.com/office/drawing/2014/main" id="{12DA1F38-74AA-2DFD-DB3F-2DDCFC9DD905}"/>
+              </a:ext>
+            </a:extLst>
+          </p:cNvPr>
+          <p:cNvSpPr txBox="1"/>
+          <p:nvPr/>
+        </p:nvSpPr>
+        <p:spPr>
+          <a:xfrm>
+            <a:off x="4690110" y="1392126"/>
+            <a:ext cx="113664" cy="189796"/>
+          </a:xfrm>
+          <a:prstGeom prst="rect">
+            <a:avLst/>
+          </a:prstGeom>
+        </p:spPr>
+        <p:txBody>
+          <a:bodyPr vert="horz" wrap="square" lIns="0" tIns="12700" rIns="0" bIns="0" rtlCol="0">
+            <a:spAutoFit/>
+          </a:bodyPr>
+          <a:lstStyle/>
+          <a:p>
+            <a:pPr marL="12700">
+              <a:lnSpc>
+                <a:spcPct val="100000"/>
+              </a:lnSpc>
+              <a:spcBef>
+                <a:spcPts val="100"/>
+              </a:spcBef>
+            </a:pPr>
+            <a:r>
+              <a:rPr lang="fr-FR" sz="1150" b="1" dirty="0">
+                <a:latin typeface="Courier New"/>
+                <a:cs typeface="Courier New"/>
+              </a:rPr>
+              <a:t>[</a:t>
+            </a:r>
+            <a:endParaRPr sz="1150" dirty="0">
+              <a:latin typeface="Courier New"/>
+              <a:cs typeface="Courier New"/>
+            </a:endParaRPr>
+          </a:p>
+        </p:txBody>
+      </p:sp>
+      <p:sp>
+        <p:nvSpPr>
+          <p:cNvPr id="21" name="object 7">
+            <a:extLst>
+              <a:ext uri="{FF2B5EF4-FFF2-40B4-BE49-F238E27FC236}">
+                <a16:creationId xmlns:a16="http://schemas.microsoft.com/office/drawing/2014/main" id="{551A8458-3C2A-CA47-88D1-660A326BB836}"/>
+              </a:ext>
+            </a:extLst>
+          </p:cNvPr>
+          <p:cNvSpPr txBox="1"/>
+          <p:nvPr/>
+        </p:nvSpPr>
+        <p:spPr>
+          <a:xfrm>
+            <a:off x="4746942" y="3561579"/>
+            <a:ext cx="113664" cy="189796"/>
+          </a:xfrm>
+          <a:prstGeom prst="rect">
+            <a:avLst/>
+          </a:prstGeom>
+        </p:spPr>
+        <p:txBody>
+          <a:bodyPr vert="horz" wrap="square" lIns="0" tIns="12700" rIns="0" bIns="0" rtlCol="0">
+            <a:spAutoFit/>
+          </a:bodyPr>
+          <a:lstStyle/>
+          <a:p>
+            <a:pPr marL="12700">
+              <a:lnSpc>
+                <a:spcPct val="100000"/>
+              </a:lnSpc>
+              <a:spcBef>
+                <a:spcPts val="100"/>
+              </a:spcBef>
+            </a:pPr>
+            <a:r>
+              <a:rPr lang="fr-FR" sz="1150" b="1" dirty="0">
+                <a:latin typeface="Courier New"/>
+                <a:cs typeface="Courier New"/>
+              </a:rPr>
+              <a:t>]</a:t>
+            </a:r>
+            <a:endParaRPr sz="1150" dirty="0">
+              <a:latin typeface="Courier New"/>
+              <a:cs typeface="Courier New"/>
+            </a:endParaRPr>
+          </a:p>
+        </p:txBody>
+      </p:sp>
+      <p:sp>
+        <p:nvSpPr>
+          <p:cNvPr id="23" name="object 6">
+            <a:extLst>
+              <a:ext uri="{FF2B5EF4-FFF2-40B4-BE49-F238E27FC236}">
+                <a16:creationId xmlns:a16="http://schemas.microsoft.com/office/drawing/2014/main" id="{019F495E-E4C2-D281-38CF-6935F8FB78B0}"/>
+              </a:ext>
+            </a:extLst>
+          </p:cNvPr>
+          <p:cNvSpPr txBox="1"/>
+          <p:nvPr/>
+        </p:nvSpPr>
+        <p:spPr>
+          <a:xfrm>
+            <a:off x="5030628" y="1700720"/>
+            <a:ext cx="3220561" cy="1815112"/>
+          </a:xfrm>
+          <a:prstGeom prst="rect">
+            <a:avLst/>
+          </a:prstGeom>
+        </p:spPr>
+        <p:txBody>
+          <a:bodyPr vert="horz" wrap="square" lIns="0" tIns="12700" rIns="0" bIns="0" rtlCol="0">
+            <a:spAutoFit/>
+          </a:bodyPr>
+          <a:lstStyle/>
+          <a:p>
+            <a:pPr marL="12700" marR="355600">
+              <a:lnSpc>
+                <a:spcPct val="135900"/>
+              </a:lnSpc>
+              <a:spcBef>
+                <a:spcPts val="100"/>
+              </a:spcBef>
+            </a:pPr>
+            <a:r>
+              <a:rPr lang="fr-FR" sz="900" b="1" spc="-40" dirty="0">
+                <a:solidFill>
+                  <a:srgbClr val="0000FF"/>
+                </a:solidFill>
+                <a:latin typeface="Courier New"/>
+                <a:cs typeface="Courier New"/>
+              </a:rPr>
+              <a:t>{</a:t>
+            </a:r>
+          </a:p>
+          <a:p>
+            <a:pPr marL="12700" marR="355600">
+              <a:lnSpc>
+                <a:spcPct val="135900"/>
+              </a:lnSpc>
+              <a:spcBef>
+                <a:spcPts val="100"/>
+              </a:spcBef>
+            </a:pPr>
+            <a:r>
+              <a:rPr lang="fr-FR" sz="900" dirty="0">
+                <a:latin typeface="Courier New"/>
+                <a:cs typeface="Courier New"/>
+              </a:rPr>
+              <a:t>  </a:t>
+            </a:r>
+            <a:r>
+              <a:rPr lang="fr-FR" sz="900" b="1" spc="-5" dirty="0">
+                <a:solidFill>
+                  <a:srgbClr val="A31414"/>
+                </a:solidFill>
+                <a:latin typeface="Courier New"/>
+                <a:cs typeface="Courier New"/>
+              </a:rPr>
+              <a:t>"label"</a:t>
+            </a:r>
+            <a:r>
+              <a:rPr lang="fr-FR" sz="900" b="1" spc="-5" dirty="0">
+                <a:solidFill>
+                  <a:srgbClr val="0000FF"/>
+                </a:solidFill>
+                <a:latin typeface="Courier New"/>
+                <a:cs typeface="Courier New"/>
+              </a:rPr>
+              <a:t>: </a:t>
+            </a:r>
+            <a:r>
+              <a:rPr lang="fr-FR" sz="900" b="1" spc="-5" dirty="0" err="1">
+                <a:solidFill>
+                  <a:srgbClr val="0000FF"/>
+                </a:solidFill>
+                <a:latin typeface="Courier New"/>
+                <a:cs typeface="Courier New"/>
+              </a:rPr>
+              <a:t>null</a:t>
+            </a:r>
+            <a:r>
+              <a:rPr lang="fr-FR" sz="900" b="1" spc="-5" dirty="0">
+                <a:latin typeface="Courier New"/>
+                <a:cs typeface="Courier New"/>
+              </a:rPr>
+              <a:t>,</a:t>
+            </a:r>
+          </a:p>
+          <a:p>
+            <a:pPr marL="12700" marR="355600">
+              <a:lnSpc>
+                <a:spcPct val="135900"/>
+              </a:lnSpc>
+              <a:spcBef>
+                <a:spcPts val="100"/>
+              </a:spcBef>
+            </a:pPr>
+            <a:r>
+              <a:rPr lang="fr-FR" sz="900" b="1" spc="-5" dirty="0">
+                <a:solidFill>
+                  <a:srgbClr val="0000FF"/>
+                </a:solidFill>
+                <a:latin typeface="Courier New"/>
+                <a:cs typeface="Courier New"/>
+              </a:rPr>
+              <a:t>  </a:t>
+            </a:r>
+            <a:r>
+              <a:rPr lang="fr-FR" sz="900" b="1" spc="-5" dirty="0">
+                <a:solidFill>
+                  <a:srgbClr val="A31414"/>
+                </a:solidFill>
+                <a:latin typeface="Courier New"/>
+                <a:cs typeface="Courier New"/>
+              </a:rPr>
+              <a:t>"Ut"</a:t>
+            </a:r>
+            <a:r>
+              <a:rPr lang="fr-FR" sz="900" b="1" spc="-5" dirty="0">
+                <a:solidFill>
+                  <a:srgbClr val="0000FF"/>
+                </a:solidFill>
+                <a:latin typeface="Courier New"/>
+                <a:cs typeface="Courier New"/>
+              </a:rPr>
+              <a:t>: </a:t>
+            </a:r>
+            <a:r>
+              <a:rPr lang="fr-FR" sz="900" b="1" spc="-5" dirty="0">
+                <a:solidFill>
+                  <a:srgbClr val="A31414"/>
+                </a:solidFill>
+                <a:latin typeface="Courier New"/>
+                <a:cs typeface="Courier New"/>
+              </a:rPr>
+              <a:t> "</a:t>
+            </a:r>
+            <a:r>
+              <a:rPr lang="fr-FR" sz="900" b="1" spc="-5" dirty="0" err="1">
+                <a:solidFill>
+                  <a:srgbClr val="A31414"/>
+                </a:solidFill>
+                <a:latin typeface="Courier New"/>
+                <a:cs typeface="Courier New"/>
+              </a:rPr>
+              <a:t>ea</a:t>
+            </a:r>
+            <a:r>
+              <a:rPr lang="fr-FR" sz="900" b="1" spc="-5" dirty="0">
+                <a:solidFill>
+                  <a:srgbClr val="A31414"/>
+                </a:solidFill>
+                <a:latin typeface="Courier New"/>
+                <a:cs typeface="Courier New"/>
+              </a:rPr>
+              <a:t>"</a:t>
+            </a:r>
+            <a:endParaRPr sz="900" dirty="0">
+              <a:latin typeface="Courier New"/>
+              <a:cs typeface="Courier New"/>
+            </a:endParaRPr>
+          </a:p>
+          <a:p>
+            <a:pPr marL="12700">
+              <a:lnSpc>
+                <a:spcPct val="100000"/>
+              </a:lnSpc>
+              <a:spcBef>
+                <a:spcPts val="495"/>
+              </a:spcBef>
+            </a:pPr>
+            <a:r>
+              <a:rPr lang="fr-FR" sz="900" b="1" spc="-40" dirty="0">
+                <a:solidFill>
+                  <a:srgbClr val="0000FF"/>
+                </a:solidFill>
+                <a:latin typeface="Courier New"/>
+                <a:cs typeface="Courier New"/>
+              </a:rPr>
+              <a:t>}</a:t>
+            </a:r>
+            <a:r>
+              <a:rPr lang="fr-FR" sz="900" b="1" spc="-5" dirty="0">
+                <a:latin typeface="Courier New"/>
+                <a:cs typeface="Courier New"/>
+              </a:rPr>
+              <a:t>,</a:t>
+            </a:r>
+          </a:p>
+          <a:p>
+            <a:pPr marL="12700" marR="355600">
+              <a:lnSpc>
+                <a:spcPct val="135900"/>
+              </a:lnSpc>
+              <a:spcBef>
+                <a:spcPts val="100"/>
+              </a:spcBef>
+            </a:pPr>
+            <a:r>
+              <a:rPr lang="fr-FR" sz="900" b="1" spc="-40" dirty="0">
+                <a:solidFill>
+                  <a:srgbClr val="0000FF"/>
+                </a:solidFill>
+                <a:latin typeface="Courier New"/>
+                <a:cs typeface="Courier New"/>
+              </a:rPr>
+              <a:t>{</a:t>
+            </a:r>
+          </a:p>
+          <a:p>
+            <a:pPr marL="12700" marR="355600">
+              <a:lnSpc>
+                <a:spcPct val="135900"/>
+              </a:lnSpc>
+              <a:spcBef>
+                <a:spcPts val="100"/>
+              </a:spcBef>
+            </a:pPr>
+            <a:r>
+              <a:rPr lang="fr-FR" sz="900" dirty="0">
+                <a:latin typeface="Courier New"/>
+                <a:cs typeface="Courier New"/>
+              </a:rPr>
+              <a:t>  </a:t>
+            </a:r>
+            <a:r>
+              <a:rPr lang="fr-FR" sz="900" b="1" spc="-5" dirty="0">
+                <a:solidFill>
+                  <a:srgbClr val="A31414"/>
+                </a:solidFill>
+                <a:latin typeface="Courier New"/>
+                <a:cs typeface="Courier New"/>
+              </a:rPr>
+              <a:t>"label"</a:t>
+            </a:r>
+            <a:r>
+              <a:rPr lang="fr-FR" sz="900" b="1" spc="-5" dirty="0">
+                <a:solidFill>
+                  <a:srgbClr val="0000FF"/>
+                </a:solidFill>
+                <a:latin typeface="Courier New"/>
+                <a:cs typeface="Courier New"/>
+              </a:rPr>
+              <a:t>: </a:t>
+            </a:r>
+            <a:r>
+              <a:rPr lang="fr-FR" sz="900" b="1" spc="-5" dirty="0" err="1">
+                <a:solidFill>
+                  <a:srgbClr val="0000FF"/>
+                </a:solidFill>
+                <a:latin typeface="Courier New"/>
+                <a:cs typeface="Courier New"/>
+              </a:rPr>
+              <a:t>null</a:t>
+            </a:r>
+            <a:r>
+              <a:rPr lang="fr-FR" sz="900" b="1" spc="-5" dirty="0">
+                <a:latin typeface="Courier New"/>
+                <a:cs typeface="Courier New"/>
+              </a:rPr>
+              <a:t>,</a:t>
+            </a:r>
+          </a:p>
+          <a:p>
+            <a:pPr marL="12700" marR="355600">
+              <a:lnSpc>
+                <a:spcPct val="135900"/>
+              </a:lnSpc>
+              <a:spcBef>
+                <a:spcPts val="100"/>
+              </a:spcBef>
+            </a:pPr>
+            <a:r>
+              <a:rPr lang="fr-FR" sz="900" b="1" spc="-5" dirty="0">
+                <a:solidFill>
+                  <a:srgbClr val="0000FF"/>
+                </a:solidFill>
+                <a:latin typeface="Courier New"/>
+                <a:cs typeface="Courier New"/>
+              </a:rPr>
+              <a:t>  </a:t>
+            </a:r>
+            <a:r>
+              <a:rPr lang="fr-FR" sz="900" b="1" spc="-5" dirty="0">
+                <a:solidFill>
+                  <a:srgbClr val="A31414"/>
+                </a:solidFill>
+                <a:latin typeface="Courier New"/>
+                <a:cs typeface="Courier New"/>
+              </a:rPr>
+              <a:t>"</a:t>
+            </a:r>
+            <a:r>
+              <a:rPr lang="fr-FR" sz="900" b="1" spc="-5" dirty="0" err="1">
+                <a:solidFill>
+                  <a:srgbClr val="A31414"/>
+                </a:solidFill>
+                <a:latin typeface="Courier New"/>
+                <a:cs typeface="Courier New"/>
+              </a:rPr>
+              <a:t>Illo</a:t>
+            </a:r>
+            <a:r>
+              <a:rPr lang="fr-FR" sz="900" b="1" spc="-5" dirty="0">
+                <a:solidFill>
+                  <a:srgbClr val="A31414"/>
+                </a:solidFill>
+                <a:latin typeface="Courier New"/>
+                <a:cs typeface="Courier New"/>
+              </a:rPr>
+              <a:t>"</a:t>
+            </a:r>
+            <a:r>
+              <a:rPr lang="fr-FR" sz="900" b="1" spc="-5" dirty="0">
+                <a:solidFill>
+                  <a:srgbClr val="0000FF"/>
+                </a:solidFill>
+                <a:latin typeface="Courier New"/>
+                <a:cs typeface="Courier New"/>
+              </a:rPr>
+              <a:t>: </a:t>
+            </a:r>
+            <a:r>
+              <a:rPr lang="fr-FR" sz="900" b="1" spc="-5" dirty="0">
+                <a:solidFill>
+                  <a:srgbClr val="A31414"/>
+                </a:solidFill>
+                <a:latin typeface="Courier New"/>
+                <a:cs typeface="Courier New"/>
+              </a:rPr>
+              <a:t> </a:t>
+            </a:r>
+            <a:r>
+              <a:rPr lang="fr-FR" sz="900" b="1" spc="-5" dirty="0">
+                <a:solidFill>
+                  <a:srgbClr val="00B050"/>
+                </a:solidFill>
+                <a:latin typeface="Courier New"/>
+                <a:cs typeface="Courier New"/>
+              </a:rPr>
+              <a:t>false</a:t>
+            </a:r>
+            <a:endParaRPr lang="fr-FR" sz="900" dirty="0">
+              <a:latin typeface="Courier New"/>
+              <a:cs typeface="Courier New"/>
+            </a:endParaRPr>
+          </a:p>
+          <a:p>
+            <a:pPr marL="12700">
+              <a:lnSpc>
+                <a:spcPct val="100000"/>
+              </a:lnSpc>
+              <a:spcBef>
+                <a:spcPts val="495"/>
+              </a:spcBef>
+            </a:pPr>
+            <a:r>
+              <a:rPr lang="fr-FR" sz="900" b="1" spc="-40" dirty="0">
+                <a:solidFill>
+                  <a:srgbClr val="0000FF"/>
+                </a:solidFill>
+                <a:latin typeface="Courier New"/>
+                <a:cs typeface="Courier New"/>
+              </a:rPr>
+              <a:t>}</a:t>
+            </a:r>
+            <a:r>
+              <a:rPr lang="fr-FR" sz="900" b="1" spc="-5" dirty="0">
+                <a:latin typeface="Courier New"/>
+                <a:cs typeface="Courier New"/>
+              </a:rPr>
+              <a:t>,</a:t>
+            </a:r>
+            <a:endParaRPr lang="fr-FR" sz="900" b="1" spc="-40" dirty="0">
+              <a:solidFill>
+                <a:srgbClr val="0000FF"/>
+              </a:solidFill>
+              <a:latin typeface="Courier New"/>
+              <a:cs typeface="Courier New"/>
+            </a:endParaRPr>
+          </a:p>
+          <a:p>
+            <a:pPr marL="12700">
+              <a:lnSpc>
+                <a:spcPct val="100000"/>
+              </a:lnSpc>
+              <a:spcBef>
+                <a:spcPts val="495"/>
+              </a:spcBef>
+            </a:pPr>
+            <a:endParaRPr lang="fr-FR" sz="900" b="1" spc="-40" dirty="0">
+              <a:solidFill>
+                <a:srgbClr val="0000FF"/>
+              </a:solidFill>
+              <a:latin typeface="Courier New"/>
+              <a:cs typeface="Courier New"/>
+            </a:endParaRPr>
+          </a:p>
+        </p:txBody>
+      </p:sp>
+    </p:spTree>
+    <p:extLst>
+      <p:ext uri="{BB962C8B-B14F-4D97-AF65-F5344CB8AC3E}">
+        <p14:creationId xmlns:p14="http://schemas.microsoft.com/office/powerpoint/2010/main" val="3264889887"/>
+      </p:ext>
+    </p:extLst>
+  </p:cSld>
+  <p:clrMapOvr>
+    <a:masterClrMapping/>
+  </p:clrMapOvr>
+  <p:timing>
+    <p:tnLst>
+      <p:par>
+        <p:cTn id="1" dur="indefinite" restart="never" nodeType="tmRoot">
+          <p:childTnLst>
+            <p:seq concurrent="1" nextAc="seek">
+              <p:cTn id="2" dur="indefinite" nodeType="mainSeq">
+                <p:childTnLst>
+                  <p:par>
+                    <p:cTn id="3" fill="hold">
+                      <p:stCondLst>
+                        <p:cond delay="indefinite"/>
+                        <p:cond evt="onBegin" delay="0">
+                          <p:tn val="2"/>
+                        </p:cond>
+                      </p:stCondLst>
+                      <p:childTnLst>
+                        <p:par>
+                          <p:cTn id="4" fill="hold">
+                            <p:stCondLst>
+                              <p:cond delay="0"/>
+                            </p:stCondLst>
+                            <p:childTnLst>
+                              <p:par>
+                                <p:cTn id="5" presetID="10" presetClass="entr" presetSubtype="0" fill="hold" grpId="0" nodeType="withEffect">
+                                  <p:stCondLst>
+                                    <p:cond delay="0"/>
+                                  </p:stCondLst>
+                                  <p:childTnLst>
+                                    <p:set>
+                                      <p:cBhvr>
+                                        <p:cTn id="6" dur="1" fill="hold">
+                                          <p:stCondLst>
+                                            <p:cond delay="0"/>
+                                          </p:stCondLst>
+                                        </p:cTn>
+                                        <p:tgtEl>
+                                          <p:spTgt spid="13"/>
+                                        </p:tgtEl>
+                                        <p:attrNameLst>
+                                          <p:attrName>style.visibility</p:attrName>
+                                        </p:attrNameLst>
+                                      </p:cBhvr>
+                                      <p:to>
+                                        <p:strVal val="visible"/>
+                                      </p:to>
+                                    </p:set>
+                                    <p:animEffect transition="in" filter="fade">
+                                      <p:cBhvr>
+                                        <p:cTn id="7" dur="500"/>
+                                        <p:tgtEl>
+                                          <p:spTgt spid="13"/>
+                                        </p:tgtEl>
+                                      </p:cBhvr>
+                                    </p:animEffect>
+                                  </p:childTnLst>
+                                </p:cTn>
+                              </p:par>
+                              <p:par>
+                                <p:cTn id="8" presetID="10" presetClass="entr" presetSubtype="0" fill="hold" grpId="0" nodeType="withEffect">
+                                  <p:stCondLst>
+                                    <p:cond delay="0"/>
+                                  </p:stCondLst>
+                                  <p:childTnLst>
+                                    <p:set>
+                                      <p:cBhvr>
+                                        <p:cTn id="9" dur="1" fill="hold">
+                                          <p:stCondLst>
+                                            <p:cond delay="0"/>
+                                          </p:stCondLst>
+                                        </p:cTn>
+                                        <p:tgtEl>
+                                          <p:spTgt spid="15"/>
+                                        </p:tgtEl>
+                                        <p:attrNameLst>
+                                          <p:attrName>style.visibility</p:attrName>
+                                        </p:attrNameLst>
+                                      </p:cBhvr>
+                                      <p:to>
+                                        <p:strVal val="visible"/>
+                                      </p:to>
+                                    </p:set>
+                                    <p:animEffect transition="in" filter="fade">
+                                      <p:cBhvr>
+                                        <p:cTn id="10" dur="500"/>
+                                        <p:tgtEl>
+                                          <p:spTgt spid="15"/>
+                                        </p:tgtEl>
+                                      </p:cBhvr>
+                                    </p:animEffect>
+                                  </p:childTnLst>
+                                </p:cTn>
+                              </p:par>
+                            </p:childTnLst>
+                          </p:cTn>
+                        </p:par>
+                      </p:childTnLst>
+                    </p:cTn>
+                  </p:par>
+                </p:childTnLst>
+              </p:cTn>
+              <p:prevCondLst>
+                <p:cond evt="onPrev" delay="0">
+                  <p:tgtEl>
+                    <p:sldTgt/>
+                  </p:tgtEl>
+                </p:cond>
+              </p:prevCondLst>
+              <p:nextCondLst>
+                <p:cond evt="onNext" delay="0">
+                  <p:tgtEl>
+                    <p:sldTgt/>
+                  </p:tgtEl>
+                </p:cond>
+              </p:nextCondLst>
+            </p:seq>
+          </p:childTnLst>
+        </p:cTn>
+      </p:par>
+    </p:tnLst>
+    <p:bldLst>
+      <p:bldP spid="13" grpId="0"/>
+      <p:bldP spid="15" grpId="0"/>
+    </p:bldLst>
+  </p:timing>
+</p:sld>
+</file>
+
+<file path=ppt/slides/slide27.xml><?xml version="1.0" encoding="utf-8"?>
+<p:sld xmlns:a="http://schemas.openxmlformats.org/drawingml/2006/main" xmlns:r="http://schemas.openxmlformats.org/officeDocument/2006/relationships" xmlns:p="http://schemas.openxmlformats.org/presentationml/2006/main">
+  <p:cSld>
+    <p:spTree>
+      <p:nvGrpSpPr>
+        <p:cNvPr id="1" name="Shape 221"/>
+        <p:cNvGrpSpPr/>
+        <p:nvPr/>
+      </p:nvGrpSpPr>
+      <p:grpSpPr>
+        <a:xfrm>
+          <a:off x="0" y="0"/>
+          <a:ext cx="0" cy="0"/>
+          <a:chOff x="0" y="0"/>
+          <a:chExt cx="0" cy="0"/>
+        </a:xfrm>
+      </p:grpSpPr>
+      <p:sp>
+        <p:nvSpPr>
+          <p:cNvPr id="14" name="ZoneTexte 13"/>
+          <p:cNvSpPr txBox="1"/>
+          <p:nvPr/>
+        </p:nvSpPr>
+        <p:spPr>
+          <a:xfrm>
+            <a:off x="241300" y="63500"/>
+            <a:ext cx="5793574" cy="523220"/>
+          </a:xfrm>
+          <a:prstGeom prst="rect">
+            <a:avLst/>
+          </a:prstGeom>
+          <a:noFill/>
+        </p:spPr>
+        <p:txBody>
+          <a:bodyPr wrap="none" rtlCol="0">
+            <a:spAutoFit/>
+          </a:bodyPr>
+          <a:lstStyle/>
+          <a:p>
+            <a:r>
+              <a:rPr lang="fr-FR" sz="2800" dirty="0">
+                <a:latin typeface="Times New Roman" panose="02020603050405020304" pitchFamily="18" charset="0"/>
+                <a:cs typeface="Times New Roman" panose="02020603050405020304" pitchFamily="18" charset="0"/>
+              </a:rPr>
+              <a:t>JSON </a:t>
+            </a:r>
+            <a:r>
+              <a:rPr lang="fr-FR" sz="2800" dirty="0" err="1">
+                <a:latin typeface="Times New Roman" panose="02020603050405020304" pitchFamily="18" charset="0"/>
+                <a:cs typeface="Times New Roman" panose="02020603050405020304" pitchFamily="18" charset="0"/>
+              </a:rPr>
+              <a:t>Schema</a:t>
+            </a:r>
+            <a:r>
+              <a:rPr lang="fr-FR" sz="2800" dirty="0">
+                <a:latin typeface="Times New Roman" panose="02020603050405020304" pitchFamily="18" charset="0"/>
+                <a:cs typeface="Times New Roman" panose="02020603050405020304" pitchFamily="18" charset="0"/>
+              </a:rPr>
+              <a:t> : Exemple de réparation</a:t>
+            </a:r>
+          </a:p>
+        </p:txBody>
+      </p:sp>
+      <p:sp>
+        <p:nvSpPr>
+          <p:cNvPr id="13" name="Rectangle 12">
+            <a:extLst>
+              <a:ext uri="{FF2B5EF4-FFF2-40B4-BE49-F238E27FC236}">
+                <a16:creationId xmlns:a16="http://schemas.microsoft.com/office/drawing/2014/main" id="{51564237-ADA5-F6B9-EB8F-E4A16E3DE522}"/>
+              </a:ext>
+            </a:extLst>
+          </p:cNvPr>
+          <p:cNvSpPr/>
+          <p:nvPr/>
+        </p:nvSpPr>
+        <p:spPr>
+          <a:xfrm>
+            <a:off x="1914834" y="4579299"/>
+            <a:ext cx="782587" cy="307777"/>
+          </a:xfrm>
+          <a:prstGeom prst="rect">
+            <a:avLst/>
+          </a:prstGeom>
+        </p:spPr>
+        <p:txBody>
+          <a:bodyPr wrap="none">
+            <a:spAutoFit/>
+          </a:bodyPr>
+          <a:lstStyle/>
+          <a:p>
+            <a:r>
+              <a:rPr lang="fr-FR" b="1" dirty="0">
+                <a:latin typeface="Times New Roman" panose="02020603050405020304" pitchFamily="18" charset="0"/>
+                <a:cs typeface="Times New Roman" panose="02020603050405020304" pitchFamily="18" charset="0"/>
+              </a:rPr>
+              <a:t>Schéma</a:t>
+            </a:r>
+          </a:p>
+        </p:txBody>
+      </p:sp>
+      <p:sp>
+        <p:nvSpPr>
+          <p:cNvPr id="15" name="Rectangle 14">
+            <a:extLst>
+              <a:ext uri="{FF2B5EF4-FFF2-40B4-BE49-F238E27FC236}">
+                <a16:creationId xmlns:a16="http://schemas.microsoft.com/office/drawing/2014/main" id="{9AD662CB-E75A-1F36-5CFB-1A9D0F8BF26C}"/>
+              </a:ext>
+            </a:extLst>
+          </p:cNvPr>
+          <p:cNvSpPr/>
+          <p:nvPr/>
+        </p:nvSpPr>
+        <p:spPr>
+          <a:xfrm>
+            <a:off x="6319943" y="4579299"/>
+            <a:ext cx="833883" cy="307777"/>
+          </a:xfrm>
+          <a:prstGeom prst="rect">
+            <a:avLst/>
+          </a:prstGeom>
+        </p:spPr>
+        <p:txBody>
+          <a:bodyPr wrap="none">
+            <a:spAutoFit/>
+          </a:bodyPr>
+          <a:lstStyle/>
+          <a:p>
+            <a:r>
+              <a:rPr lang="fr-FR" b="1" dirty="0">
+                <a:latin typeface="Times New Roman" panose="02020603050405020304" pitchFamily="18" charset="0"/>
+                <a:cs typeface="Times New Roman" panose="02020603050405020304" pitchFamily="18" charset="0"/>
+              </a:rPr>
+              <a:t>Instance</a:t>
+            </a:r>
+          </a:p>
+        </p:txBody>
+      </p:sp>
+      <p:grpSp>
+        <p:nvGrpSpPr>
+          <p:cNvPr id="2" name="object 2">
+            <a:extLst>
+              <a:ext uri="{FF2B5EF4-FFF2-40B4-BE49-F238E27FC236}">
+                <a16:creationId xmlns:a16="http://schemas.microsoft.com/office/drawing/2014/main" id="{7B361841-3B5D-2560-F8BA-B75B1E164076}"/>
+              </a:ext>
+            </a:extLst>
+          </p:cNvPr>
+          <p:cNvGrpSpPr/>
+          <p:nvPr/>
+        </p:nvGrpSpPr>
+        <p:grpSpPr>
+          <a:xfrm>
+            <a:off x="377984" y="975895"/>
+            <a:ext cx="4266565" cy="3606800"/>
+            <a:chOff x="372587" y="977262"/>
+            <a:chExt cx="4266565" cy="3606800"/>
+          </a:xfrm>
+        </p:grpSpPr>
+        <p:sp>
+          <p:nvSpPr>
+            <p:cNvPr id="4" name="object 3">
+              <a:extLst>
+                <a:ext uri="{FF2B5EF4-FFF2-40B4-BE49-F238E27FC236}">
+                  <a16:creationId xmlns:a16="http://schemas.microsoft.com/office/drawing/2014/main" id="{CDBF7E3D-D6C2-6D09-739F-27D18B303A38}"/>
+                </a:ext>
+              </a:extLst>
+            </p:cNvPr>
+            <p:cNvSpPr/>
+            <p:nvPr/>
+          </p:nvSpPr>
+          <p:spPr>
+            <a:xfrm>
+              <a:off x="377350" y="982025"/>
+              <a:ext cx="4257040" cy="3597275"/>
+            </a:xfrm>
+            <a:custGeom>
+              <a:avLst/>
+              <a:gdLst/>
+              <a:ahLst/>
+              <a:cxnLst/>
+              <a:rect l="l" t="t" r="r" b="b"/>
+              <a:pathLst>
+                <a:path w="4257040" h="3597275">
+                  <a:moveTo>
+                    <a:pt x="4256699" y="3596699"/>
+                  </a:moveTo>
+                  <a:lnTo>
+                    <a:pt x="0" y="3596699"/>
+                  </a:lnTo>
+                  <a:lnTo>
+                    <a:pt x="0" y="0"/>
+                  </a:lnTo>
+                  <a:lnTo>
+                    <a:pt x="4256699" y="0"/>
+                  </a:lnTo>
+                  <a:lnTo>
+                    <a:pt x="4256699" y="3596699"/>
+                  </a:lnTo>
+                  <a:close/>
+                </a:path>
+              </a:pathLst>
+            </a:custGeom>
+            <a:solidFill>
+              <a:srgbClr val="FFFFFF"/>
+            </a:solidFill>
+          </p:spPr>
+          <p:txBody>
+            <a:bodyPr wrap="square" lIns="0" tIns="0" rIns="0" bIns="0" rtlCol="0"/>
+            <a:lstStyle/>
+            <a:p>
+              <a:endParaRPr dirty="0"/>
+            </a:p>
+          </p:txBody>
+        </p:sp>
+        <p:sp>
+          <p:nvSpPr>
+            <p:cNvPr id="5" name="object 4">
+              <a:extLst>
+                <a:ext uri="{FF2B5EF4-FFF2-40B4-BE49-F238E27FC236}">
+                  <a16:creationId xmlns:a16="http://schemas.microsoft.com/office/drawing/2014/main" id="{BAA67E74-4A01-2144-0DBE-C1D586D84B00}"/>
+                </a:ext>
+              </a:extLst>
+            </p:cNvPr>
+            <p:cNvSpPr/>
+            <p:nvPr/>
+          </p:nvSpPr>
+          <p:spPr>
+            <a:xfrm>
+              <a:off x="377350" y="982025"/>
+              <a:ext cx="4257040" cy="3597275"/>
+            </a:xfrm>
+            <a:custGeom>
+              <a:avLst/>
+              <a:gdLst/>
+              <a:ahLst/>
+              <a:cxnLst/>
+              <a:rect l="l" t="t" r="r" b="b"/>
+              <a:pathLst>
+                <a:path w="4257040" h="3597275">
+                  <a:moveTo>
+                    <a:pt x="0" y="0"/>
+                  </a:moveTo>
+                  <a:lnTo>
+                    <a:pt x="4256699" y="0"/>
+                  </a:lnTo>
+                  <a:lnTo>
+                    <a:pt x="4256699" y="3596699"/>
+                  </a:lnTo>
+                  <a:lnTo>
+                    <a:pt x="0" y="3596699"/>
+                  </a:lnTo>
+                  <a:lnTo>
+                    <a:pt x="0" y="0"/>
+                  </a:lnTo>
+                  <a:close/>
+                </a:path>
+              </a:pathLst>
+            </a:custGeom>
+            <a:ln w="9524">
+              <a:solidFill>
+                <a:srgbClr val="000000"/>
+              </a:solidFill>
+            </a:ln>
+          </p:spPr>
+          <p:txBody>
+            <a:bodyPr wrap="square" lIns="0" tIns="0" rIns="0" bIns="0" rtlCol="0"/>
+            <a:lstStyle/>
+            <a:p>
+              <a:endParaRPr/>
+            </a:p>
+          </p:txBody>
+        </p:sp>
+      </p:grpSp>
+      <p:sp>
+        <p:nvSpPr>
+          <p:cNvPr id="7" name="object 5">
+            <a:extLst>
+              <a:ext uri="{FF2B5EF4-FFF2-40B4-BE49-F238E27FC236}">
+                <a16:creationId xmlns:a16="http://schemas.microsoft.com/office/drawing/2014/main" id="{27BD6072-E702-8F1E-BD5C-0863CEE33C51}"/>
+              </a:ext>
+            </a:extLst>
+          </p:cNvPr>
+          <p:cNvSpPr txBox="1"/>
+          <p:nvPr/>
+        </p:nvSpPr>
+        <p:spPr>
+          <a:xfrm>
+            <a:off x="450375" y="975895"/>
+            <a:ext cx="113664" cy="200660"/>
+          </a:xfrm>
+          <a:prstGeom prst="rect">
+            <a:avLst/>
+          </a:prstGeom>
+        </p:spPr>
+        <p:txBody>
+          <a:bodyPr vert="horz" wrap="square" lIns="0" tIns="12700" rIns="0" bIns="0" rtlCol="0">
+            <a:spAutoFit/>
+          </a:bodyPr>
+          <a:lstStyle/>
+          <a:p>
+            <a:pPr marL="12700">
+              <a:lnSpc>
+                <a:spcPct val="100000"/>
+              </a:lnSpc>
+              <a:spcBef>
+                <a:spcPts val="100"/>
+              </a:spcBef>
+            </a:pPr>
+            <a:r>
+              <a:rPr sz="1150" b="1" dirty="0">
+                <a:latin typeface="Courier New"/>
+                <a:cs typeface="Courier New"/>
+              </a:rPr>
+              <a:t>{</a:t>
+            </a:r>
+            <a:endParaRPr sz="1150" dirty="0">
+              <a:latin typeface="Courier New"/>
+              <a:cs typeface="Courier New"/>
+            </a:endParaRPr>
+          </a:p>
+        </p:txBody>
+      </p:sp>
+      <p:sp>
+        <p:nvSpPr>
+          <p:cNvPr id="9" name="object 6">
+            <a:extLst>
+              <a:ext uri="{FF2B5EF4-FFF2-40B4-BE49-F238E27FC236}">
+                <a16:creationId xmlns:a16="http://schemas.microsoft.com/office/drawing/2014/main" id="{D78D66A7-B006-5F88-C314-C33F6832623C}"/>
+              </a:ext>
+            </a:extLst>
+          </p:cNvPr>
+          <p:cNvSpPr txBox="1"/>
+          <p:nvPr/>
+        </p:nvSpPr>
+        <p:spPr>
+          <a:xfrm>
+            <a:off x="564038" y="1192885"/>
+            <a:ext cx="3220561" cy="3236271"/>
+          </a:xfrm>
+          <a:prstGeom prst="rect">
+            <a:avLst/>
+          </a:prstGeom>
+        </p:spPr>
+        <p:txBody>
+          <a:bodyPr vert="horz" wrap="square" lIns="0" tIns="12700" rIns="0" bIns="0" rtlCol="0">
+            <a:spAutoFit/>
+          </a:bodyPr>
+          <a:lstStyle/>
+          <a:p>
+            <a:pPr marL="12700" marR="355600">
+              <a:lnSpc>
+                <a:spcPct val="135900"/>
+              </a:lnSpc>
+              <a:spcBef>
+                <a:spcPts val="100"/>
+              </a:spcBef>
+            </a:pPr>
+            <a:r>
+              <a:rPr sz="900" b="1" spc="-5" dirty="0">
+                <a:solidFill>
+                  <a:srgbClr val="A31414"/>
+                </a:solidFill>
+                <a:latin typeface="Courier New"/>
+                <a:cs typeface="Courier New"/>
+              </a:rPr>
+              <a:t>"type"</a:t>
+            </a:r>
+            <a:r>
+              <a:rPr sz="900" b="1" spc="-5" dirty="0">
+                <a:solidFill>
+                  <a:srgbClr val="0000FF"/>
+                </a:solidFill>
+                <a:latin typeface="Courier New"/>
+                <a:cs typeface="Courier New"/>
+              </a:rPr>
+              <a:t>:</a:t>
+            </a:r>
+            <a:r>
+              <a:rPr sz="900" b="1" spc="-90" dirty="0">
+                <a:solidFill>
+                  <a:srgbClr val="0000FF"/>
+                </a:solidFill>
+                <a:latin typeface="Courier New"/>
+                <a:cs typeface="Courier New"/>
+              </a:rPr>
+              <a:t> </a:t>
+            </a:r>
+            <a:r>
+              <a:rPr sz="900" b="1" spc="-5" dirty="0">
+                <a:solidFill>
+                  <a:srgbClr val="A31414"/>
+                </a:solidFill>
+                <a:latin typeface="Courier New"/>
+                <a:cs typeface="Courier New"/>
+              </a:rPr>
+              <a:t>"</a:t>
+            </a:r>
+            <a:r>
+              <a:rPr lang="fr-FR" sz="900" b="1" spc="-5" dirty="0" err="1">
+                <a:solidFill>
+                  <a:srgbClr val="A31414"/>
+                </a:solidFill>
+                <a:latin typeface="Courier New"/>
+                <a:cs typeface="Courier New"/>
+              </a:rPr>
+              <a:t>array</a:t>
+            </a:r>
+            <a:r>
+              <a:rPr sz="900" b="1" spc="-5" dirty="0">
+                <a:solidFill>
+                  <a:srgbClr val="A31414"/>
+                </a:solidFill>
+                <a:latin typeface="Courier New"/>
+                <a:cs typeface="Courier New"/>
+              </a:rPr>
+              <a:t>"</a:t>
+            </a:r>
+            <a:r>
+              <a:rPr sz="900" b="1" spc="-5" dirty="0">
+                <a:latin typeface="Courier New"/>
+                <a:cs typeface="Courier New"/>
+              </a:rPr>
+              <a:t>, </a:t>
+            </a:r>
+            <a:endParaRPr lang="fr-FR" sz="900" b="1" spc="-5" dirty="0">
+              <a:latin typeface="Courier New"/>
+              <a:cs typeface="Courier New"/>
+            </a:endParaRPr>
+          </a:p>
+          <a:p>
+            <a:pPr marL="12700" marR="355600">
+              <a:lnSpc>
+                <a:spcPct val="135900"/>
+              </a:lnSpc>
+              <a:spcBef>
+                <a:spcPts val="100"/>
+              </a:spcBef>
+            </a:pPr>
+            <a:r>
+              <a:rPr sz="900" b="1" spc="-675" dirty="0">
+                <a:latin typeface="Courier New"/>
+                <a:cs typeface="Courier New"/>
+              </a:rPr>
+              <a:t> </a:t>
+            </a:r>
+            <a:r>
+              <a:rPr sz="900" b="1" spc="-5" dirty="0">
+                <a:solidFill>
+                  <a:srgbClr val="A31414"/>
+                </a:solidFill>
+                <a:latin typeface="Courier New"/>
+                <a:cs typeface="Courier New"/>
+              </a:rPr>
+              <a:t>"</a:t>
+            </a:r>
+            <a:r>
+              <a:rPr lang="fr-FR" sz="900" b="1" spc="-5" dirty="0">
+                <a:solidFill>
+                  <a:srgbClr val="A31414"/>
+                </a:solidFill>
+                <a:latin typeface="Courier New"/>
+                <a:cs typeface="Courier New"/>
+              </a:rPr>
+              <a:t>items</a:t>
+            </a:r>
+            <a:r>
+              <a:rPr sz="900" b="1" spc="-5" dirty="0">
+                <a:solidFill>
+                  <a:srgbClr val="A31414"/>
+                </a:solidFill>
+                <a:latin typeface="Courier New"/>
+                <a:cs typeface="Courier New"/>
+              </a:rPr>
+              <a:t>"</a:t>
+            </a:r>
+            <a:r>
+              <a:rPr sz="900" b="1" spc="-5" dirty="0">
+                <a:solidFill>
+                  <a:srgbClr val="0000FF"/>
+                </a:solidFill>
+                <a:latin typeface="Courier New"/>
+                <a:cs typeface="Courier New"/>
+              </a:rPr>
+              <a:t>:</a:t>
+            </a:r>
+            <a:r>
+              <a:rPr sz="900" b="1" spc="-40" dirty="0">
+                <a:solidFill>
+                  <a:srgbClr val="0000FF"/>
+                </a:solidFill>
+                <a:latin typeface="Courier New"/>
+                <a:cs typeface="Courier New"/>
+              </a:rPr>
+              <a:t> </a:t>
+            </a:r>
+            <a:r>
+              <a:rPr lang="fr-FR" sz="900" b="1" spc="-40" dirty="0">
+                <a:solidFill>
+                  <a:srgbClr val="0000FF"/>
+                </a:solidFill>
+                <a:latin typeface="Courier New"/>
+                <a:cs typeface="Courier New"/>
+              </a:rPr>
+              <a:t>{</a:t>
+            </a:r>
+          </a:p>
+          <a:p>
+            <a:pPr marL="12700" marR="355600">
+              <a:lnSpc>
+                <a:spcPct val="135900"/>
+              </a:lnSpc>
+              <a:spcBef>
+                <a:spcPts val="100"/>
+              </a:spcBef>
+            </a:pPr>
+            <a:r>
+              <a:rPr lang="fr-FR" sz="900" dirty="0">
+                <a:latin typeface="Courier New"/>
+                <a:cs typeface="Courier New"/>
+              </a:rPr>
+              <a:t>  </a:t>
+            </a:r>
+            <a:r>
+              <a:rPr lang="fr-FR" sz="900" b="1" spc="-5" dirty="0">
+                <a:solidFill>
+                  <a:srgbClr val="A31414"/>
+                </a:solidFill>
+                <a:latin typeface="Courier New"/>
+                <a:cs typeface="Courier New"/>
+              </a:rPr>
+              <a:t>"</a:t>
+            </a:r>
+            <a:r>
+              <a:rPr lang="fr-FR" sz="900" b="1" spc="-5" dirty="0" err="1">
+                <a:solidFill>
+                  <a:srgbClr val="A31414"/>
+                </a:solidFill>
+                <a:latin typeface="Courier New"/>
+                <a:cs typeface="Courier New"/>
+              </a:rPr>
+              <a:t>oneOf</a:t>
+            </a:r>
+            <a:r>
+              <a:rPr lang="fr-FR" sz="900" b="1" spc="-5" dirty="0">
+                <a:solidFill>
+                  <a:srgbClr val="A31414"/>
+                </a:solidFill>
+                <a:latin typeface="Courier New"/>
+                <a:cs typeface="Courier New"/>
+              </a:rPr>
+              <a:t>"</a:t>
+            </a:r>
+            <a:r>
+              <a:rPr lang="fr-FR" sz="900" b="1" spc="-5" dirty="0">
+                <a:solidFill>
+                  <a:srgbClr val="0000FF"/>
+                </a:solidFill>
+                <a:latin typeface="Courier New"/>
+                <a:cs typeface="Courier New"/>
+              </a:rPr>
+              <a:t>: [</a:t>
+            </a:r>
+          </a:p>
+          <a:p>
+            <a:pPr marL="187325">
+              <a:lnSpc>
+                <a:spcPct val="100000"/>
+              </a:lnSpc>
+              <a:spcBef>
+                <a:spcPts val="495"/>
+              </a:spcBef>
+            </a:pPr>
+            <a:r>
+              <a:rPr lang="fr-FR" sz="900" b="1" dirty="0">
+                <a:latin typeface="Courier New"/>
+                <a:cs typeface="Courier New"/>
+              </a:rPr>
+              <a:t>  {</a:t>
+            </a:r>
+            <a:endParaRPr lang="fr-FR" sz="900" dirty="0">
+              <a:latin typeface="Courier New"/>
+              <a:cs typeface="Courier New"/>
+            </a:endParaRPr>
+          </a:p>
+          <a:p>
+            <a:pPr marL="362585">
+              <a:lnSpc>
+                <a:spcPct val="100000"/>
+              </a:lnSpc>
+              <a:spcBef>
+                <a:spcPts val="495"/>
+              </a:spcBef>
+            </a:pPr>
+            <a:r>
+              <a:rPr lang="fr-FR" sz="900" b="1" spc="-5" dirty="0">
+                <a:solidFill>
+                  <a:srgbClr val="A31414"/>
+                </a:solidFill>
+                <a:latin typeface="Courier New"/>
+                <a:cs typeface="Courier New"/>
+              </a:rPr>
+              <a:t>  "type"</a:t>
+            </a:r>
+            <a:r>
+              <a:rPr lang="fr-FR" sz="900" b="1" spc="-5" dirty="0">
+                <a:solidFill>
+                  <a:srgbClr val="0000FF"/>
+                </a:solidFill>
+                <a:latin typeface="Courier New"/>
+                <a:cs typeface="Courier New"/>
+              </a:rPr>
+              <a:t>:</a:t>
+            </a:r>
+            <a:r>
+              <a:rPr lang="fr-FR" sz="900" b="1" spc="-70" dirty="0">
+                <a:solidFill>
+                  <a:srgbClr val="0000FF"/>
+                </a:solidFill>
+                <a:latin typeface="Courier New"/>
+                <a:cs typeface="Courier New"/>
+              </a:rPr>
+              <a:t> </a:t>
+            </a:r>
+            <a:r>
+              <a:rPr lang="fr-FR" sz="900" b="1" spc="-5" dirty="0">
+                <a:solidFill>
+                  <a:srgbClr val="A31414"/>
+                </a:solidFill>
+                <a:latin typeface="Courier New"/>
+                <a:cs typeface="Courier New"/>
+              </a:rPr>
+              <a:t>"string"</a:t>
+            </a:r>
+            <a:endParaRPr lang="fr-FR" sz="900" dirty="0">
+              <a:latin typeface="Courier New"/>
+              <a:cs typeface="Courier New"/>
+            </a:endParaRPr>
+          </a:p>
+          <a:p>
+            <a:pPr marL="187960">
+              <a:lnSpc>
+                <a:spcPct val="100000"/>
+              </a:lnSpc>
+              <a:spcBef>
+                <a:spcPts val="495"/>
+              </a:spcBef>
+            </a:pPr>
+            <a:r>
+              <a:rPr lang="fr-FR" sz="900" b="1" spc="-5" dirty="0">
+                <a:latin typeface="Courier New"/>
+                <a:cs typeface="Courier New"/>
+              </a:rPr>
+              <a:t>  },</a:t>
+            </a:r>
+          </a:p>
+          <a:p>
+            <a:pPr marL="187325">
+              <a:lnSpc>
+                <a:spcPct val="100000"/>
+              </a:lnSpc>
+              <a:spcBef>
+                <a:spcPts val="495"/>
+              </a:spcBef>
+            </a:pPr>
+            <a:r>
+              <a:rPr lang="fr-FR" sz="900" b="1" dirty="0">
+                <a:latin typeface="Courier New"/>
+                <a:cs typeface="Courier New"/>
+              </a:rPr>
+              <a:t>  {</a:t>
+            </a:r>
+            <a:endParaRPr lang="fr-FR" sz="900" dirty="0">
+              <a:latin typeface="Courier New"/>
+              <a:cs typeface="Courier New"/>
+            </a:endParaRPr>
+          </a:p>
+          <a:p>
+            <a:pPr marL="362585">
+              <a:lnSpc>
+                <a:spcPct val="100000"/>
+              </a:lnSpc>
+              <a:spcBef>
+                <a:spcPts val="495"/>
+              </a:spcBef>
+            </a:pPr>
+            <a:r>
+              <a:rPr lang="fr-FR" sz="900" b="1" spc="-5" dirty="0">
+                <a:solidFill>
+                  <a:srgbClr val="A31414"/>
+                </a:solidFill>
+                <a:latin typeface="Courier New"/>
+                <a:cs typeface="Courier New"/>
+              </a:rPr>
+              <a:t>  "type"</a:t>
+            </a:r>
+            <a:r>
+              <a:rPr lang="fr-FR" sz="900" b="1" spc="-5" dirty="0">
+                <a:solidFill>
+                  <a:srgbClr val="0000FF"/>
+                </a:solidFill>
+                <a:latin typeface="Courier New"/>
+                <a:cs typeface="Courier New"/>
+              </a:rPr>
+              <a:t>:</a:t>
+            </a:r>
+            <a:r>
+              <a:rPr lang="fr-FR" sz="900" b="1" spc="-70" dirty="0">
+                <a:solidFill>
+                  <a:srgbClr val="0000FF"/>
+                </a:solidFill>
+                <a:latin typeface="Courier New"/>
+                <a:cs typeface="Courier New"/>
+              </a:rPr>
+              <a:t> </a:t>
+            </a:r>
+            <a:r>
+              <a:rPr lang="fr-FR" sz="900" b="1" spc="-5" dirty="0">
+                <a:solidFill>
+                  <a:srgbClr val="A31414"/>
+                </a:solidFill>
+                <a:latin typeface="Courier New"/>
+                <a:cs typeface="Courier New"/>
+              </a:rPr>
+              <a:t>"</a:t>
+            </a:r>
+            <a:r>
+              <a:rPr lang="fr-FR" sz="900" b="1" spc="-5" dirty="0" err="1">
+                <a:solidFill>
+                  <a:srgbClr val="A31414"/>
+                </a:solidFill>
+                <a:latin typeface="Courier New"/>
+                <a:cs typeface="Courier New"/>
+              </a:rPr>
+              <a:t>object</a:t>
+            </a:r>
+            <a:r>
+              <a:rPr lang="fr-FR" sz="900" b="1" spc="-5" dirty="0">
+                <a:solidFill>
+                  <a:srgbClr val="A31414"/>
+                </a:solidFill>
+                <a:latin typeface="Courier New"/>
+                <a:cs typeface="Courier New"/>
+              </a:rPr>
+              <a:t>"</a:t>
+            </a:r>
+            <a:r>
+              <a:rPr lang="fr-FR" sz="900" b="1" spc="-5" dirty="0">
+                <a:latin typeface="Courier New"/>
+                <a:cs typeface="Courier New"/>
+              </a:rPr>
+              <a:t>,</a:t>
+            </a:r>
+          </a:p>
+          <a:p>
+            <a:pPr marL="362585">
+              <a:spcBef>
+                <a:spcPts val="495"/>
+              </a:spcBef>
+            </a:pPr>
+            <a:r>
+              <a:rPr lang="fr-FR" sz="900" b="1" spc="-5" dirty="0">
+                <a:solidFill>
+                  <a:srgbClr val="A31414"/>
+                </a:solidFill>
+                <a:latin typeface="Courier New"/>
+                <a:cs typeface="Courier New"/>
+              </a:rPr>
+              <a:t>  "</a:t>
+            </a:r>
+            <a:r>
+              <a:rPr lang="fr-FR" sz="900" b="1" spc="-5" dirty="0" err="1">
+                <a:solidFill>
+                  <a:srgbClr val="A31414"/>
+                </a:solidFill>
+                <a:latin typeface="Courier New"/>
+                <a:cs typeface="Courier New"/>
+              </a:rPr>
+              <a:t>additionalPropertoes</a:t>
+            </a:r>
+            <a:r>
+              <a:rPr lang="fr-FR" sz="900" b="1" spc="-5" dirty="0">
+                <a:solidFill>
+                  <a:srgbClr val="A31414"/>
+                </a:solidFill>
+                <a:latin typeface="Courier New"/>
+                <a:cs typeface="Courier New"/>
+              </a:rPr>
+              <a:t>"</a:t>
+            </a:r>
+            <a:r>
+              <a:rPr lang="fr-FR" sz="900" b="1" spc="-5" dirty="0">
+                <a:solidFill>
+                  <a:srgbClr val="0000FF"/>
+                </a:solidFill>
+                <a:latin typeface="Courier New"/>
+                <a:cs typeface="Courier New"/>
+              </a:rPr>
+              <a:t>:</a:t>
+            </a:r>
+            <a:r>
+              <a:rPr lang="fr-FR" sz="900" b="1" spc="-70" dirty="0">
+                <a:solidFill>
+                  <a:srgbClr val="0000FF"/>
+                </a:solidFill>
+                <a:latin typeface="Courier New"/>
+                <a:cs typeface="Courier New"/>
+              </a:rPr>
+              <a:t> </a:t>
+            </a:r>
+            <a:r>
+              <a:rPr lang="fr-FR" sz="900" b="1" spc="-5" dirty="0">
+                <a:solidFill>
+                  <a:srgbClr val="00B050"/>
+                </a:solidFill>
+                <a:latin typeface="Courier New"/>
+                <a:cs typeface="Courier New"/>
+              </a:rPr>
+              <a:t>false</a:t>
+            </a:r>
+            <a:r>
+              <a:rPr lang="fr-FR" sz="900" b="1" spc="-5" dirty="0">
+                <a:latin typeface="Courier New"/>
+                <a:cs typeface="Courier New"/>
+              </a:rPr>
+              <a:t>,</a:t>
+            </a:r>
+          </a:p>
+          <a:p>
+            <a:pPr marL="362585">
+              <a:lnSpc>
+                <a:spcPct val="100000"/>
+              </a:lnSpc>
+              <a:spcBef>
+                <a:spcPts val="495"/>
+              </a:spcBef>
+            </a:pPr>
+            <a:r>
+              <a:rPr lang="fr-FR" sz="900" b="1" spc="-5" dirty="0">
+                <a:solidFill>
+                  <a:srgbClr val="A31414"/>
+                </a:solidFill>
+                <a:latin typeface="Courier New"/>
+                <a:cs typeface="Courier New"/>
+              </a:rPr>
+              <a:t>  "</a:t>
+            </a:r>
+            <a:r>
+              <a:rPr lang="fr-FR" sz="900" b="1" spc="-5" dirty="0" err="1">
+                <a:solidFill>
+                  <a:srgbClr val="A31414"/>
+                </a:solidFill>
+                <a:latin typeface="Courier New"/>
+                <a:cs typeface="Courier New"/>
+              </a:rPr>
+              <a:t>required</a:t>
+            </a:r>
+            <a:r>
+              <a:rPr lang="fr-FR" sz="900" b="1" spc="-5" dirty="0">
+                <a:solidFill>
+                  <a:srgbClr val="A31414"/>
+                </a:solidFill>
+                <a:latin typeface="Courier New"/>
+                <a:cs typeface="Courier New"/>
+              </a:rPr>
+              <a:t>"</a:t>
+            </a:r>
+            <a:r>
+              <a:rPr lang="fr-FR" sz="900" b="1" spc="-5" dirty="0">
+                <a:solidFill>
+                  <a:srgbClr val="0000FF"/>
+                </a:solidFill>
+                <a:latin typeface="Courier New"/>
+                <a:cs typeface="Courier New"/>
+              </a:rPr>
+              <a:t>:</a:t>
+            </a:r>
+            <a:r>
+              <a:rPr lang="fr-FR" sz="900" b="1" spc="-70" dirty="0">
+                <a:solidFill>
+                  <a:srgbClr val="0000FF"/>
+                </a:solidFill>
+                <a:latin typeface="Courier New"/>
+                <a:cs typeface="Courier New"/>
+              </a:rPr>
+              <a:t> [</a:t>
+            </a:r>
+            <a:r>
+              <a:rPr lang="fr-FR" sz="900" b="1" spc="-5" dirty="0">
+                <a:solidFill>
+                  <a:srgbClr val="A31414"/>
+                </a:solidFill>
+                <a:latin typeface="Courier New"/>
+                <a:cs typeface="Courier New"/>
+              </a:rPr>
+              <a:t>"label"</a:t>
+            </a:r>
+            <a:r>
+              <a:rPr lang="fr-FR" sz="900" b="1" spc="-70" dirty="0">
+                <a:solidFill>
+                  <a:srgbClr val="0000FF"/>
+                </a:solidFill>
+                <a:latin typeface="Courier New"/>
+                <a:cs typeface="Courier New"/>
+              </a:rPr>
+              <a:t>]</a:t>
+            </a:r>
+            <a:r>
+              <a:rPr lang="fr-FR" sz="900" b="1" spc="-5" dirty="0">
+                <a:latin typeface="Courier New"/>
+                <a:cs typeface="Courier New"/>
+              </a:rPr>
+              <a:t>,</a:t>
+            </a:r>
+          </a:p>
+          <a:p>
+            <a:pPr marL="362585">
+              <a:lnSpc>
+                <a:spcPct val="100000"/>
+              </a:lnSpc>
+              <a:spcBef>
+                <a:spcPts val="495"/>
+              </a:spcBef>
+            </a:pPr>
+            <a:r>
+              <a:rPr lang="fr-FR" sz="900" dirty="0">
+                <a:latin typeface="Courier New"/>
+                <a:cs typeface="Courier New"/>
+              </a:rPr>
+              <a:t>  </a:t>
+            </a:r>
+            <a:r>
+              <a:rPr lang="fr-FR" sz="900" b="1" spc="-5" dirty="0">
+                <a:solidFill>
+                  <a:srgbClr val="A31414"/>
+                </a:solidFill>
+                <a:latin typeface="Courier New"/>
+                <a:cs typeface="Courier New"/>
+              </a:rPr>
+              <a:t>"</a:t>
+            </a:r>
+            <a:r>
+              <a:rPr lang="fr-FR" sz="900" b="1" spc="-5" dirty="0" err="1">
+                <a:solidFill>
+                  <a:srgbClr val="A31414"/>
+                </a:solidFill>
+                <a:latin typeface="Courier New"/>
+                <a:cs typeface="Courier New"/>
+              </a:rPr>
+              <a:t>properties</a:t>
+            </a:r>
+            <a:r>
+              <a:rPr lang="fr-FR" sz="900" b="1" spc="-5" dirty="0">
+                <a:solidFill>
+                  <a:srgbClr val="A31414"/>
+                </a:solidFill>
+                <a:latin typeface="Courier New"/>
+                <a:cs typeface="Courier New"/>
+              </a:rPr>
+              <a:t>"</a:t>
+            </a:r>
+            <a:r>
+              <a:rPr lang="fr-FR" sz="900" b="1" spc="-5" dirty="0">
+                <a:solidFill>
+                  <a:srgbClr val="0000FF"/>
+                </a:solidFill>
+                <a:latin typeface="Courier New"/>
+                <a:cs typeface="Courier New"/>
+              </a:rPr>
+              <a:t>:</a:t>
+            </a:r>
+            <a:r>
+              <a:rPr lang="fr-FR" sz="900" b="1" spc="-70" dirty="0">
+                <a:solidFill>
+                  <a:srgbClr val="0000FF"/>
+                </a:solidFill>
+                <a:latin typeface="Courier New"/>
+                <a:cs typeface="Courier New"/>
+              </a:rPr>
+              <a:t> </a:t>
+            </a:r>
+            <a:r>
+              <a:rPr lang="fr-FR" sz="900" b="1" dirty="0">
+                <a:latin typeface="Courier New"/>
+                <a:cs typeface="Courier New"/>
+              </a:rPr>
+              <a:t>{</a:t>
+            </a:r>
+          </a:p>
+          <a:p>
+            <a:pPr marL="362585">
+              <a:lnSpc>
+                <a:spcPct val="100000"/>
+              </a:lnSpc>
+              <a:spcBef>
+                <a:spcPts val="495"/>
+              </a:spcBef>
+            </a:pPr>
+            <a:r>
+              <a:rPr lang="fr-FR" sz="900" b="1" dirty="0">
+                <a:latin typeface="Courier New"/>
+                <a:cs typeface="Courier New"/>
+              </a:rPr>
+              <a:t>    </a:t>
+            </a:r>
+            <a:r>
+              <a:rPr lang="fr-FR" sz="900" b="1" spc="-5" dirty="0">
+                <a:solidFill>
+                  <a:srgbClr val="A31414"/>
+                </a:solidFill>
+                <a:latin typeface="Courier New"/>
+                <a:cs typeface="Courier New"/>
+              </a:rPr>
+              <a:t>"label"</a:t>
+            </a:r>
+            <a:r>
+              <a:rPr lang="fr-FR" sz="900" b="1" spc="-5" dirty="0">
+                <a:solidFill>
+                  <a:srgbClr val="0000FF"/>
+                </a:solidFill>
+                <a:latin typeface="Courier New"/>
+                <a:cs typeface="Courier New"/>
+              </a:rPr>
+              <a:t>:</a:t>
+            </a:r>
+            <a:r>
+              <a:rPr lang="fr-FR" sz="900" b="1" dirty="0">
+                <a:latin typeface="Courier New"/>
+                <a:cs typeface="Courier New"/>
+              </a:rPr>
+              <a:t> {</a:t>
+            </a:r>
+            <a:r>
+              <a:rPr lang="fr-FR" sz="900" b="1" spc="-5" dirty="0">
+                <a:solidFill>
+                  <a:srgbClr val="A31414"/>
+                </a:solidFill>
+                <a:latin typeface="Courier New"/>
+                <a:cs typeface="Courier New"/>
+              </a:rPr>
+              <a:t>"type"</a:t>
+            </a:r>
+            <a:r>
+              <a:rPr lang="fr-FR" sz="900" b="1" spc="-5" dirty="0">
+                <a:solidFill>
+                  <a:srgbClr val="0000FF"/>
+                </a:solidFill>
+                <a:latin typeface="Courier New"/>
+                <a:cs typeface="Courier New"/>
+              </a:rPr>
+              <a:t>:</a:t>
+            </a:r>
+            <a:r>
+              <a:rPr lang="fr-FR" sz="900" b="1" spc="-70" dirty="0">
+                <a:solidFill>
+                  <a:srgbClr val="0000FF"/>
+                </a:solidFill>
+                <a:latin typeface="Courier New"/>
+                <a:cs typeface="Courier New"/>
+              </a:rPr>
+              <a:t> </a:t>
+            </a:r>
+            <a:r>
+              <a:rPr lang="fr-FR" sz="900" b="1" spc="-5" dirty="0">
+                <a:solidFill>
+                  <a:srgbClr val="A31414"/>
+                </a:solidFill>
+                <a:latin typeface="Courier New"/>
+                <a:cs typeface="Courier New"/>
+              </a:rPr>
+              <a:t>"string"</a:t>
+            </a:r>
+            <a:r>
+              <a:rPr lang="fr-FR" sz="900" b="1" dirty="0">
+                <a:latin typeface="Courier New"/>
+                <a:cs typeface="Courier New"/>
+              </a:rPr>
+              <a:t>}</a:t>
+            </a:r>
+          </a:p>
+          <a:p>
+            <a:pPr marL="362585">
+              <a:lnSpc>
+                <a:spcPct val="100000"/>
+              </a:lnSpc>
+              <a:spcBef>
+                <a:spcPts val="495"/>
+              </a:spcBef>
+            </a:pPr>
+            <a:r>
+              <a:rPr lang="fr-FR" sz="900" b="1" dirty="0">
+                <a:latin typeface="Courier New"/>
+                <a:cs typeface="Courier New"/>
+              </a:rPr>
+              <a:t>  }</a:t>
+            </a:r>
+            <a:r>
+              <a:rPr lang="fr-FR" sz="900" b="1" spc="-5" dirty="0">
+                <a:latin typeface="Courier New"/>
+                <a:cs typeface="Courier New"/>
+              </a:rPr>
+              <a:t>,</a:t>
+            </a:r>
+            <a:endParaRPr lang="fr-FR" sz="900" dirty="0">
+              <a:latin typeface="Courier New"/>
+              <a:cs typeface="Courier New"/>
+            </a:endParaRPr>
+          </a:p>
+          <a:p>
+            <a:pPr marL="187960">
+              <a:lnSpc>
+                <a:spcPct val="100000"/>
+              </a:lnSpc>
+              <a:spcBef>
+                <a:spcPts val="495"/>
+              </a:spcBef>
+            </a:pPr>
+            <a:r>
+              <a:rPr lang="fr-FR" sz="900" b="1" spc="-5" dirty="0">
+                <a:latin typeface="Courier New"/>
+                <a:cs typeface="Courier New"/>
+              </a:rPr>
+              <a:t>  },</a:t>
+            </a:r>
+            <a:endParaRPr lang="fr-FR" sz="900" b="1" spc="-5" dirty="0">
+              <a:solidFill>
+                <a:srgbClr val="0000FF"/>
+              </a:solidFill>
+              <a:latin typeface="Courier New"/>
+              <a:cs typeface="Courier New"/>
+            </a:endParaRPr>
+          </a:p>
+          <a:p>
+            <a:pPr marL="12700" marR="355600">
+              <a:lnSpc>
+                <a:spcPct val="135900"/>
+              </a:lnSpc>
+              <a:spcBef>
+                <a:spcPts val="100"/>
+              </a:spcBef>
+            </a:pPr>
+            <a:r>
+              <a:rPr lang="fr-FR" sz="900" b="1" spc="-5" dirty="0">
+                <a:solidFill>
+                  <a:srgbClr val="0000FF"/>
+                </a:solidFill>
+                <a:latin typeface="Courier New"/>
+                <a:cs typeface="Courier New"/>
+              </a:rPr>
+              <a:t>  ]</a:t>
+            </a:r>
+            <a:endParaRPr sz="900" dirty="0">
+              <a:latin typeface="Courier New"/>
+              <a:cs typeface="Courier New"/>
+            </a:endParaRPr>
+          </a:p>
+          <a:p>
+            <a:pPr marL="12700">
+              <a:lnSpc>
+                <a:spcPct val="100000"/>
+              </a:lnSpc>
+              <a:spcBef>
+                <a:spcPts val="495"/>
+              </a:spcBef>
+            </a:pPr>
+            <a:r>
+              <a:rPr lang="fr-FR" sz="900" b="1" spc="-40" dirty="0">
+                <a:solidFill>
+                  <a:srgbClr val="0000FF"/>
+                </a:solidFill>
+                <a:latin typeface="Courier New"/>
+                <a:cs typeface="Courier New"/>
+              </a:rPr>
+              <a:t>}</a:t>
+            </a:r>
+            <a:endParaRPr lang="fr-FR" sz="900" b="1" dirty="0">
+              <a:latin typeface="Courier New"/>
+              <a:cs typeface="Courier New"/>
+            </a:endParaRPr>
+          </a:p>
+        </p:txBody>
+      </p:sp>
+      <p:sp>
+        <p:nvSpPr>
+          <p:cNvPr id="11" name="object 7">
+            <a:extLst>
+              <a:ext uri="{FF2B5EF4-FFF2-40B4-BE49-F238E27FC236}">
+                <a16:creationId xmlns:a16="http://schemas.microsoft.com/office/drawing/2014/main" id="{D9612F6C-7A72-96A7-3B64-9AB78F85FE14}"/>
+              </a:ext>
+            </a:extLst>
+          </p:cNvPr>
+          <p:cNvSpPr txBox="1"/>
+          <p:nvPr/>
+        </p:nvSpPr>
+        <p:spPr>
+          <a:xfrm>
+            <a:off x="450375" y="4309645"/>
+            <a:ext cx="113664" cy="200660"/>
+          </a:xfrm>
+          <a:prstGeom prst="rect">
+            <a:avLst/>
+          </a:prstGeom>
+        </p:spPr>
+        <p:txBody>
+          <a:bodyPr vert="horz" wrap="square" lIns="0" tIns="12700" rIns="0" bIns="0" rtlCol="0">
+            <a:spAutoFit/>
+          </a:bodyPr>
+          <a:lstStyle/>
+          <a:p>
+            <a:pPr marL="12700">
+              <a:lnSpc>
+                <a:spcPct val="100000"/>
+              </a:lnSpc>
+              <a:spcBef>
+                <a:spcPts val="100"/>
+              </a:spcBef>
+            </a:pPr>
+            <a:r>
+              <a:rPr sz="1150" b="1" dirty="0">
+                <a:latin typeface="Courier New"/>
+                <a:cs typeface="Courier New"/>
+              </a:rPr>
+              <a:t>}</a:t>
+            </a:r>
+            <a:endParaRPr sz="1150" dirty="0">
+              <a:latin typeface="Courier New"/>
+              <a:cs typeface="Courier New"/>
+            </a:endParaRPr>
+          </a:p>
+        </p:txBody>
+      </p:sp>
+      <p:grpSp>
+        <p:nvGrpSpPr>
+          <p:cNvPr id="12" name="object 9">
+            <a:extLst>
+              <a:ext uri="{FF2B5EF4-FFF2-40B4-BE49-F238E27FC236}">
+                <a16:creationId xmlns:a16="http://schemas.microsoft.com/office/drawing/2014/main" id="{920F9692-FCEC-6C4E-4560-8226AADFC1AA}"/>
+              </a:ext>
+            </a:extLst>
+          </p:cNvPr>
+          <p:cNvGrpSpPr/>
+          <p:nvPr/>
+        </p:nvGrpSpPr>
+        <p:grpSpPr>
+          <a:xfrm>
+            <a:off x="4639787" y="977262"/>
+            <a:ext cx="4266565" cy="3606800"/>
+            <a:chOff x="4639787" y="977262"/>
+            <a:chExt cx="4266565" cy="3606800"/>
+          </a:xfrm>
+        </p:grpSpPr>
+        <p:sp>
+          <p:nvSpPr>
+            <p:cNvPr id="16" name="object 10">
+              <a:extLst>
+                <a:ext uri="{FF2B5EF4-FFF2-40B4-BE49-F238E27FC236}">
+                  <a16:creationId xmlns:a16="http://schemas.microsoft.com/office/drawing/2014/main" id="{7BE83ED6-CE78-9FA4-D5D0-1DC388C7B333}"/>
+                </a:ext>
+              </a:extLst>
+            </p:cNvPr>
+            <p:cNvSpPr/>
+            <p:nvPr/>
+          </p:nvSpPr>
+          <p:spPr>
+            <a:xfrm>
+              <a:off x="4644549" y="982025"/>
+              <a:ext cx="4257040" cy="3597275"/>
+            </a:xfrm>
+            <a:custGeom>
+              <a:avLst/>
+              <a:gdLst/>
+              <a:ahLst/>
+              <a:cxnLst/>
+              <a:rect l="l" t="t" r="r" b="b"/>
+              <a:pathLst>
+                <a:path w="4257040" h="3597275">
+                  <a:moveTo>
+                    <a:pt x="4256699" y="3596699"/>
+                  </a:moveTo>
+                  <a:lnTo>
+                    <a:pt x="0" y="3596699"/>
+                  </a:lnTo>
+                  <a:lnTo>
+                    <a:pt x="0" y="0"/>
+                  </a:lnTo>
+                  <a:lnTo>
+                    <a:pt x="4256699" y="0"/>
+                  </a:lnTo>
+                  <a:lnTo>
+                    <a:pt x="4256699" y="3596699"/>
+                  </a:lnTo>
+                  <a:close/>
+                </a:path>
+              </a:pathLst>
+            </a:custGeom>
+            <a:solidFill>
+              <a:srgbClr val="FFFFFF"/>
+            </a:solidFill>
+          </p:spPr>
+          <p:txBody>
+            <a:bodyPr wrap="square" lIns="0" tIns="0" rIns="0" bIns="0" rtlCol="0"/>
+            <a:lstStyle/>
+            <a:p>
+              <a:endParaRPr dirty="0"/>
+            </a:p>
+          </p:txBody>
+        </p:sp>
+        <p:sp>
+          <p:nvSpPr>
+            <p:cNvPr id="17" name="object 11">
+              <a:extLst>
+                <a:ext uri="{FF2B5EF4-FFF2-40B4-BE49-F238E27FC236}">
+                  <a16:creationId xmlns:a16="http://schemas.microsoft.com/office/drawing/2014/main" id="{D37559C9-F6A6-E824-C0ED-A5262132EB0D}"/>
+                </a:ext>
+              </a:extLst>
+            </p:cNvPr>
+            <p:cNvSpPr/>
+            <p:nvPr/>
+          </p:nvSpPr>
+          <p:spPr>
+            <a:xfrm>
+              <a:off x="4644549" y="982025"/>
+              <a:ext cx="4257040" cy="3597275"/>
+            </a:xfrm>
+            <a:custGeom>
+              <a:avLst/>
+              <a:gdLst/>
+              <a:ahLst/>
+              <a:cxnLst/>
+              <a:rect l="l" t="t" r="r" b="b"/>
+              <a:pathLst>
+                <a:path w="4257040" h="3597275">
+                  <a:moveTo>
+                    <a:pt x="0" y="0"/>
+                  </a:moveTo>
+                  <a:lnTo>
+                    <a:pt x="4256699" y="0"/>
+                  </a:lnTo>
+                  <a:lnTo>
+                    <a:pt x="4256699" y="3596699"/>
+                  </a:lnTo>
+                  <a:lnTo>
+                    <a:pt x="0" y="3596699"/>
+                  </a:lnTo>
+                  <a:lnTo>
+                    <a:pt x="0" y="0"/>
+                  </a:lnTo>
+                  <a:close/>
+                </a:path>
+              </a:pathLst>
+            </a:custGeom>
+            <a:ln w="9524">
+              <a:solidFill>
+                <a:srgbClr val="000000"/>
+              </a:solidFill>
+            </a:ln>
+          </p:spPr>
+          <p:txBody>
+            <a:bodyPr wrap="square" lIns="0" tIns="0" rIns="0" bIns="0" rtlCol="0"/>
+            <a:lstStyle/>
+            <a:p>
+              <a:endParaRPr/>
+            </a:p>
+          </p:txBody>
+        </p:sp>
+      </p:grpSp>
+      <p:sp>
+        <p:nvSpPr>
+          <p:cNvPr id="20" name="object 5">
+            <a:extLst>
+              <a:ext uri="{FF2B5EF4-FFF2-40B4-BE49-F238E27FC236}">
+                <a16:creationId xmlns:a16="http://schemas.microsoft.com/office/drawing/2014/main" id="{12DA1F38-74AA-2DFD-DB3F-2DDCFC9DD905}"/>
+              </a:ext>
+            </a:extLst>
+          </p:cNvPr>
+          <p:cNvSpPr txBox="1"/>
+          <p:nvPr/>
+        </p:nvSpPr>
+        <p:spPr>
+          <a:xfrm>
+            <a:off x="4690110" y="1392126"/>
+            <a:ext cx="113664" cy="189796"/>
+          </a:xfrm>
+          <a:prstGeom prst="rect">
+            <a:avLst/>
+          </a:prstGeom>
+        </p:spPr>
+        <p:txBody>
+          <a:bodyPr vert="horz" wrap="square" lIns="0" tIns="12700" rIns="0" bIns="0" rtlCol="0">
+            <a:spAutoFit/>
+          </a:bodyPr>
+          <a:lstStyle/>
+          <a:p>
+            <a:pPr marL="12700">
+              <a:lnSpc>
+                <a:spcPct val="100000"/>
+              </a:lnSpc>
+              <a:spcBef>
+                <a:spcPts val="100"/>
+              </a:spcBef>
+            </a:pPr>
+            <a:r>
+              <a:rPr lang="fr-FR" sz="1150" b="1" dirty="0">
+                <a:latin typeface="Courier New"/>
+                <a:cs typeface="Courier New"/>
+              </a:rPr>
+              <a:t>[</a:t>
+            </a:r>
+            <a:endParaRPr sz="1150" dirty="0">
+              <a:latin typeface="Courier New"/>
+              <a:cs typeface="Courier New"/>
+            </a:endParaRPr>
+          </a:p>
+        </p:txBody>
+      </p:sp>
+      <p:sp>
+        <p:nvSpPr>
+          <p:cNvPr id="21" name="object 7">
+            <a:extLst>
+              <a:ext uri="{FF2B5EF4-FFF2-40B4-BE49-F238E27FC236}">
+                <a16:creationId xmlns:a16="http://schemas.microsoft.com/office/drawing/2014/main" id="{551A8458-3C2A-CA47-88D1-660A326BB836}"/>
+              </a:ext>
+            </a:extLst>
+          </p:cNvPr>
+          <p:cNvSpPr txBox="1"/>
+          <p:nvPr/>
+        </p:nvSpPr>
+        <p:spPr>
+          <a:xfrm>
+            <a:off x="4746942" y="3561579"/>
+            <a:ext cx="113664" cy="189796"/>
+          </a:xfrm>
+          <a:prstGeom prst="rect">
+            <a:avLst/>
+          </a:prstGeom>
+        </p:spPr>
+        <p:txBody>
+          <a:bodyPr vert="horz" wrap="square" lIns="0" tIns="12700" rIns="0" bIns="0" rtlCol="0">
+            <a:spAutoFit/>
+          </a:bodyPr>
+          <a:lstStyle/>
+          <a:p>
+            <a:pPr marL="12700">
+              <a:lnSpc>
+                <a:spcPct val="100000"/>
+              </a:lnSpc>
+              <a:spcBef>
+                <a:spcPts val="100"/>
+              </a:spcBef>
+            </a:pPr>
+            <a:r>
+              <a:rPr lang="fr-FR" sz="1150" b="1" dirty="0">
+                <a:latin typeface="Courier New"/>
+                <a:cs typeface="Courier New"/>
+              </a:rPr>
+              <a:t>]</a:t>
+            </a:r>
+            <a:endParaRPr sz="1150" dirty="0">
+              <a:latin typeface="Courier New"/>
+              <a:cs typeface="Courier New"/>
+            </a:endParaRPr>
+          </a:p>
+        </p:txBody>
+      </p:sp>
+      <p:sp>
+        <p:nvSpPr>
+          <p:cNvPr id="23" name="object 6">
+            <a:extLst>
+              <a:ext uri="{FF2B5EF4-FFF2-40B4-BE49-F238E27FC236}">
+                <a16:creationId xmlns:a16="http://schemas.microsoft.com/office/drawing/2014/main" id="{019F495E-E4C2-D281-38CF-6935F8FB78B0}"/>
+              </a:ext>
+            </a:extLst>
+          </p:cNvPr>
+          <p:cNvSpPr txBox="1"/>
+          <p:nvPr/>
+        </p:nvSpPr>
+        <p:spPr>
+          <a:xfrm>
+            <a:off x="5030628" y="1700720"/>
+            <a:ext cx="3220561" cy="1409873"/>
+          </a:xfrm>
+          <a:prstGeom prst="rect">
+            <a:avLst/>
+          </a:prstGeom>
+        </p:spPr>
+        <p:txBody>
+          <a:bodyPr vert="horz" wrap="square" lIns="0" tIns="12700" rIns="0" bIns="0" rtlCol="0">
+            <a:spAutoFit/>
+          </a:bodyPr>
+          <a:lstStyle/>
+          <a:p>
+            <a:pPr marL="12700" marR="355600">
+              <a:lnSpc>
+                <a:spcPct val="135900"/>
+              </a:lnSpc>
+              <a:spcBef>
+                <a:spcPts val="100"/>
+              </a:spcBef>
+            </a:pPr>
+            <a:r>
+              <a:rPr lang="fr-FR" sz="900" b="1" spc="-40" dirty="0">
+                <a:solidFill>
+                  <a:srgbClr val="0000FF"/>
+                </a:solidFill>
+                <a:latin typeface="Courier New"/>
+                <a:cs typeface="Courier New"/>
+              </a:rPr>
+              <a:t>{</a:t>
+            </a:r>
+          </a:p>
+          <a:p>
+            <a:pPr marL="12700" marR="355600">
+              <a:lnSpc>
+                <a:spcPct val="135900"/>
+              </a:lnSpc>
+              <a:spcBef>
+                <a:spcPts val="100"/>
+              </a:spcBef>
+            </a:pPr>
+            <a:r>
+              <a:rPr lang="fr-FR" sz="900" dirty="0">
+                <a:latin typeface="Courier New"/>
+                <a:cs typeface="Courier New"/>
+              </a:rPr>
+              <a:t>  </a:t>
+            </a:r>
+            <a:r>
+              <a:rPr lang="fr-FR" sz="900" b="1" spc="-5" dirty="0">
+                <a:solidFill>
+                  <a:srgbClr val="A31414"/>
+                </a:solidFill>
+                <a:latin typeface="Courier New"/>
+                <a:cs typeface="Courier New"/>
+              </a:rPr>
+              <a:t>"label"</a:t>
+            </a:r>
+            <a:r>
+              <a:rPr lang="fr-FR" sz="900" b="1" spc="-5" dirty="0">
+                <a:solidFill>
+                  <a:srgbClr val="0000FF"/>
+                </a:solidFill>
+                <a:latin typeface="Courier New"/>
+                <a:cs typeface="Courier New"/>
+              </a:rPr>
+              <a:t>: </a:t>
+            </a:r>
+            <a:r>
+              <a:rPr lang="fr-FR" sz="900" b="1" spc="-5" dirty="0">
+                <a:solidFill>
+                  <a:srgbClr val="A31414"/>
+                </a:solidFill>
+                <a:latin typeface="Courier New"/>
+                <a:cs typeface="Courier New"/>
+              </a:rPr>
+              <a:t>"</a:t>
+            </a:r>
+            <a:r>
+              <a:rPr lang="fr-FR" sz="900" b="1" spc="-5" dirty="0" err="1">
+                <a:solidFill>
+                  <a:srgbClr val="A31414"/>
+                </a:solidFill>
+                <a:latin typeface="Courier New"/>
+                <a:cs typeface="Courier New"/>
+              </a:rPr>
+              <a:t>pariatur</a:t>
+            </a:r>
+            <a:r>
+              <a:rPr lang="fr-FR" sz="900" b="1" spc="-5" dirty="0">
+                <a:solidFill>
+                  <a:srgbClr val="A31414"/>
+                </a:solidFill>
+                <a:latin typeface="Courier New"/>
+                <a:cs typeface="Courier New"/>
+              </a:rPr>
+              <a:t>"</a:t>
+            </a:r>
+          </a:p>
+          <a:p>
+            <a:pPr marL="12700" marR="355600">
+              <a:lnSpc>
+                <a:spcPct val="135900"/>
+              </a:lnSpc>
+              <a:spcBef>
+                <a:spcPts val="100"/>
+              </a:spcBef>
+            </a:pPr>
+            <a:r>
+              <a:rPr lang="fr-FR" sz="900" b="1" spc="-40" dirty="0">
+                <a:solidFill>
+                  <a:srgbClr val="0000FF"/>
+                </a:solidFill>
+                <a:latin typeface="Courier New"/>
+                <a:cs typeface="Courier New"/>
+              </a:rPr>
+              <a:t>}</a:t>
+            </a:r>
+            <a:r>
+              <a:rPr lang="fr-FR" sz="900" b="1" spc="-5" dirty="0">
+                <a:latin typeface="Courier New"/>
+                <a:cs typeface="Courier New"/>
+              </a:rPr>
+              <a:t>,</a:t>
+            </a:r>
+          </a:p>
+          <a:p>
+            <a:pPr marL="12700" marR="355600">
+              <a:lnSpc>
+                <a:spcPct val="135900"/>
+              </a:lnSpc>
+              <a:spcBef>
+                <a:spcPts val="100"/>
+              </a:spcBef>
+            </a:pPr>
+            <a:r>
+              <a:rPr lang="fr-FR" sz="900" b="1" spc="-40" dirty="0">
+                <a:solidFill>
+                  <a:srgbClr val="0000FF"/>
+                </a:solidFill>
+                <a:latin typeface="Courier New"/>
+                <a:cs typeface="Courier New"/>
+              </a:rPr>
+              <a:t>{</a:t>
+            </a:r>
+          </a:p>
+          <a:p>
+            <a:pPr marL="12700" marR="355600">
+              <a:lnSpc>
+                <a:spcPct val="135900"/>
+              </a:lnSpc>
+              <a:spcBef>
+                <a:spcPts val="100"/>
+              </a:spcBef>
+            </a:pPr>
+            <a:r>
+              <a:rPr lang="fr-FR" sz="900" dirty="0">
+                <a:latin typeface="Courier New"/>
+                <a:cs typeface="Courier New"/>
+              </a:rPr>
+              <a:t>  </a:t>
+            </a:r>
+            <a:r>
+              <a:rPr lang="fr-FR" sz="900" b="1" spc="-5" dirty="0">
+                <a:solidFill>
+                  <a:srgbClr val="A31414"/>
+                </a:solidFill>
+                <a:latin typeface="Courier New"/>
+                <a:cs typeface="Courier New"/>
+              </a:rPr>
+              <a:t>"label"</a:t>
+            </a:r>
+            <a:r>
+              <a:rPr lang="fr-FR" sz="900" b="1" spc="-5" dirty="0">
+                <a:solidFill>
+                  <a:srgbClr val="0000FF"/>
+                </a:solidFill>
+                <a:latin typeface="Courier New"/>
+                <a:cs typeface="Courier New"/>
+              </a:rPr>
+              <a:t>:</a:t>
+            </a:r>
+            <a:r>
+              <a:rPr lang="fr-FR" sz="900" b="1" spc="-5" dirty="0">
+                <a:solidFill>
+                  <a:srgbClr val="A31414"/>
+                </a:solidFill>
+                <a:latin typeface="Courier New"/>
+                <a:cs typeface="Courier New"/>
+              </a:rPr>
+              <a:t> "</a:t>
+            </a:r>
+            <a:r>
+              <a:rPr lang="fr-FR" sz="900" b="1" spc="-5" dirty="0" err="1">
+                <a:solidFill>
+                  <a:srgbClr val="A31414"/>
+                </a:solidFill>
+                <a:latin typeface="Courier New"/>
+                <a:cs typeface="Courier New"/>
+              </a:rPr>
+              <a:t>dolor</a:t>
+            </a:r>
+            <a:r>
+              <a:rPr lang="fr-FR" sz="900" b="1" spc="-5" dirty="0">
+                <a:solidFill>
+                  <a:srgbClr val="A31414"/>
+                </a:solidFill>
+                <a:latin typeface="Courier New"/>
+                <a:cs typeface="Courier New"/>
+              </a:rPr>
+              <a:t> </a:t>
+            </a:r>
+            <a:r>
+              <a:rPr lang="fr-FR" sz="900" b="1" spc="-5" dirty="0" err="1">
+                <a:solidFill>
+                  <a:srgbClr val="A31414"/>
+                </a:solidFill>
+                <a:latin typeface="Courier New"/>
+                <a:cs typeface="Courier New"/>
+              </a:rPr>
+              <a:t>irure</a:t>
+            </a:r>
+            <a:r>
+              <a:rPr lang="fr-FR" sz="900" b="1" spc="-5" dirty="0">
+                <a:solidFill>
+                  <a:srgbClr val="A31414"/>
+                </a:solidFill>
+                <a:latin typeface="Courier New"/>
+                <a:cs typeface="Courier New"/>
+              </a:rPr>
+              <a:t>« </a:t>
+            </a:r>
+          </a:p>
+          <a:p>
+            <a:pPr marL="12700" marR="355600">
+              <a:lnSpc>
+                <a:spcPct val="135900"/>
+              </a:lnSpc>
+              <a:spcBef>
+                <a:spcPts val="100"/>
+              </a:spcBef>
+            </a:pPr>
+            <a:r>
+              <a:rPr lang="fr-FR" sz="900" b="1" spc="-40" dirty="0">
+                <a:solidFill>
+                  <a:srgbClr val="0000FF"/>
+                </a:solidFill>
+                <a:latin typeface="Courier New"/>
+                <a:cs typeface="Courier New"/>
+              </a:rPr>
+              <a:t>}</a:t>
+            </a:r>
+          </a:p>
+          <a:p>
+            <a:pPr marL="12700">
+              <a:lnSpc>
+                <a:spcPct val="100000"/>
+              </a:lnSpc>
+              <a:spcBef>
+                <a:spcPts val="495"/>
+              </a:spcBef>
+            </a:pPr>
+            <a:endParaRPr lang="fr-FR" sz="900" b="1" spc="-40" dirty="0">
+              <a:solidFill>
+                <a:srgbClr val="0000FF"/>
+              </a:solidFill>
+              <a:latin typeface="Courier New"/>
+              <a:cs typeface="Courier New"/>
+            </a:endParaRPr>
+          </a:p>
+        </p:txBody>
+      </p:sp>
+      <p:pic>
+        <p:nvPicPr>
+          <p:cNvPr id="6" name="object 17">
+            <a:extLst>
+              <a:ext uri="{FF2B5EF4-FFF2-40B4-BE49-F238E27FC236}">
+                <a16:creationId xmlns:a16="http://schemas.microsoft.com/office/drawing/2014/main" id="{879B311C-AD9C-931E-53D7-2E5E1596B2B8}"/>
+              </a:ext>
+            </a:extLst>
+          </p:cNvPr>
+          <p:cNvPicPr/>
+          <p:nvPr/>
+        </p:nvPicPr>
+        <p:blipFill>
+          <a:blip r:embed="rId3" cstate="print"/>
+          <a:stretch>
+            <a:fillRect/>
+          </a:stretch>
+        </p:blipFill>
+        <p:spPr>
+          <a:xfrm>
+            <a:off x="8391350" y="1057100"/>
+            <a:ext cx="428798" cy="428799"/>
+          </a:xfrm>
+          <a:prstGeom prst="rect">
+            <a:avLst/>
+          </a:prstGeom>
+        </p:spPr>
+      </p:pic>
+    </p:spTree>
+    <p:extLst>
+      <p:ext uri="{BB962C8B-B14F-4D97-AF65-F5344CB8AC3E}">
+        <p14:creationId xmlns:p14="http://schemas.microsoft.com/office/powerpoint/2010/main" val="1538397215"/>
+      </p:ext>
+    </p:extLst>
+  </p:cSld>
+  <p:clrMapOvr>
+    <a:masterClrMapping/>
+  </p:clrMapOvr>
+  <p:timing>
+    <p:tnLst>
+      <p:par>
+        <p:cTn id="1" dur="indefinite" restart="never" nodeType="tmRoot">
+          <p:childTnLst>
+            <p:seq concurrent="1" nextAc="seek">
+              <p:cTn id="2" dur="indefinite" nodeType="mainSeq">
+                <p:childTnLst>
+                  <p:par>
+                    <p:cTn id="3" fill="hold">
+                      <p:stCondLst>
+                        <p:cond delay="indefinite"/>
+                        <p:cond evt="onBegin" delay="0">
+                          <p:tn val="2"/>
+                        </p:cond>
+                      </p:stCondLst>
+                      <p:childTnLst>
+                        <p:par>
+                          <p:cTn id="4" fill="hold">
+                            <p:stCondLst>
+                              <p:cond delay="0"/>
+                            </p:stCondLst>
+                            <p:childTnLst>
+                              <p:par>
+                                <p:cTn id="5" presetID="10" presetClass="entr" presetSubtype="0" fill="hold" grpId="0" nodeType="withEffect">
+                                  <p:stCondLst>
+                                    <p:cond delay="0"/>
+                                  </p:stCondLst>
+                                  <p:childTnLst>
+                                    <p:set>
+                                      <p:cBhvr>
+                                        <p:cTn id="6" dur="1" fill="hold">
+                                          <p:stCondLst>
+                                            <p:cond delay="0"/>
+                                          </p:stCondLst>
+                                        </p:cTn>
+                                        <p:tgtEl>
+                                          <p:spTgt spid="13"/>
+                                        </p:tgtEl>
+                                        <p:attrNameLst>
+                                          <p:attrName>style.visibility</p:attrName>
+                                        </p:attrNameLst>
+                                      </p:cBhvr>
+                                      <p:to>
+                                        <p:strVal val="visible"/>
+                                      </p:to>
+                                    </p:set>
+                                    <p:animEffect transition="in" filter="fade">
+                                      <p:cBhvr>
+                                        <p:cTn id="7" dur="500"/>
+                                        <p:tgtEl>
+                                          <p:spTgt spid="13"/>
+                                        </p:tgtEl>
+                                      </p:cBhvr>
+                                    </p:animEffect>
+                                  </p:childTnLst>
+                                </p:cTn>
+                              </p:par>
+                              <p:par>
+                                <p:cTn id="8" presetID="10" presetClass="entr" presetSubtype="0" fill="hold" grpId="0" nodeType="withEffect">
+                                  <p:stCondLst>
+                                    <p:cond delay="0"/>
+                                  </p:stCondLst>
+                                  <p:childTnLst>
+                                    <p:set>
+                                      <p:cBhvr>
+                                        <p:cTn id="9" dur="1" fill="hold">
+                                          <p:stCondLst>
+                                            <p:cond delay="0"/>
+                                          </p:stCondLst>
+                                        </p:cTn>
+                                        <p:tgtEl>
+                                          <p:spTgt spid="15"/>
+                                        </p:tgtEl>
+                                        <p:attrNameLst>
+                                          <p:attrName>style.visibility</p:attrName>
+                                        </p:attrNameLst>
+                                      </p:cBhvr>
+                                      <p:to>
+                                        <p:strVal val="visible"/>
+                                      </p:to>
+                                    </p:set>
+                                    <p:animEffect transition="in" filter="fade">
+                                      <p:cBhvr>
+                                        <p:cTn id="10" dur="500"/>
+                                        <p:tgtEl>
+                                          <p:spTgt spid="15"/>
+                                        </p:tgtEl>
+                                      </p:cBhvr>
+                                    </p:animEffect>
+                                  </p:childTnLst>
+                                </p:cTn>
+                              </p:par>
+                            </p:childTnLst>
+                          </p:cTn>
+                        </p:par>
+                      </p:childTnLst>
+                    </p:cTn>
+                  </p:par>
+                </p:childTnLst>
+              </p:cTn>
+              <p:prevCondLst>
+                <p:cond evt="onPrev" delay="0">
+                  <p:tgtEl>
+                    <p:sldTgt/>
+                  </p:tgtEl>
+                </p:cond>
+              </p:prevCondLst>
+              <p:nextCondLst>
+                <p:cond evt="onNext" delay="0">
+                  <p:tgtEl>
+                    <p:sldTgt/>
+                  </p:tgtEl>
+                </p:cond>
+              </p:nextCondLst>
+            </p:seq>
+          </p:childTnLst>
+        </p:cTn>
+      </p:par>
+    </p:tnLst>
+    <p:bldLst>
+      <p:bldP spid="13" grpId="0"/>
+      <p:bldP spid="15" grpId="0"/>
+    </p:bldLst>
+  </p:timing>
+</p:sld>
+</file>
+
+<file path=ppt/slides/slide28.xml><?xml version="1.0" encoding="utf-8"?>
+<p:sld xmlns:a="http://schemas.openxmlformats.org/drawingml/2006/main" xmlns:r="http://schemas.openxmlformats.org/officeDocument/2006/relationships" xmlns:p="http://schemas.openxmlformats.org/presentationml/2006/main">
+  <p:cSld>
+    <p:spTree>
+      <p:nvGrpSpPr>
+        <p:cNvPr id="1" name="Shape 221"/>
+        <p:cNvGrpSpPr/>
+        <p:nvPr/>
+      </p:nvGrpSpPr>
+      <p:grpSpPr>
+        <a:xfrm>
+          <a:off x="0" y="0"/>
+          <a:ext cx="0" cy="0"/>
+          <a:chOff x="0" y="0"/>
+          <a:chExt cx="0" cy="0"/>
+        </a:xfrm>
+      </p:grpSpPr>
+      <p:sp>
+        <p:nvSpPr>
+          <p:cNvPr id="14" name="ZoneTexte 13"/>
+          <p:cNvSpPr txBox="1"/>
+          <p:nvPr/>
+        </p:nvSpPr>
+        <p:spPr>
+          <a:xfrm>
+            <a:off x="241300" y="63500"/>
+            <a:ext cx="5793574" cy="523220"/>
+          </a:xfrm>
+          <a:prstGeom prst="rect">
+            <a:avLst/>
+          </a:prstGeom>
+          <a:noFill/>
+        </p:spPr>
+        <p:txBody>
+          <a:bodyPr wrap="none" rtlCol="0">
+            <a:spAutoFit/>
+          </a:bodyPr>
+          <a:lstStyle/>
+          <a:p>
+            <a:r>
+              <a:rPr lang="fr-FR" sz="2800" dirty="0">
+                <a:latin typeface="Times New Roman" panose="02020603050405020304" pitchFamily="18" charset="0"/>
+                <a:cs typeface="Times New Roman" panose="02020603050405020304" pitchFamily="18" charset="0"/>
+              </a:rPr>
+              <a:t>JSON </a:t>
+            </a:r>
+            <a:r>
+              <a:rPr lang="fr-FR" sz="2800" dirty="0" err="1">
+                <a:latin typeface="Times New Roman" panose="02020603050405020304" pitchFamily="18" charset="0"/>
+                <a:cs typeface="Times New Roman" panose="02020603050405020304" pitchFamily="18" charset="0"/>
+              </a:rPr>
+              <a:t>Schema</a:t>
+            </a:r>
+            <a:r>
+              <a:rPr lang="fr-FR" sz="2800" dirty="0">
+                <a:latin typeface="Times New Roman" panose="02020603050405020304" pitchFamily="18" charset="0"/>
+                <a:cs typeface="Times New Roman" panose="02020603050405020304" pitchFamily="18" charset="0"/>
+              </a:rPr>
+              <a:t> : Exemple de réparation</a:t>
+            </a:r>
+          </a:p>
+        </p:txBody>
+      </p:sp>
+      <p:sp>
+        <p:nvSpPr>
+          <p:cNvPr id="13" name="Rectangle 12">
+            <a:extLst>
+              <a:ext uri="{FF2B5EF4-FFF2-40B4-BE49-F238E27FC236}">
+                <a16:creationId xmlns:a16="http://schemas.microsoft.com/office/drawing/2014/main" id="{51564237-ADA5-F6B9-EB8F-E4A16E3DE522}"/>
+              </a:ext>
+            </a:extLst>
+          </p:cNvPr>
+          <p:cNvSpPr/>
+          <p:nvPr/>
+        </p:nvSpPr>
+        <p:spPr>
+          <a:xfrm>
+            <a:off x="1914834" y="4579299"/>
+            <a:ext cx="782587" cy="307777"/>
+          </a:xfrm>
+          <a:prstGeom prst="rect">
+            <a:avLst/>
+          </a:prstGeom>
+        </p:spPr>
+        <p:txBody>
+          <a:bodyPr wrap="none">
+            <a:spAutoFit/>
+          </a:bodyPr>
+          <a:lstStyle/>
+          <a:p>
+            <a:r>
+              <a:rPr lang="fr-FR" b="1" dirty="0">
+                <a:latin typeface="Times New Roman" panose="02020603050405020304" pitchFamily="18" charset="0"/>
+                <a:cs typeface="Times New Roman" panose="02020603050405020304" pitchFamily="18" charset="0"/>
+              </a:rPr>
+              <a:t>Schéma</a:t>
+            </a:r>
+          </a:p>
+        </p:txBody>
+      </p:sp>
+      <p:sp>
+        <p:nvSpPr>
+          <p:cNvPr id="15" name="Rectangle 14">
+            <a:extLst>
+              <a:ext uri="{FF2B5EF4-FFF2-40B4-BE49-F238E27FC236}">
+                <a16:creationId xmlns:a16="http://schemas.microsoft.com/office/drawing/2014/main" id="{9AD662CB-E75A-1F36-5CFB-1A9D0F8BF26C}"/>
+              </a:ext>
+            </a:extLst>
+          </p:cNvPr>
+          <p:cNvSpPr/>
+          <p:nvPr/>
+        </p:nvSpPr>
+        <p:spPr>
+          <a:xfrm>
+            <a:off x="6319943" y="4579299"/>
+            <a:ext cx="833883" cy="307777"/>
+          </a:xfrm>
+          <a:prstGeom prst="rect">
+            <a:avLst/>
+          </a:prstGeom>
+        </p:spPr>
+        <p:txBody>
+          <a:bodyPr wrap="none">
+            <a:spAutoFit/>
+          </a:bodyPr>
+          <a:lstStyle/>
+          <a:p>
+            <a:r>
+              <a:rPr lang="fr-FR" b="1" dirty="0">
+                <a:latin typeface="Times New Roman" panose="02020603050405020304" pitchFamily="18" charset="0"/>
+                <a:cs typeface="Times New Roman" panose="02020603050405020304" pitchFamily="18" charset="0"/>
+              </a:rPr>
+              <a:t>Instance</a:t>
+            </a:r>
+          </a:p>
+        </p:txBody>
+      </p:sp>
+      <p:grpSp>
+        <p:nvGrpSpPr>
+          <p:cNvPr id="2" name="object 2">
+            <a:extLst>
+              <a:ext uri="{FF2B5EF4-FFF2-40B4-BE49-F238E27FC236}">
+                <a16:creationId xmlns:a16="http://schemas.microsoft.com/office/drawing/2014/main" id="{7B361841-3B5D-2560-F8BA-B75B1E164076}"/>
+              </a:ext>
+            </a:extLst>
+          </p:cNvPr>
+          <p:cNvGrpSpPr/>
+          <p:nvPr/>
+        </p:nvGrpSpPr>
+        <p:grpSpPr>
+          <a:xfrm>
+            <a:off x="377984" y="975895"/>
+            <a:ext cx="4266565" cy="3606800"/>
+            <a:chOff x="372587" y="977262"/>
+            <a:chExt cx="4266565" cy="3606800"/>
+          </a:xfrm>
+        </p:grpSpPr>
+        <p:sp>
+          <p:nvSpPr>
+            <p:cNvPr id="4" name="object 3">
+              <a:extLst>
+                <a:ext uri="{FF2B5EF4-FFF2-40B4-BE49-F238E27FC236}">
+                  <a16:creationId xmlns:a16="http://schemas.microsoft.com/office/drawing/2014/main" id="{CDBF7E3D-D6C2-6D09-739F-27D18B303A38}"/>
+                </a:ext>
+              </a:extLst>
+            </p:cNvPr>
+            <p:cNvSpPr/>
+            <p:nvPr/>
+          </p:nvSpPr>
+          <p:spPr>
+            <a:xfrm>
+              <a:off x="377350" y="982025"/>
+              <a:ext cx="4257040" cy="3597275"/>
+            </a:xfrm>
+            <a:custGeom>
+              <a:avLst/>
+              <a:gdLst/>
+              <a:ahLst/>
+              <a:cxnLst/>
+              <a:rect l="l" t="t" r="r" b="b"/>
+              <a:pathLst>
+                <a:path w="4257040" h="3597275">
+                  <a:moveTo>
+                    <a:pt x="4256699" y="3596699"/>
+                  </a:moveTo>
+                  <a:lnTo>
+                    <a:pt x="0" y="3596699"/>
+                  </a:lnTo>
+                  <a:lnTo>
+                    <a:pt x="0" y="0"/>
+                  </a:lnTo>
+                  <a:lnTo>
+                    <a:pt x="4256699" y="0"/>
+                  </a:lnTo>
+                  <a:lnTo>
+                    <a:pt x="4256699" y="3596699"/>
+                  </a:lnTo>
+                  <a:close/>
+                </a:path>
+              </a:pathLst>
+            </a:custGeom>
+            <a:solidFill>
+              <a:srgbClr val="FFFFFF"/>
+            </a:solidFill>
+          </p:spPr>
+          <p:txBody>
+            <a:bodyPr wrap="square" lIns="0" tIns="0" rIns="0" bIns="0" rtlCol="0"/>
+            <a:lstStyle/>
+            <a:p>
+              <a:endParaRPr dirty="0"/>
+            </a:p>
+          </p:txBody>
+        </p:sp>
+        <p:sp>
+          <p:nvSpPr>
+            <p:cNvPr id="5" name="object 4">
+              <a:extLst>
+                <a:ext uri="{FF2B5EF4-FFF2-40B4-BE49-F238E27FC236}">
+                  <a16:creationId xmlns:a16="http://schemas.microsoft.com/office/drawing/2014/main" id="{BAA67E74-4A01-2144-0DBE-C1D586D84B00}"/>
+                </a:ext>
+              </a:extLst>
+            </p:cNvPr>
+            <p:cNvSpPr/>
+            <p:nvPr/>
+          </p:nvSpPr>
+          <p:spPr>
+            <a:xfrm>
+              <a:off x="377350" y="982025"/>
+              <a:ext cx="4257040" cy="3597275"/>
+            </a:xfrm>
+            <a:custGeom>
+              <a:avLst/>
+              <a:gdLst/>
+              <a:ahLst/>
+              <a:cxnLst/>
+              <a:rect l="l" t="t" r="r" b="b"/>
+              <a:pathLst>
+                <a:path w="4257040" h="3597275">
+                  <a:moveTo>
+                    <a:pt x="0" y="0"/>
+                  </a:moveTo>
+                  <a:lnTo>
+                    <a:pt x="4256699" y="0"/>
+                  </a:lnTo>
+                  <a:lnTo>
+                    <a:pt x="4256699" y="3596699"/>
+                  </a:lnTo>
+                  <a:lnTo>
+                    <a:pt x="0" y="3596699"/>
+                  </a:lnTo>
+                  <a:lnTo>
+                    <a:pt x="0" y="0"/>
+                  </a:lnTo>
+                  <a:close/>
+                </a:path>
+              </a:pathLst>
+            </a:custGeom>
+            <a:ln w="9524">
+              <a:solidFill>
+                <a:srgbClr val="000000"/>
+              </a:solidFill>
+            </a:ln>
+          </p:spPr>
+          <p:txBody>
+            <a:bodyPr wrap="square" lIns="0" tIns="0" rIns="0" bIns="0" rtlCol="0"/>
+            <a:lstStyle/>
+            <a:p>
+              <a:endParaRPr/>
+            </a:p>
+          </p:txBody>
+        </p:sp>
+      </p:grpSp>
+      <p:sp>
+        <p:nvSpPr>
+          <p:cNvPr id="7" name="object 5">
+            <a:extLst>
+              <a:ext uri="{FF2B5EF4-FFF2-40B4-BE49-F238E27FC236}">
+                <a16:creationId xmlns:a16="http://schemas.microsoft.com/office/drawing/2014/main" id="{27BD6072-E702-8F1E-BD5C-0863CEE33C51}"/>
+              </a:ext>
+            </a:extLst>
+          </p:cNvPr>
+          <p:cNvSpPr txBox="1"/>
+          <p:nvPr/>
+        </p:nvSpPr>
+        <p:spPr>
+          <a:xfrm>
+            <a:off x="450375" y="975895"/>
+            <a:ext cx="113664" cy="200660"/>
+          </a:xfrm>
+          <a:prstGeom prst="rect">
+            <a:avLst/>
+          </a:prstGeom>
+        </p:spPr>
+        <p:txBody>
+          <a:bodyPr vert="horz" wrap="square" lIns="0" tIns="12700" rIns="0" bIns="0" rtlCol="0">
+            <a:spAutoFit/>
+          </a:bodyPr>
+          <a:lstStyle/>
+          <a:p>
+            <a:pPr marL="12700">
+              <a:lnSpc>
+                <a:spcPct val="100000"/>
+              </a:lnSpc>
+              <a:spcBef>
+                <a:spcPts val="100"/>
+              </a:spcBef>
+            </a:pPr>
+            <a:r>
+              <a:rPr sz="1150" b="1" dirty="0">
+                <a:latin typeface="Courier New"/>
+                <a:cs typeface="Courier New"/>
+              </a:rPr>
+              <a:t>{</a:t>
+            </a:r>
+            <a:endParaRPr sz="1150" dirty="0">
+              <a:latin typeface="Courier New"/>
+              <a:cs typeface="Courier New"/>
+            </a:endParaRPr>
+          </a:p>
+        </p:txBody>
+      </p:sp>
+      <p:sp>
+        <p:nvSpPr>
+          <p:cNvPr id="9" name="object 6">
+            <a:extLst>
+              <a:ext uri="{FF2B5EF4-FFF2-40B4-BE49-F238E27FC236}">
+                <a16:creationId xmlns:a16="http://schemas.microsoft.com/office/drawing/2014/main" id="{D78D66A7-B006-5F88-C314-C33F6832623C}"/>
+              </a:ext>
+            </a:extLst>
+          </p:cNvPr>
+          <p:cNvSpPr txBox="1"/>
+          <p:nvPr/>
+        </p:nvSpPr>
+        <p:spPr>
+          <a:xfrm>
+            <a:off x="564038" y="1192885"/>
+            <a:ext cx="3220561" cy="3236271"/>
+          </a:xfrm>
+          <a:prstGeom prst="rect">
+            <a:avLst/>
+          </a:prstGeom>
+        </p:spPr>
+        <p:txBody>
+          <a:bodyPr vert="horz" wrap="square" lIns="0" tIns="12700" rIns="0" bIns="0" rtlCol="0">
+            <a:spAutoFit/>
+          </a:bodyPr>
+          <a:lstStyle/>
+          <a:p>
+            <a:pPr marL="12700" marR="355600">
+              <a:lnSpc>
+                <a:spcPct val="135900"/>
+              </a:lnSpc>
+              <a:spcBef>
+                <a:spcPts val="100"/>
+              </a:spcBef>
+            </a:pPr>
+            <a:r>
+              <a:rPr sz="900" b="1" spc="-5" dirty="0">
+                <a:solidFill>
+                  <a:srgbClr val="A31414"/>
+                </a:solidFill>
+                <a:latin typeface="Courier New"/>
+                <a:cs typeface="Courier New"/>
+              </a:rPr>
+              <a:t>"type"</a:t>
+            </a:r>
+            <a:r>
+              <a:rPr sz="900" b="1" spc="-5" dirty="0">
+                <a:solidFill>
+                  <a:srgbClr val="0000FF"/>
+                </a:solidFill>
+                <a:latin typeface="Courier New"/>
+                <a:cs typeface="Courier New"/>
+              </a:rPr>
+              <a:t>:</a:t>
+            </a:r>
+            <a:r>
+              <a:rPr sz="900" b="1" spc="-90" dirty="0">
+                <a:solidFill>
+                  <a:srgbClr val="0000FF"/>
+                </a:solidFill>
+                <a:latin typeface="Courier New"/>
+                <a:cs typeface="Courier New"/>
+              </a:rPr>
+              <a:t> </a:t>
+            </a:r>
+            <a:r>
+              <a:rPr sz="900" b="1" spc="-5" dirty="0">
+                <a:solidFill>
+                  <a:srgbClr val="A31414"/>
+                </a:solidFill>
+                <a:latin typeface="Courier New"/>
+                <a:cs typeface="Courier New"/>
+              </a:rPr>
+              <a:t>"</a:t>
+            </a:r>
+            <a:r>
+              <a:rPr lang="fr-FR" sz="900" b="1" spc="-5" dirty="0" err="1">
+                <a:solidFill>
+                  <a:srgbClr val="A31414"/>
+                </a:solidFill>
+                <a:latin typeface="Courier New"/>
+                <a:cs typeface="Courier New"/>
+              </a:rPr>
+              <a:t>array</a:t>
+            </a:r>
+            <a:r>
+              <a:rPr sz="900" b="1" spc="-5" dirty="0">
+                <a:solidFill>
+                  <a:srgbClr val="A31414"/>
+                </a:solidFill>
+                <a:latin typeface="Courier New"/>
+                <a:cs typeface="Courier New"/>
+              </a:rPr>
+              <a:t>"</a:t>
+            </a:r>
+            <a:r>
+              <a:rPr sz="900" b="1" spc="-5" dirty="0">
+                <a:latin typeface="Courier New"/>
+                <a:cs typeface="Courier New"/>
+              </a:rPr>
+              <a:t>, </a:t>
+            </a:r>
+            <a:endParaRPr lang="fr-FR" sz="900" b="1" spc="-5" dirty="0">
+              <a:latin typeface="Courier New"/>
+              <a:cs typeface="Courier New"/>
+            </a:endParaRPr>
+          </a:p>
+          <a:p>
+            <a:pPr marL="12700" marR="355600">
+              <a:lnSpc>
+                <a:spcPct val="135900"/>
+              </a:lnSpc>
+              <a:spcBef>
+                <a:spcPts val="100"/>
+              </a:spcBef>
+            </a:pPr>
+            <a:r>
+              <a:rPr sz="900" b="1" spc="-675" dirty="0">
+                <a:latin typeface="Courier New"/>
+                <a:cs typeface="Courier New"/>
+              </a:rPr>
+              <a:t> </a:t>
+            </a:r>
+            <a:r>
+              <a:rPr sz="900" b="1" spc="-5" dirty="0">
+                <a:solidFill>
+                  <a:srgbClr val="A31414"/>
+                </a:solidFill>
+                <a:latin typeface="Courier New"/>
+                <a:cs typeface="Courier New"/>
+              </a:rPr>
+              <a:t>"</a:t>
+            </a:r>
+            <a:r>
+              <a:rPr lang="fr-FR" sz="900" b="1" spc="-5" dirty="0">
+                <a:solidFill>
+                  <a:srgbClr val="A31414"/>
+                </a:solidFill>
+                <a:latin typeface="Courier New"/>
+                <a:cs typeface="Courier New"/>
+              </a:rPr>
+              <a:t>items</a:t>
+            </a:r>
+            <a:r>
+              <a:rPr sz="900" b="1" spc="-5" dirty="0">
+                <a:solidFill>
+                  <a:srgbClr val="A31414"/>
+                </a:solidFill>
+                <a:latin typeface="Courier New"/>
+                <a:cs typeface="Courier New"/>
+              </a:rPr>
+              <a:t>"</a:t>
+            </a:r>
+            <a:r>
+              <a:rPr sz="900" b="1" spc="-5" dirty="0">
+                <a:solidFill>
+                  <a:srgbClr val="0000FF"/>
+                </a:solidFill>
+                <a:latin typeface="Courier New"/>
+                <a:cs typeface="Courier New"/>
+              </a:rPr>
+              <a:t>:</a:t>
+            </a:r>
+            <a:r>
+              <a:rPr sz="900" b="1" spc="-40" dirty="0">
+                <a:solidFill>
+                  <a:srgbClr val="0000FF"/>
+                </a:solidFill>
+                <a:latin typeface="Courier New"/>
+                <a:cs typeface="Courier New"/>
+              </a:rPr>
+              <a:t> </a:t>
+            </a:r>
+            <a:r>
+              <a:rPr lang="fr-FR" sz="900" b="1" spc="-40" dirty="0">
+                <a:solidFill>
+                  <a:srgbClr val="0000FF"/>
+                </a:solidFill>
+                <a:latin typeface="Courier New"/>
+                <a:cs typeface="Courier New"/>
+              </a:rPr>
+              <a:t>{</a:t>
+            </a:r>
+          </a:p>
+          <a:p>
+            <a:pPr marL="12700" marR="355600">
+              <a:lnSpc>
+                <a:spcPct val="135900"/>
+              </a:lnSpc>
+              <a:spcBef>
+                <a:spcPts val="100"/>
+              </a:spcBef>
+            </a:pPr>
+            <a:r>
+              <a:rPr lang="fr-FR" sz="900" dirty="0">
+                <a:latin typeface="Courier New"/>
+                <a:cs typeface="Courier New"/>
+              </a:rPr>
+              <a:t>  </a:t>
+            </a:r>
+            <a:r>
+              <a:rPr lang="fr-FR" sz="900" b="1" spc="-5" dirty="0">
+                <a:solidFill>
+                  <a:srgbClr val="A31414"/>
+                </a:solidFill>
+                <a:latin typeface="Courier New"/>
+                <a:cs typeface="Courier New"/>
+              </a:rPr>
+              <a:t>"</a:t>
+            </a:r>
+            <a:r>
+              <a:rPr lang="fr-FR" sz="900" b="1" spc="-5" dirty="0" err="1">
+                <a:solidFill>
+                  <a:srgbClr val="A31414"/>
+                </a:solidFill>
+                <a:latin typeface="Courier New"/>
+                <a:cs typeface="Courier New"/>
+              </a:rPr>
+              <a:t>oneOf</a:t>
+            </a:r>
+            <a:r>
+              <a:rPr lang="fr-FR" sz="900" b="1" spc="-5" dirty="0">
+                <a:solidFill>
+                  <a:srgbClr val="A31414"/>
+                </a:solidFill>
+                <a:latin typeface="Courier New"/>
+                <a:cs typeface="Courier New"/>
+              </a:rPr>
+              <a:t>"</a:t>
+            </a:r>
+            <a:r>
+              <a:rPr lang="fr-FR" sz="900" b="1" spc="-5" dirty="0">
+                <a:solidFill>
+                  <a:srgbClr val="0000FF"/>
+                </a:solidFill>
+                <a:latin typeface="Courier New"/>
+                <a:cs typeface="Courier New"/>
+              </a:rPr>
+              <a:t>: [</a:t>
+            </a:r>
+          </a:p>
+          <a:p>
+            <a:pPr marL="187325">
+              <a:lnSpc>
+                <a:spcPct val="100000"/>
+              </a:lnSpc>
+              <a:spcBef>
+                <a:spcPts val="495"/>
+              </a:spcBef>
+            </a:pPr>
+            <a:r>
+              <a:rPr lang="fr-FR" sz="900" b="1" dirty="0">
+                <a:latin typeface="Courier New"/>
+                <a:cs typeface="Courier New"/>
+              </a:rPr>
+              <a:t>  {</a:t>
+            </a:r>
+            <a:endParaRPr lang="fr-FR" sz="900" dirty="0">
+              <a:latin typeface="Courier New"/>
+              <a:cs typeface="Courier New"/>
+            </a:endParaRPr>
+          </a:p>
+          <a:p>
+            <a:pPr marL="362585">
+              <a:lnSpc>
+                <a:spcPct val="100000"/>
+              </a:lnSpc>
+              <a:spcBef>
+                <a:spcPts val="495"/>
+              </a:spcBef>
+            </a:pPr>
+            <a:r>
+              <a:rPr lang="fr-FR" sz="900" b="1" spc="-5" dirty="0">
+                <a:solidFill>
+                  <a:srgbClr val="A31414"/>
+                </a:solidFill>
+                <a:latin typeface="Courier New"/>
+                <a:cs typeface="Courier New"/>
+              </a:rPr>
+              <a:t>  "type"</a:t>
+            </a:r>
+            <a:r>
+              <a:rPr lang="fr-FR" sz="900" b="1" spc="-5" dirty="0">
+                <a:solidFill>
+                  <a:srgbClr val="0000FF"/>
+                </a:solidFill>
+                <a:latin typeface="Courier New"/>
+                <a:cs typeface="Courier New"/>
+              </a:rPr>
+              <a:t>:</a:t>
+            </a:r>
+            <a:r>
+              <a:rPr lang="fr-FR" sz="900" b="1" spc="-70" dirty="0">
+                <a:solidFill>
+                  <a:srgbClr val="0000FF"/>
+                </a:solidFill>
+                <a:latin typeface="Courier New"/>
+                <a:cs typeface="Courier New"/>
+              </a:rPr>
+              <a:t> </a:t>
+            </a:r>
+            <a:r>
+              <a:rPr lang="fr-FR" sz="900" b="1" spc="-5" dirty="0">
+                <a:solidFill>
+                  <a:srgbClr val="A31414"/>
+                </a:solidFill>
+                <a:latin typeface="Courier New"/>
+                <a:cs typeface="Courier New"/>
+              </a:rPr>
+              <a:t>"string"</a:t>
+            </a:r>
+            <a:endParaRPr lang="fr-FR" sz="900" dirty="0">
+              <a:latin typeface="Courier New"/>
+              <a:cs typeface="Courier New"/>
+            </a:endParaRPr>
+          </a:p>
+          <a:p>
+            <a:pPr marL="187960">
+              <a:lnSpc>
+                <a:spcPct val="100000"/>
+              </a:lnSpc>
+              <a:spcBef>
+                <a:spcPts val="495"/>
+              </a:spcBef>
+            </a:pPr>
+            <a:r>
+              <a:rPr lang="fr-FR" sz="900" b="1" spc="-5" dirty="0">
+                <a:latin typeface="Courier New"/>
+                <a:cs typeface="Courier New"/>
+              </a:rPr>
+              <a:t>  },</a:t>
+            </a:r>
+          </a:p>
+          <a:p>
+            <a:pPr marL="187325">
+              <a:lnSpc>
+                <a:spcPct val="100000"/>
+              </a:lnSpc>
+              <a:spcBef>
+                <a:spcPts val="495"/>
+              </a:spcBef>
+            </a:pPr>
+            <a:r>
+              <a:rPr lang="fr-FR" sz="900" b="1" dirty="0">
+                <a:latin typeface="Courier New"/>
+                <a:cs typeface="Courier New"/>
+              </a:rPr>
+              <a:t>  {</a:t>
+            </a:r>
+            <a:endParaRPr lang="fr-FR" sz="900" dirty="0">
+              <a:latin typeface="Courier New"/>
+              <a:cs typeface="Courier New"/>
+            </a:endParaRPr>
+          </a:p>
+          <a:p>
+            <a:pPr marL="362585">
+              <a:lnSpc>
+                <a:spcPct val="100000"/>
+              </a:lnSpc>
+              <a:spcBef>
+                <a:spcPts val="495"/>
+              </a:spcBef>
+            </a:pPr>
+            <a:r>
+              <a:rPr lang="fr-FR" sz="900" b="1" spc="-5" dirty="0">
+                <a:solidFill>
+                  <a:srgbClr val="A31414"/>
+                </a:solidFill>
+                <a:latin typeface="Courier New"/>
+                <a:cs typeface="Courier New"/>
+              </a:rPr>
+              <a:t>  "type"</a:t>
+            </a:r>
+            <a:r>
+              <a:rPr lang="fr-FR" sz="900" b="1" spc="-5" dirty="0">
+                <a:solidFill>
+                  <a:srgbClr val="0000FF"/>
+                </a:solidFill>
+                <a:latin typeface="Courier New"/>
+                <a:cs typeface="Courier New"/>
+              </a:rPr>
+              <a:t>:</a:t>
+            </a:r>
+            <a:r>
+              <a:rPr lang="fr-FR" sz="900" b="1" spc="-70" dirty="0">
+                <a:solidFill>
+                  <a:srgbClr val="0000FF"/>
+                </a:solidFill>
+                <a:latin typeface="Courier New"/>
+                <a:cs typeface="Courier New"/>
+              </a:rPr>
+              <a:t> </a:t>
+            </a:r>
+            <a:r>
+              <a:rPr lang="fr-FR" sz="900" b="1" spc="-5" dirty="0">
+                <a:solidFill>
+                  <a:srgbClr val="A31414"/>
+                </a:solidFill>
+                <a:latin typeface="Courier New"/>
+                <a:cs typeface="Courier New"/>
+              </a:rPr>
+              <a:t>"</a:t>
+            </a:r>
+            <a:r>
+              <a:rPr lang="fr-FR" sz="900" b="1" spc="-5" dirty="0" err="1">
+                <a:solidFill>
+                  <a:srgbClr val="A31414"/>
+                </a:solidFill>
+                <a:latin typeface="Courier New"/>
+                <a:cs typeface="Courier New"/>
+              </a:rPr>
+              <a:t>object</a:t>
+            </a:r>
+            <a:r>
+              <a:rPr lang="fr-FR" sz="900" b="1" spc="-5" dirty="0">
+                <a:solidFill>
+                  <a:srgbClr val="A31414"/>
+                </a:solidFill>
+                <a:latin typeface="Courier New"/>
+                <a:cs typeface="Courier New"/>
+              </a:rPr>
+              <a:t>"</a:t>
+            </a:r>
+            <a:r>
+              <a:rPr lang="fr-FR" sz="900" b="1" spc="-5" dirty="0">
+                <a:latin typeface="Courier New"/>
+                <a:cs typeface="Courier New"/>
+              </a:rPr>
+              <a:t>,</a:t>
+            </a:r>
+          </a:p>
+          <a:p>
+            <a:pPr marL="362585">
+              <a:spcBef>
+                <a:spcPts val="495"/>
+              </a:spcBef>
+            </a:pPr>
+            <a:r>
+              <a:rPr lang="fr-FR" sz="900" b="1" spc="-5" dirty="0">
+                <a:solidFill>
+                  <a:srgbClr val="A31414"/>
+                </a:solidFill>
+                <a:latin typeface="Courier New"/>
+                <a:cs typeface="Courier New"/>
+              </a:rPr>
+              <a:t>  "</a:t>
+            </a:r>
+            <a:r>
+              <a:rPr lang="fr-FR" sz="900" b="1" spc="-5" dirty="0" err="1">
+                <a:solidFill>
+                  <a:srgbClr val="A31414"/>
+                </a:solidFill>
+                <a:latin typeface="Courier New"/>
+                <a:cs typeface="Courier New"/>
+              </a:rPr>
+              <a:t>additionalPropertoes</a:t>
+            </a:r>
+            <a:r>
+              <a:rPr lang="fr-FR" sz="900" b="1" spc="-5" dirty="0">
+                <a:solidFill>
+                  <a:srgbClr val="A31414"/>
+                </a:solidFill>
+                <a:latin typeface="Courier New"/>
+                <a:cs typeface="Courier New"/>
+              </a:rPr>
+              <a:t>"</a:t>
+            </a:r>
+            <a:r>
+              <a:rPr lang="fr-FR" sz="900" b="1" spc="-5" dirty="0">
+                <a:solidFill>
+                  <a:srgbClr val="0000FF"/>
+                </a:solidFill>
+                <a:latin typeface="Courier New"/>
+                <a:cs typeface="Courier New"/>
+              </a:rPr>
+              <a:t>:</a:t>
+            </a:r>
+            <a:r>
+              <a:rPr lang="fr-FR" sz="900" b="1" spc="-70" dirty="0">
+                <a:solidFill>
+                  <a:srgbClr val="0000FF"/>
+                </a:solidFill>
+                <a:latin typeface="Courier New"/>
+                <a:cs typeface="Courier New"/>
+              </a:rPr>
+              <a:t> </a:t>
+            </a:r>
+            <a:r>
+              <a:rPr lang="fr-FR" sz="900" b="1" spc="-5" dirty="0">
+                <a:solidFill>
+                  <a:srgbClr val="00B050"/>
+                </a:solidFill>
+                <a:latin typeface="Courier New"/>
+                <a:cs typeface="Courier New"/>
+              </a:rPr>
+              <a:t>false</a:t>
+            </a:r>
+            <a:r>
+              <a:rPr lang="fr-FR" sz="900" b="1" spc="-5" dirty="0">
+                <a:latin typeface="Courier New"/>
+                <a:cs typeface="Courier New"/>
+              </a:rPr>
+              <a:t>,</a:t>
+            </a:r>
+          </a:p>
+          <a:p>
+            <a:pPr marL="362585">
+              <a:lnSpc>
+                <a:spcPct val="100000"/>
+              </a:lnSpc>
+              <a:spcBef>
+                <a:spcPts val="495"/>
+              </a:spcBef>
+            </a:pPr>
+            <a:r>
+              <a:rPr lang="fr-FR" sz="900" b="1" spc="-5" dirty="0">
+                <a:solidFill>
+                  <a:srgbClr val="A31414"/>
+                </a:solidFill>
+                <a:latin typeface="Courier New"/>
+                <a:cs typeface="Courier New"/>
+              </a:rPr>
+              <a:t>  "</a:t>
+            </a:r>
+            <a:r>
+              <a:rPr lang="fr-FR" sz="900" b="1" spc="-5" dirty="0" err="1">
+                <a:solidFill>
+                  <a:srgbClr val="A31414"/>
+                </a:solidFill>
+                <a:latin typeface="Courier New"/>
+                <a:cs typeface="Courier New"/>
+              </a:rPr>
+              <a:t>required</a:t>
+            </a:r>
+            <a:r>
+              <a:rPr lang="fr-FR" sz="900" b="1" spc="-5" dirty="0">
+                <a:solidFill>
+                  <a:srgbClr val="A31414"/>
+                </a:solidFill>
+                <a:latin typeface="Courier New"/>
+                <a:cs typeface="Courier New"/>
+              </a:rPr>
+              <a:t>"</a:t>
+            </a:r>
+            <a:r>
+              <a:rPr lang="fr-FR" sz="900" b="1" spc="-5" dirty="0">
+                <a:solidFill>
+                  <a:srgbClr val="0000FF"/>
+                </a:solidFill>
+                <a:latin typeface="Courier New"/>
+                <a:cs typeface="Courier New"/>
+              </a:rPr>
+              <a:t>:</a:t>
+            </a:r>
+            <a:r>
+              <a:rPr lang="fr-FR" sz="900" b="1" spc="-70" dirty="0">
+                <a:solidFill>
+                  <a:srgbClr val="0000FF"/>
+                </a:solidFill>
+                <a:latin typeface="Courier New"/>
+                <a:cs typeface="Courier New"/>
+              </a:rPr>
+              <a:t> [</a:t>
+            </a:r>
+            <a:r>
+              <a:rPr lang="fr-FR" sz="900" b="1" spc="-5" dirty="0">
+                <a:solidFill>
+                  <a:srgbClr val="A31414"/>
+                </a:solidFill>
+                <a:latin typeface="Courier New"/>
+                <a:cs typeface="Courier New"/>
+              </a:rPr>
+              <a:t>"label"</a:t>
+            </a:r>
+            <a:r>
+              <a:rPr lang="fr-FR" sz="900" b="1" spc="-70" dirty="0">
+                <a:solidFill>
+                  <a:srgbClr val="0000FF"/>
+                </a:solidFill>
+                <a:latin typeface="Courier New"/>
+                <a:cs typeface="Courier New"/>
+              </a:rPr>
+              <a:t>]</a:t>
+            </a:r>
+            <a:r>
+              <a:rPr lang="fr-FR" sz="900" b="1" spc="-5" dirty="0">
+                <a:latin typeface="Courier New"/>
+                <a:cs typeface="Courier New"/>
+              </a:rPr>
+              <a:t>,</a:t>
+            </a:r>
+          </a:p>
+          <a:p>
+            <a:pPr marL="362585">
+              <a:lnSpc>
+                <a:spcPct val="100000"/>
+              </a:lnSpc>
+              <a:spcBef>
+                <a:spcPts val="495"/>
+              </a:spcBef>
+            </a:pPr>
+            <a:r>
+              <a:rPr lang="fr-FR" sz="900" dirty="0">
+                <a:latin typeface="Courier New"/>
+                <a:cs typeface="Courier New"/>
+              </a:rPr>
+              <a:t>  </a:t>
+            </a:r>
+            <a:r>
+              <a:rPr lang="fr-FR" sz="900" b="1" spc="-5" dirty="0">
+                <a:solidFill>
+                  <a:srgbClr val="A31414"/>
+                </a:solidFill>
+                <a:latin typeface="Courier New"/>
+                <a:cs typeface="Courier New"/>
+              </a:rPr>
+              <a:t>"</a:t>
+            </a:r>
+            <a:r>
+              <a:rPr lang="fr-FR" sz="900" b="1" spc="-5" dirty="0" err="1">
+                <a:solidFill>
+                  <a:srgbClr val="A31414"/>
+                </a:solidFill>
+                <a:latin typeface="Courier New"/>
+                <a:cs typeface="Courier New"/>
+              </a:rPr>
+              <a:t>properties</a:t>
+            </a:r>
+            <a:r>
+              <a:rPr lang="fr-FR" sz="900" b="1" spc="-5" dirty="0">
+                <a:solidFill>
+                  <a:srgbClr val="A31414"/>
+                </a:solidFill>
+                <a:latin typeface="Courier New"/>
+                <a:cs typeface="Courier New"/>
+              </a:rPr>
+              <a:t>"</a:t>
+            </a:r>
+            <a:r>
+              <a:rPr lang="fr-FR" sz="900" b="1" spc="-5" dirty="0">
+                <a:solidFill>
+                  <a:srgbClr val="0000FF"/>
+                </a:solidFill>
+                <a:latin typeface="Courier New"/>
+                <a:cs typeface="Courier New"/>
+              </a:rPr>
+              <a:t>:</a:t>
+            </a:r>
+            <a:r>
+              <a:rPr lang="fr-FR" sz="900" b="1" spc="-70" dirty="0">
+                <a:solidFill>
+                  <a:srgbClr val="0000FF"/>
+                </a:solidFill>
+                <a:latin typeface="Courier New"/>
+                <a:cs typeface="Courier New"/>
+              </a:rPr>
+              <a:t> </a:t>
+            </a:r>
+            <a:r>
+              <a:rPr lang="fr-FR" sz="900" b="1" dirty="0">
+                <a:latin typeface="Courier New"/>
+                <a:cs typeface="Courier New"/>
+              </a:rPr>
+              <a:t>{</a:t>
+            </a:r>
+          </a:p>
+          <a:p>
+            <a:pPr marL="362585">
+              <a:lnSpc>
+                <a:spcPct val="100000"/>
+              </a:lnSpc>
+              <a:spcBef>
+                <a:spcPts val="495"/>
+              </a:spcBef>
+            </a:pPr>
+            <a:r>
+              <a:rPr lang="fr-FR" sz="900" b="1" dirty="0">
+                <a:latin typeface="Courier New"/>
+                <a:cs typeface="Courier New"/>
+              </a:rPr>
+              <a:t>    </a:t>
+            </a:r>
+            <a:r>
+              <a:rPr lang="fr-FR" sz="900" b="1" spc="-5" dirty="0">
+                <a:solidFill>
+                  <a:srgbClr val="A31414"/>
+                </a:solidFill>
+                <a:latin typeface="Courier New"/>
+                <a:cs typeface="Courier New"/>
+              </a:rPr>
+              <a:t>"label"</a:t>
+            </a:r>
+            <a:r>
+              <a:rPr lang="fr-FR" sz="900" b="1" spc="-5" dirty="0">
+                <a:solidFill>
+                  <a:srgbClr val="0000FF"/>
+                </a:solidFill>
+                <a:latin typeface="Courier New"/>
+                <a:cs typeface="Courier New"/>
+              </a:rPr>
+              <a:t>:</a:t>
+            </a:r>
+            <a:r>
+              <a:rPr lang="fr-FR" sz="900" b="1" dirty="0">
+                <a:latin typeface="Courier New"/>
+                <a:cs typeface="Courier New"/>
+              </a:rPr>
+              <a:t> {</a:t>
+            </a:r>
+            <a:r>
+              <a:rPr lang="fr-FR" sz="900" b="1" spc="-5" dirty="0">
+                <a:solidFill>
+                  <a:srgbClr val="A31414"/>
+                </a:solidFill>
+                <a:latin typeface="Courier New"/>
+                <a:cs typeface="Courier New"/>
+              </a:rPr>
+              <a:t>"type"</a:t>
+            </a:r>
+            <a:r>
+              <a:rPr lang="fr-FR" sz="900" b="1" spc="-5" dirty="0">
+                <a:solidFill>
+                  <a:srgbClr val="0000FF"/>
+                </a:solidFill>
+                <a:latin typeface="Courier New"/>
+                <a:cs typeface="Courier New"/>
+              </a:rPr>
+              <a:t>:</a:t>
+            </a:r>
+            <a:r>
+              <a:rPr lang="fr-FR" sz="900" b="1" spc="-70" dirty="0">
+                <a:solidFill>
+                  <a:srgbClr val="0000FF"/>
+                </a:solidFill>
+                <a:latin typeface="Courier New"/>
+                <a:cs typeface="Courier New"/>
+              </a:rPr>
+              <a:t> </a:t>
+            </a:r>
+            <a:r>
+              <a:rPr lang="fr-FR" sz="900" b="1" spc="-5" dirty="0">
+                <a:solidFill>
+                  <a:srgbClr val="A31414"/>
+                </a:solidFill>
+                <a:latin typeface="Courier New"/>
+                <a:cs typeface="Courier New"/>
+              </a:rPr>
+              <a:t>"string"</a:t>
+            </a:r>
+            <a:r>
+              <a:rPr lang="fr-FR" sz="900" b="1" dirty="0">
+                <a:latin typeface="Courier New"/>
+                <a:cs typeface="Courier New"/>
+              </a:rPr>
+              <a:t>}</a:t>
+            </a:r>
+          </a:p>
+          <a:p>
+            <a:pPr marL="362585">
+              <a:lnSpc>
+                <a:spcPct val="100000"/>
+              </a:lnSpc>
+              <a:spcBef>
+                <a:spcPts val="495"/>
+              </a:spcBef>
+            </a:pPr>
+            <a:r>
+              <a:rPr lang="fr-FR" sz="900" b="1" dirty="0">
+                <a:latin typeface="Courier New"/>
+                <a:cs typeface="Courier New"/>
+              </a:rPr>
+              <a:t>  }</a:t>
+            </a:r>
+            <a:r>
+              <a:rPr lang="fr-FR" sz="900" b="1" spc="-5" dirty="0">
+                <a:latin typeface="Courier New"/>
+                <a:cs typeface="Courier New"/>
+              </a:rPr>
+              <a:t>,</a:t>
+            </a:r>
+            <a:endParaRPr lang="fr-FR" sz="900" dirty="0">
+              <a:latin typeface="Courier New"/>
+              <a:cs typeface="Courier New"/>
+            </a:endParaRPr>
+          </a:p>
+          <a:p>
+            <a:pPr marL="187960">
+              <a:lnSpc>
+                <a:spcPct val="100000"/>
+              </a:lnSpc>
+              <a:spcBef>
+                <a:spcPts val="495"/>
+              </a:spcBef>
+            </a:pPr>
+            <a:r>
+              <a:rPr lang="fr-FR" sz="900" b="1" spc="-5" dirty="0">
+                <a:latin typeface="Courier New"/>
+                <a:cs typeface="Courier New"/>
+              </a:rPr>
+              <a:t>  },</a:t>
+            </a:r>
+            <a:endParaRPr lang="fr-FR" sz="900" b="1" spc="-5" dirty="0">
+              <a:solidFill>
+                <a:srgbClr val="0000FF"/>
+              </a:solidFill>
+              <a:latin typeface="Courier New"/>
+              <a:cs typeface="Courier New"/>
+            </a:endParaRPr>
+          </a:p>
+          <a:p>
+            <a:pPr marL="12700" marR="355600">
+              <a:lnSpc>
+                <a:spcPct val="135900"/>
+              </a:lnSpc>
+              <a:spcBef>
+                <a:spcPts val="100"/>
+              </a:spcBef>
+            </a:pPr>
+            <a:r>
+              <a:rPr lang="fr-FR" sz="900" b="1" spc="-5" dirty="0">
+                <a:solidFill>
+                  <a:srgbClr val="0000FF"/>
+                </a:solidFill>
+                <a:latin typeface="Courier New"/>
+                <a:cs typeface="Courier New"/>
+              </a:rPr>
+              <a:t>  ]</a:t>
+            </a:r>
+            <a:endParaRPr sz="900" dirty="0">
+              <a:latin typeface="Courier New"/>
+              <a:cs typeface="Courier New"/>
+            </a:endParaRPr>
+          </a:p>
+          <a:p>
+            <a:pPr marL="12700">
+              <a:lnSpc>
+                <a:spcPct val="100000"/>
+              </a:lnSpc>
+              <a:spcBef>
+                <a:spcPts val="495"/>
+              </a:spcBef>
+            </a:pPr>
+            <a:r>
+              <a:rPr lang="fr-FR" sz="900" b="1" spc="-40" dirty="0">
+                <a:solidFill>
+                  <a:srgbClr val="0000FF"/>
+                </a:solidFill>
+                <a:latin typeface="Courier New"/>
+                <a:cs typeface="Courier New"/>
+              </a:rPr>
+              <a:t>}</a:t>
+            </a:r>
+            <a:endParaRPr lang="fr-FR" sz="900" b="1" dirty="0">
+              <a:latin typeface="Courier New"/>
+              <a:cs typeface="Courier New"/>
+            </a:endParaRPr>
+          </a:p>
+        </p:txBody>
+      </p:sp>
+      <p:sp>
+        <p:nvSpPr>
+          <p:cNvPr id="11" name="object 7">
+            <a:extLst>
+              <a:ext uri="{FF2B5EF4-FFF2-40B4-BE49-F238E27FC236}">
+                <a16:creationId xmlns:a16="http://schemas.microsoft.com/office/drawing/2014/main" id="{D9612F6C-7A72-96A7-3B64-9AB78F85FE14}"/>
+              </a:ext>
+            </a:extLst>
+          </p:cNvPr>
+          <p:cNvSpPr txBox="1"/>
+          <p:nvPr/>
+        </p:nvSpPr>
+        <p:spPr>
+          <a:xfrm>
+            <a:off x="450375" y="4309645"/>
+            <a:ext cx="113664" cy="200660"/>
+          </a:xfrm>
+          <a:prstGeom prst="rect">
+            <a:avLst/>
+          </a:prstGeom>
+        </p:spPr>
+        <p:txBody>
+          <a:bodyPr vert="horz" wrap="square" lIns="0" tIns="12700" rIns="0" bIns="0" rtlCol="0">
+            <a:spAutoFit/>
+          </a:bodyPr>
+          <a:lstStyle/>
+          <a:p>
+            <a:pPr marL="12700">
+              <a:lnSpc>
+                <a:spcPct val="100000"/>
+              </a:lnSpc>
+              <a:spcBef>
+                <a:spcPts val="100"/>
+              </a:spcBef>
+            </a:pPr>
+            <a:r>
+              <a:rPr sz="1150" b="1" dirty="0">
+                <a:latin typeface="Courier New"/>
+                <a:cs typeface="Courier New"/>
+              </a:rPr>
+              <a:t>}</a:t>
+            </a:r>
+            <a:endParaRPr sz="1150" dirty="0">
+              <a:latin typeface="Courier New"/>
+              <a:cs typeface="Courier New"/>
+            </a:endParaRPr>
+          </a:p>
+        </p:txBody>
+      </p:sp>
+      <p:grpSp>
+        <p:nvGrpSpPr>
+          <p:cNvPr id="12" name="object 9">
+            <a:extLst>
+              <a:ext uri="{FF2B5EF4-FFF2-40B4-BE49-F238E27FC236}">
+                <a16:creationId xmlns:a16="http://schemas.microsoft.com/office/drawing/2014/main" id="{920F9692-FCEC-6C4E-4560-8226AADFC1AA}"/>
+              </a:ext>
+            </a:extLst>
+          </p:cNvPr>
+          <p:cNvGrpSpPr/>
+          <p:nvPr/>
+        </p:nvGrpSpPr>
+        <p:grpSpPr>
+          <a:xfrm>
+            <a:off x="4639787" y="977262"/>
+            <a:ext cx="4266565" cy="3606800"/>
+            <a:chOff x="4639787" y="977262"/>
+            <a:chExt cx="4266565" cy="3606800"/>
+          </a:xfrm>
+        </p:grpSpPr>
+        <p:sp>
+          <p:nvSpPr>
+            <p:cNvPr id="16" name="object 10">
+              <a:extLst>
+                <a:ext uri="{FF2B5EF4-FFF2-40B4-BE49-F238E27FC236}">
+                  <a16:creationId xmlns:a16="http://schemas.microsoft.com/office/drawing/2014/main" id="{7BE83ED6-CE78-9FA4-D5D0-1DC388C7B333}"/>
+                </a:ext>
+              </a:extLst>
+            </p:cNvPr>
+            <p:cNvSpPr/>
+            <p:nvPr/>
+          </p:nvSpPr>
+          <p:spPr>
+            <a:xfrm>
+              <a:off x="4644549" y="982025"/>
+              <a:ext cx="4257040" cy="3597275"/>
+            </a:xfrm>
+            <a:custGeom>
+              <a:avLst/>
+              <a:gdLst/>
+              <a:ahLst/>
+              <a:cxnLst/>
+              <a:rect l="l" t="t" r="r" b="b"/>
+              <a:pathLst>
+                <a:path w="4257040" h="3597275">
+                  <a:moveTo>
+                    <a:pt x="4256699" y="3596699"/>
+                  </a:moveTo>
+                  <a:lnTo>
+                    <a:pt x="0" y="3596699"/>
+                  </a:lnTo>
+                  <a:lnTo>
+                    <a:pt x="0" y="0"/>
+                  </a:lnTo>
+                  <a:lnTo>
+                    <a:pt x="4256699" y="0"/>
+                  </a:lnTo>
+                  <a:lnTo>
+                    <a:pt x="4256699" y="3596699"/>
+                  </a:lnTo>
+                  <a:close/>
+                </a:path>
+              </a:pathLst>
+            </a:custGeom>
+            <a:solidFill>
+              <a:srgbClr val="FFFFFF"/>
+            </a:solidFill>
+          </p:spPr>
+          <p:txBody>
+            <a:bodyPr wrap="square" lIns="0" tIns="0" rIns="0" bIns="0" rtlCol="0"/>
+            <a:lstStyle/>
+            <a:p>
+              <a:endParaRPr dirty="0"/>
+            </a:p>
+          </p:txBody>
+        </p:sp>
+        <p:sp>
+          <p:nvSpPr>
+            <p:cNvPr id="17" name="object 11">
+              <a:extLst>
+                <a:ext uri="{FF2B5EF4-FFF2-40B4-BE49-F238E27FC236}">
+                  <a16:creationId xmlns:a16="http://schemas.microsoft.com/office/drawing/2014/main" id="{D37559C9-F6A6-E824-C0ED-A5262132EB0D}"/>
+                </a:ext>
+              </a:extLst>
+            </p:cNvPr>
+            <p:cNvSpPr/>
+            <p:nvPr/>
+          </p:nvSpPr>
+          <p:spPr>
+            <a:xfrm>
+              <a:off x="4644549" y="982025"/>
+              <a:ext cx="4257040" cy="3597275"/>
+            </a:xfrm>
+            <a:custGeom>
+              <a:avLst/>
+              <a:gdLst/>
+              <a:ahLst/>
+              <a:cxnLst/>
+              <a:rect l="l" t="t" r="r" b="b"/>
+              <a:pathLst>
+                <a:path w="4257040" h="3597275">
+                  <a:moveTo>
+                    <a:pt x="0" y="0"/>
+                  </a:moveTo>
+                  <a:lnTo>
+                    <a:pt x="4256699" y="0"/>
+                  </a:lnTo>
+                  <a:lnTo>
+                    <a:pt x="4256699" y="3596699"/>
+                  </a:lnTo>
+                  <a:lnTo>
+                    <a:pt x="0" y="3596699"/>
+                  </a:lnTo>
+                  <a:lnTo>
+                    <a:pt x="0" y="0"/>
+                  </a:lnTo>
+                  <a:close/>
+                </a:path>
+              </a:pathLst>
+            </a:custGeom>
+            <a:ln w="9524">
+              <a:solidFill>
+                <a:srgbClr val="000000"/>
+              </a:solidFill>
+            </a:ln>
+          </p:spPr>
+          <p:txBody>
+            <a:bodyPr wrap="square" lIns="0" tIns="0" rIns="0" bIns="0" rtlCol="0"/>
+            <a:lstStyle/>
+            <a:p>
+              <a:endParaRPr/>
+            </a:p>
+          </p:txBody>
+        </p:sp>
+      </p:grpSp>
+      <p:sp>
+        <p:nvSpPr>
+          <p:cNvPr id="20" name="object 5">
+            <a:extLst>
+              <a:ext uri="{FF2B5EF4-FFF2-40B4-BE49-F238E27FC236}">
+                <a16:creationId xmlns:a16="http://schemas.microsoft.com/office/drawing/2014/main" id="{12DA1F38-74AA-2DFD-DB3F-2DDCFC9DD905}"/>
+              </a:ext>
+            </a:extLst>
+          </p:cNvPr>
+          <p:cNvSpPr txBox="1"/>
+          <p:nvPr/>
+        </p:nvSpPr>
+        <p:spPr>
+          <a:xfrm>
+            <a:off x="4707414" y="2079360"/>
+            <a:ext cx="113664" cy="189796"/>
+          </a:xfrm>
+          <a:prstGeom prst="rect">
+            <a:avLst/>
+          </a:prstGeom>
+        </p:spPr>
+        <p:txBody>
+          <a:bodyPr vert="horz" wrap="square" lIns="0" tIns="12700" rIns="0" bIns="0" rtlCol="0">
+            <a:spAutoFit/>
+          </a:bodyPr>
+          <a:lstStyle/>
+          <a:p>
+            <a:pPr marL="12700">
+              <a:lnSpc>
+                <a:spcPct val="100000"/>
+              </a:lnSpc>
+              <a:spcBef>
+                <a:spcPts val="100"/>
+              </a:spcBef>
+            </a:pPr>
+            <a:r>
+              <a:rPr lang="fr-FR" sz="1150" b="1" dirty="0">
+                <a:latin typeface="Courier New"/>
+                <a:cs typeface="Courier New"/>
+              </a:rPr>
+              <a:t>[</a:t>
+            </a:r>
+            <a:endParaRPr sz="1150" dirty="0">
+              <a:latin typeface="Courier New"/>
+              <a:cs typeface="Courier New"/>
+            </a:endParaRPr>
+          </a:p>
+        </p:txBody>
+      </p:sp>
+      <p:sp>
+        <p:nvSpPr>
+          <p:cNvPr id="21" name="object 7">
+            <a:extLst>
+              <a:ext uri="{FF2B5EF4-FFF2-40B4-BE49-F238E27FC236}">
+                <a16:creationId xmlns:a16="http://schemas.microsoft.com/office/drawing/2014/main" id="{551A8458-3C2A-CA47-88D1-660A326BB836}"/>
+              </a:ext>
+            </a:extLst>
+          </p:cNvPr>
+          <p:cNvSpPr txBox="1"/>
+          <p:nvPr/>
+        </p:nvSpPr>
+        <p:spPr>
+          <a:xfrm>
+            <a:off x="4734242" y="3002779"/>
+            <a:ext cx="113664" cy="189796"/>
+          </a:xfrm>
+          <a:prstGeom prst="rect">
+            <a:avLst/>
+          </a:prstGeom>
+        </p:spPr>
+        <p:txBody>
+          <a:bodyPr vert="horz" wrap="square" lIns="0" tIns="12700" rIns="0" bIns="0" rtlCol="0">
+            <a:spAutoFit/>
+          </a:bodyPr>
+          <a:lstStyle/>
+          <a:p>
+            <a:pPr marL="12700">
+              <a:lnSpc>
+                <a:spcPct val="100000"/>
+              </a:lnSpc>
+              <a:spcBef>
+                <a:spcPts val="100"/>
+              </a:spcBef>
+            </a:pPr>
+            <a:r>
+              <a:rPr lang="fr-FR" sz="1150" b="1" dirty="0">
+                <a:latin typeface="Courier New"/>
+                <a:cs typeface="Courier New"/>
+              </a:rPr>
+              <a:t>]</a:t>
+            </a:r>
+            <a:endParaRPr sz="1150" dirty="0">
+              <a:latin typeface="Courier New"/>
+              <a:cs typeface="Courier New"/>
+            </a:endParaRPr>
+          </a:p>
+        </p:txBody>
+      </p:sp>
+      <p:sp>
+        <p:nvSpPr>
+          <p:cNvPr id="23" name="object 6">
+            <a:extLst>
+              <a:ext uri="{FF2B5EF4-FFF2-40B4-BE49-F238E27FC236}">
+                <a16:creationId xmlns:a16="http://schemas.microsoft.com/office/drawing/2014/main" id="{019F495E-E4C2-D281-38CF-6935F8FB78B0}"/>
+              </a:ext>
+            </a:extLst>
+          </p:cNvPr>
+          <p:cNvSpPr txBox="1"/>
+          <p:nvPr/>
+        </p:nvSpPr>
+        <p:spPr>
+          <a:xfrm>
+            <a:off x="4976634" y="2174258"/>
+            <a:ext cx="3220561" cy="605037"/>
+          </a:xfrm>
+          <a:prstGeom prst="rect">
+            <a:avLst/>
+          </a:prstGeom>
+        </p:spPr>
+        <p:txBody>
+          <a:bodyPr vert="horz" wrap="square" lIns="0" tIns="12700" rIns="0" bIns="0" rtlCol="0">
+            <a:spAutoFit/>
+          </a:bodyPr>
+          <a:lstStyle/>
+          <a:p>
+            <a:pPr marL="12700" marR="355600">
+              <a:lnSpc>
+                <a:spcPct val="135900"/>
+              </a:lnSpc>
+              <a:spcBef>
+                <a:spcPts val="100"/>
+              </a:spcBef>
+            </a:pPr>
+            <a:endParaRPr lang="fr-FR" sz="900" b="1" spc="-40" dirty="0">
+              <a:solidFill>
+                <a:srgbClr val="0000FF"/>
+              </a:solidFill>
+              <a:latin typeface="Courier New"/>
+              <a:cs typeface="Courier New"/>
+            </a:endParaRPr>
+          </a:p>
+          <a:p>
+            <a:pPr marL="12700" marR="355600">
+              <a:lnSpc>
+                <a:spcPct val="135900"/>
+              </a:lnSpc>
+              <a:spcBef>
+                <a:spcPts val="100"/>
+              </a:spcBef>
+            </a:pPr>
+            <a:r>
+              <a:rPr lang="fr-FR" sz="900" b="1" spc="-5" dirty="0">
+                <a:solidFill>
+                  <a:srgbClr val="A31414"/>
+                </a:solidFill>
+                <a:latin typeface="Courier New"/>
+                <a:cs typeface="Courier New"/>
+              </a:rPr>
+              <a:t>"</a:t>
+            </a:r>
+            <a:r>
+              <a:rPr lang="fr-FR" sz="900" b="1" spc="-5" dirty="0" err="1">
+                <a:solidFill>
+                  <a:srgbClr val="A31414"/>
+                </a:solidFill>
+                <a:latin typeface="Courier New"/>
+                <a:cs typeface="Courier New"/>
+              </a:rPr>
+              <a:t>minim</a:t>
+            </a:r>
+            <a:r>
+              <a:rPr lang="fr-FR" sz="900" b="1" spc="-5" dirty="0">
+                <a:solidFill>
+                  <a:srgbClr val="A31414"/>
+                </a:solidFill>
+                <a:latin typeface="Courier New"/>
+                <a:cs typeface="Courier New"/>
+              </a:rPr>
+              <a:t> id"</a:t>
+            </a:r>
+            <a:r>
+              <a:rPr lang="fr-FR" sz="900" b="1" spc="-5" dirty="0">
+                <a:latin typeface="Courier New"/>
+                <a:cs typeface="Courier New"/>
+              </a:rPr>
+              <a:t>,</a:t>
+            </a:r>
+          </a:p>
+          <a:p>
+            <a:pPr marL="12700">
+              <a:spcBef>
+                <a:spcPts val="495"/>
+              </a:spcBef>
+            </a:pPr>
+            <a:r>
+              <a:rPr lang="fr-FR" sz="900" b="1" spc="-5" dirty="0">
+                <a:solidFill>
+                  <a:srgbClr val="A31414"/>
+                </a:solidFill>
+                <a:latin typeface="Courier New"/>
+                <a:cs typeface="Courier New"/>
+              </a:rPr>
+              <a:t>"id </a:t>
+            </a:r>
+            <a:r>
+              <a:rPr lang="fr-FR" sz="900" b="1" spc="-5" dirty="0" err="1">
+                <a:solidFill>
+                  <a:srgbClr val="A31414"/>
+                </a:solidFill>
+                <a:latin typeface="Courier New"/>
+                <a:cs typeface="Courier New"/>
+              </a:rPr>
+              <a:t>dolore</a:t>
+            </a:r>
+            <a:r>
+              <a:rPr lang="fr-FR" sz="900" b="1" spc="-5" dirty="0">
+                <a:solidFill>
+                  <a:srgbClr val="A31414"/>
+                </a:solidFill>
+                <a:latin typeface="Courier New"/>
+                <a:cs typeface="Courier New"/>
+              </a:rPr>
+              <a:t> </a:t>
+            </a:r>
+            <a:r>
+              <a:rPr lang="fr-FR" sz="900" b="1" spc="-5" dirty="0" err="1">
+                <a:solidFill>
+                  <a:srgbClr val="A31414"/>
+                </a:solidFill>
+                <a:latin typeface="Courier New"/>
+                <a:cs typeface="Courier New"/>
+              </a:rPr>
+              <a:t>laborum</a:t>
+            </a:r>
+            <a:r>
+              <a:rPr lang="fr-FR" sz="900" b="1" spc="-5" dirty="0">
+                <a:solidFill>
+                  <a:srgbClr val="A31414"/>
+                </a:solidFill>
+                <a:latin typeface="Courier New"/>
+                <a:cs typeface="Courier New"/>
+              </a:rPr>
+              <a:t> non </a:t>
+            </a:r>
+            <a:r>
+              <a:rPr lang="fr-FR" sz="900" b="1" spc="-5" dirty="0" err="1">
+                <a:solidFill>
+                  <a:srgbClr val="A31414"/>
+                </a:solidFill>
+                <a:latin typeface="Courier New"/>
+                <a:cs typeface="Courier New"/>
+              </a:rPr>
+              <a:t>consecteur</a:t>
+            </a:r>
+            <a:r>
+              <a:rPr lang="fr-FR" sz="900" b="1" spc="-5" dirty="0">
+                <a:solidFill>
+                  <a:srgbClr val="A31414"/>
+                </a:solidFill>
+                <a:latin typeface="Courier New"/>
+                <a:cs typeface="Courier New"/>
+              </a:rPr>
+              <a:t>"</a:t>
+            </a:r>
+            <a:endParaRPr lang="fr-FR" sz="900" b="1" spc="-5" dirty="0">
+              <a:latin typeface="Courier New"/>
+              <a:cs typeface="Courier New"/>
+            </a:endParaRPr>
+          </a:p>
+        </p:txBody>
+      </p:sp>
+      <p:pic>
+        <p:nvPicPr>
+          <p:cNvPr id="6" name="object 17">
+            <a:extLst>
+              <a:ext uri="{FF2B5EF4-FFF2-40B4-BE49-F238E27FC236}">
+                <a16:creationId xmlns:a16="http://schemas.microsoft.com/office/drawing/2014/main" id="{879B311C-AD9C-931E-53D7-2E5E1596B2B8}"/>
+              </a:ext>
+            </a:extLst>
+          </p:cNvPr>
+          <p:cNvPicPr/>
+          <p:nvPr/>
+        </p:nvPicPr>
+        <p:blipFill>
+          <a:blip r:embed="rId3" cstate="print"/>
+          <a:stretch>
+            <a:fillRect/>
+          </a:stretch>
+        </p:blipFill>
+        <p:spPr>
+          <a:xfrm>
+            <a:off x="8391350" y="1057100"/>
+            <a:ext cx="428798" cy="428799"/>
+          </a:xfrm>
+          <a:prstGeom prst="rect">
+            <a:avLst/>
+          </a:prstGeom>
+        </p:spPr>
+      </p:pic>
+    </p:spTree>
+    <p:extLst>
+      <p:ext uri="{BB962C8B-B14F-4D97-AF65-F5344CB8AC3E}">
+        <p14:creationId xmlns:p14="http://schemas.microsoft.com/office/powerpoint/2010/main" val="2877947691"/>
+      </p:ext>
+    </p:extLst>
+  </p:cSld>
+  <p:clrMapOvr>
+    <a:masterClrMapping/>
+  </p:clrMapOvr>
+  <p:timing>
+    <p:tnLst>
+      <p:par>
+        <p:cTn id="1" dur="indefinite" restart="never" nodeType="tmRoot">
+          <p:childTnLst>
+            <p:seq concurrent="1" nextAc="seek">
+              <p:cTn id="2" dur="indefinite" nodeType="mainSeq">
+                <p:childTnLst>
+                  <p:par>
+                    <p:cTn id="3" fill="hold">
+                      <p:stCondLst>
+                        <p:cond delay="indefinite"/>
+                        <p:cond evt="onBegin" delay="0">
+                          <p:tn val="2"/>
+                        </p:cond>
+                      </p:stCondLst>
+                      <p:childTnLst>
+                        <p:par>
+                          <p:cTn id="4" fill="hold">
+                            <p:stCondLst>
+                              <p:cond delay="0"/>
+                            </p:stCondLst>
+                            <p:childTnLst>
+                              <p:par>
+                                <p:cTn id="5" presetID="10" presetClass="entr" presetSubtype="0" fill="hold" grpId="0" nodeType="withEffect">
+                                  <p:stCondLst>
+                                    <p:cond delay="0"/>
+                                  </p:stCondLst>
+                                  <p:childTnLst>
+                                    <p:set>
+                                      <p:cBhvr>
+                                        <p:cTn id="6" dur="1" fill="hold">
+                                          <p:stCondLst>
+                                            <p:cond delay="0"/>
+                                          </p:stCondLst>
+                                        </p:cTn>
+                                        <p:tgtEl>
+                                          <p:spTgt spid="13"/>
+                                        </p:tgtEl>
+                                        <p:attrNameLst>
+                                          <p:attrName>style.visibility</p:attrName>
+                                        </p:attrNameLst>
+                                      </p:cBhvr>
+                                      <p:to>
+                                        <p:strVal val="visible"/>
+                                      </p:to>
+                                    </p:set>
+                                    <p:animEffect transition="in" filter="fade">
+                                      <p:cBhvr>
+                                        <p:cTn id="7" dur="500"/>
+                                        <p:tgtEl>
+                                          <p:spTgt spid="13"/>
+                                        </p:tgtEl>
+                                      </p:cBhvr>
+                                    </p:animEffect>
+                                  </p:childTnLst>
+                                </p:cTn>
+                              </p:par>
+                              <p:par>
+                                <p:cTn id="8" presetID="10" presetClass="entr" presetSubtype="0" fill="hold" grpId="0" nodeType="withEffect">
+                                  <p:stCondLst>
+                                    <p:cond delay="0"/>
+                                  </p:stCondLst>
+                                  <p:childTnLst>
+                                    <p:set>
+                                      <p:cBhvr>
+                                        <p:cTn id="9" dur="1" fill="hold">
+                                          <p:stCondLst>
+                                            <p:cond delay="0"/>
+                                          </p:stCondLst>
+                                        </p:cTn>
+                                        <p:tgtEl>
+                                          <p:spTgt spid="15"/>
+                                        </p:tgtEl>
+                                        <p:attrNameLst>
+                                          <p:attrName>style.visibility</p:attrName>
+                                        </p:attrNameLst>
+                                      </p:cBhvr>
+                                      <p:to>
+                                        <p:strVal val="visible"/>
+                                      </p:to>
+                                    </p:set>
+                                    <p:animEffect transition="in" filter="fade">
+                                      <p:cBhvr>
+                                        <p:cTn id="10" dur="500"/>
+                                        <p:tgtEl>
+                                          <p:spTgt spid="15"/>
+                                        </p:tgtEl>
+                                      </p:cBhvr>
+                                    </p:animEffect>
+                                  </p:childTnLst>
+                                </p:cTn>
+                              </p:par>
+                            </p:childTnLst>
+                          </p:cTn>
+                        </p:par>
+                      </p:childTnLst>
+                    </p:cTn>
+                  </p:par>
+                </p:childTnLst>
+              </p:cTn>
+              <p:prevCondLst>
+                <p:cond evt="onPrev" delay="0">
+                  <p:tgtEl>
+                    <p:sldTgt/>
+                  </p:tgtEl>
+                </p:cond>
+              </p:prevCondLst>
+              <p:nextCondLst>
+                <p:cond evt="onNext" delay="0">
+                  <p:tgtEl>
+                    <p:sldTgt/>
+                  </p:tgtEl>
+                </p:cond>
+              </p:nextCondLst>
+            </p:seq>
+          </p:childTnLst>
+        </p:cTn>
+      </p:par>
+    </p:tnLst>
+    <p:bldLst>
+      <p:bldP spid="13" grpId="0"/>
+      <p:bldP spid="15" grpId="0"/>
+    </p:bldLst>
+  </p:timing>
+</p:sld>
+</file>
+
+<file path=ppt/slides/slide29.xml><?xml version="1.0" encoding="utf-8"?>
+<p:sld xmlns:a="http://schemas.openxmlformats.org/drawingml/2006/main" xmlns:r="http://schemas.openxmlformats.org/officeDocument/2006/relationships" xmlns:p="http://schemas.openxmlformats.org/presentationml/2006/main">
+  <p:cSld>
+    <p:spTree>
+      <p:nvGrpSpPr>
+        <p:cNvPr id="1" name="Shape 221"/>
+        <p:cNvGrpSpPr/>
+        <p:nvPr/>
+      </p:nvGrpSpPr>
+      <p:grpSpPr>
+        <a:xfrm>
+          <a:off x="0" y="0"/>
+          <a:ext cx="0" cy="0"/>
+          <a:chOff x="0" y="0"/>
+          <a:chExt cx="0" cy="0"/>
+        </a:xfrm>
+      </p:grpSpPr>
+      <p:sp>
+        <p:nvSpPr>
+          <p:cNvPr id="14" name="ZoneTexte 13"/>
+          <p:cNvSpPr txBox="1"/>
+          <p:nvPr/>
+        </p:nvSpPr>
+        <p:spPr>
+          <a:xfrm>
+            <a:off x="241300" y="63500"/>
             <a:ext cx="8821646" cy="523220"/>
           </a:xfrm>
           <a:prstGeom prst="rect">
@@ -23364,7 +29470,7 @@
 </p:sld>
 </file>
 
-<file path=ppt/slides/slide27.xml><?xml version="1.0" encoding="utf-8"?>
+<file path=ppt/slides/slide3.xml><?xml version="1.0" encoding="utf-8"?>
 <p:sld xmlns:a="http://schemas.openxmlformats.org/drawingml/2006/main" xmlns:r="http://schemas.openxmlformats.org/officeDocument/2006/relationships" xmlns:p="http://schemas.openxmlformats.org/presentationml/2006/main">
   <p:cSld>
     <p:spTree>
@@ -23416,6 +29522,134 @@
               <a:buNone/>
             </a:pPr>
             <a:r>
+              <a:rPr lang="en">
+                <a:solidFill>
+                  <a:srgbClr val="D84E2E"/>
+                </a:solidFill>
+              </a:rPr>
+              <a:t>01</a:t>
+            </a:r>
+            <a:endParaRPr>
+              <a:solidFill>
+                <a:srgbClr val="D84E2E"/>
+              </a:solidFill>
+            </a:endParaRPr>
+          </a:p>
+        </p:txBody>
+      </p:sp>
+      <p:sp>
+        <p:nvSpPr>
+          <p:cNvPr id="223" name="Google Shape;223;p36"/>
+          <p:cNvSpPr txBox="1">
+            <a:spLocks noGrp="1"/>
+          </p:cNvSpPr>
+          <p:nvPr>
+            <p:ph type="title" idx="2"/>
+          </p:nvPr>
+        </p:nvSpPr>
+        <p:spPr>
+          <a:xfrm>
+            <a:off x="1055782" y="2514300"/>
+            <a:ext cx="7165085" cy="609600"/>
+          </a:xfrm>
+          <a:prstGeom prst="rect">
+            <a:avLst/>
+          </a:prstGeom>
+        </p:spPr>
+        <p:txBody>
+          <a:bodyPr spcFirstLastPara="1" wrap="square" lIns="91425" tIns="91425" rIns="83775" bIns="91425" anchor="t" anchorCtr="0">
+            <a:noAutofit/>
+          </a:bodyPr>
+          <a:lstStyle/>
+          <a:p>
+            <a:pPr marL="0" lvl="0" indent="0" algn="ctr" rtl="0">
+              <a:spcBef>
+                <a:spcPts val="0"/>
+              </a:spcBef>
+              <a:spcAft>
+                <a:spcPts val="0"/>
+              </a:spcAft>
+              <a:buNone/>
+            </a:pPr>
+            <a:r>
+              <a:rPr lang="en" sz="3200" b="1" dirty="0">
+                <a:solidFill>
+                  <a:schemeClr val="tx1"/>
+                </a:solidFill>
+              </a:rPr>
+              <a:t>Introduction et problématique</a:t>
+            </a:r>
+            <a:endParaRPr sz="3200" b="1" dirty="0">
+              <a:solidFill>
+                <a:schemeClr val="tx1"/>
+              </a:solidFill>
+            </a:endParaRPr>
+          </a:p>
+        </p:txBody>
+      </p:sp>
+    </p:spTree>
+  </p:cSld>
+  <p:clrMapOvr>
+    <a:masterClrMapping/>
+  </p:clrMapOvr>
+  <p:transition spd="slow">
+    <p:cover/>
+  </p:transition>
+</p:sld>
+</file>
+
+<file path=ppt/slides/slide30.xml><?xml version="1.0" encoding="utf-8"?>
+<p:sld xmlns:a="http://schemas.openxmlformats.org/drawingml/2006/main" xmlns:r="http://schemas.openxmlformats.org/officeDocument/2006/relationships" xmlns:p="http://schemas.openxmlformats.org/presentationml/2006/main">
+  <p:cSld>
+    <p:spTree>
+      <p:nvGrpSpPr>
+        <p:cNvPr id="1" name="Shape 221"/>
+        <p:cNvGrpSpPr/>
+        <p:nvPr/>
+      </p:nvGrpSpPr>
+      <p:grpSpPr>
+        <a:xfrm>
+          <a:off x="0" y="0"/>
+          <a:ext cx="0" cy="0"/>
+          <a:chOff x="0" y="0"/>
+          <a:chExt cx="0" cy="0"/>
+        </a:xfrm>
+      </p:grpSpPr>
+      <p:sp>
+        <p:nvSpPr>
+          <p:cNvPr id="222" name="Google Shape;222;p36"/>
+          <p:cNvSpPr txBox="1">
+            <a:spLocks noGrp="1"/>
+          </p:cNvSpPr>
+          <p:nvPr>
+            <p:ph type="title"/>
+          </p:nvPr>
+        </p:nvSpPr>
+        <p:spPr>
+          <a:xfrm>
+            <a:off x="3781075" y="1635450"/>
+            <a:ext cx="1714500" cy="973200"/>
+          </a:xfrm>
+          <a:prstGeom prst="rect">
+            <a:avLst/>
+          </a:prstGeom>
+        </p:spPr>
+        <p:txBody>
+          <a:bodyPr spcFirstLastPara="1" wrap="square" lIns="91425" tIns="91425" rIns="91425" bIns="91425" anchor="b" anchorCtr="0">
+            <a:noAutofit/>
+          </a:bodyPr>
+          <a:lstStyle/>
+          <a:p>
+            <a:pPr marL="0" lvl="0" indent="0" algn="ctr" rtl="0">
+              <a:spcBef>
+                <a:spcPts val="0"/>
+              </a:spcBef>
+              <a:spcAft>
+                <a:spcPts val="0"/>
+              </a:spcAft>
+              <a:buNone/>
+            </a:pPr>
+            <a:r>
               <a:rPr lang="en" dirty="0">
                 <a:solidFill>
                   <a:srgbClr val="D84E2E"/>
@@ -23506,7 +29740,7 @@
 </p:sld>
 </file>
 
-<file path=ppt/slides/slide28.xml><?xml version="1.0" encoding="utf-8"?>
+<file path=ppt/slides/slide31.xml><?xml version="1.0" encoding="utf-8"?>
 <p:sld xmlns:a="http://schemas.openxmlformats.org/drawingml/2006/main" xmlns:r="http://schemas.openxmlformats.org/officeDocument/2006/relationships" xmlns:p="http://schemas.openxmlformats.org/presentationml/2006/main">
   <p:cSld>
     <p:spTree>
@@ -24158,7 +30392,7 @@
 </p:sld>
 </file>
 
-<file path=ppt/slides/slide29.xml><?xml version="1.0" encoding="utf-8"?>
+<file path=ppt/slides/slide32.xml><?xml version="1.0" encoding="utf-8"?>
 <p:sld xmlns:a="http://schemas.openxmlformats.org/drawingml/2006/main" xmlns:r="http://schemas.openxmlformats.org/officeDocument/2006/relationships" xmlns:p="http://schemas.openxmlformats.org/presentationml/2006/main">
   <p:cSld>
     <p:spTree>
@@ -24751,134 +30985,6 @@
   </p:clrMapOvr>
   <p:transition spd="slow">
     <p:push dir="u"/>
-  </p:transition>
-</p:sld>
-</file>
-
-<file path=ppt/slides/slide3.xml><?xml version="1.0" encoding="utf-8"?>
-<p:sld xmlns:a="http://schemas.openxmlformats.org/drawingml/2006/main" xmlns:r="http://schemas.openxmlformats.org/officeDocument/2006/relationships" xmlns:p="http://schemas.openxmlformats.org/presentationml/2006/main">
-  <p:cSld>
-    <p:spTree>
-      <p:nvGrpSpPr>
-        <p:cNvPr id="1" name="Shape 221"/>
-        <p:cNvGrpSpPr/>
-        <p:nvPr/>
-      </p:nvGrpSpPr>
-      <p:grpSpPr>
-        <a:xfrm>
-          <a:off x="0" y="0"/>
-          <a:ext cx="0" cy="0"/>
-          <a:chOff x="0" y="0"/>
-          <a:chExt cx="0" cy="0"/>
-        </a:xfrm>
-      </p:grpSpPr>
-      <p:sp>
-        <p:nvSpPr>
-          <p:cNvPr id="222" name="Google Shape;222;p36"/>
-          <p:cNvSpPr txBox="1">
-            <a:spLocks noGrp="1"/>
-          </p:cNvSpPr>
-          <p:nvPr>
-            <p:ph type="title"/>
-          </p:nvPr>
-        </p:nvSpPr>
-        <p:spPr>
-          <a:xfrm>
-            <a:off x="3781075" y="1635450"/>
-            <a:ext cx="1714500" cy="973200"/>
-          </a:xfrm>
-          <a:prstGeom prst="rect">
-            <a:avLst/>
-          </a:prstGeom>
-        </p:spPr>
-        <p:txBody>
-          <a:bodyPr spcFirstLastPara="1" wrap="square" lIns="91425" tIns="91425" rIns="91425" bIns="91425" anchor="b" anchorCtr="0">
-            <a:noAutofit/>
-          </a:bodyPr>
-          <a:lstStyle/>
-          <a:p>
-            <a:pPr marL="0" lvl="0" indent="0" algn="ctr" rtl="0">
-              <a:spcBef>
-                <a:spcPts val="0"/>
-              </a:spcBef>
-              <a:spcAft>
-                <a:spcPts val="0"/>
-              </a:spcAft>
-              <a:buNone/>
-            </a:pPr>
-            <a:r>
-              <a:rPr lang="en">
-                <a:solidFill>
-                  <a:srgbClr val="D84E2E"/>
-                </a:solidFill>
-              </a:rPr>
-              <a:t>01</a:t>
-            </a:r>
-            <a:endParaRPr>
-              <a:solidFill>
-                <a:srgbClr val="D84E2E"/>
-              </a:solidFill>
-            </a:endParaRPr>
-          </a:p>
-        </p:txBody>
-      </p:sp>
-      <p:sp>
-        <p:nvSpPr>
-          <p:cNvPr id="223" name="Google Shape;223;p36"/>
-          <p:cNvSpPr txBox="1">
-            <a:spLocks noGrp="1"/>
-          </p:cNvSpPr>
-          <p:nvPr>
-            <p:ph type="title" idx="2"/>
-          </p:nvPr>
-        </p:nvSpPr>
-        <p:spPr>
-          <a:xfrm>
-            <a:off x="1055782" y="2514300"/>
-            <a:ext cx="7165085" cy="609600"/>
-          </a:xfrm>
-          <a:prstGeom prst="rect">
-            <a:avLst/>
-          </a:prstGeom>
-        </p:spPr>
-        <p:txBody>
-          <a:bodyPr spcFirstLastPara="1" wrap="square" lIns="91425" tIns="91425" rIns="83775" bIns="91425" anchor="t" anchorCtr="0">
-            <a:noAutofit/>
-          </a:bodyPr>
-          <a:lstStyle/>
-          <a:p>
-            <a:pPr marL="0" lvl="0" indent="0" algn="ctr" rtl="0">
-              <a:spcBef>
-                <a:spcPts val="0"/>
-              </a:spcBef>
-              <a:spcAft>
-                <a:spcPts val="0"/>
-              </a:spcAft>
-              <a:buNone/>
-            </a:pPr>
-            <a:r>
-              <a:rPr lang="en" sz="3200" b="1" dirty="0">
-                <a:solidFill>
-                  <a:schemeClr val="tx1"/>
-                </a:solidFill>
-              </a:rPr>
-              <a:t>Introduction et problématique</a:t>
-            </a:r>
-            <a:endParaRPr sz="3200" b="1" dirty="0">
-              <a:solidFill>
-                <a:schemeClr val="tx1"/>
-              </a:solidFill>
-            </a:endParaRPr>
-          </a:p>
-        </p:txBody>
-      </p:sp>
-    </p:spTree>
-  </p:cSld>
-  <p:clrMapOvr>
-    <a:masterClrMapping/>
-  </p:clrMapOvr>
-  <p:transition spd="slow">
-    <p:cover/>
   </p:transition>
 </p:sld>
 </file>
